--- a/oct25/TEIWorkshop_2.pptx
+++ b/oct25/TEIWorkshop_2.pptx
@@ -10,26 +10,27 @@
     <p:sldId id="258" r:id="rId4"/>
     <p:sldId id="278" r:id="rId5"/>
     <p:sldId id="275" r:id="rId6"/>
-    <p:sldId id="276" r:id="rId7"/>
-    <p:sldId id="366" r:id="rId8"/>
-    <p:sldId id="367" r:id="rId9"/>
-    <p:sldId id="277" r:id="rId10"/>
-    <p:sldId id="280" r:id="rId11"/>
-    <p:sldId id="360" r:id="rId12"/>
-    <p:sldId id="361" r:id="rId13"/>
-    <p:sldId id="362" r:id="rId14"/>
-    <p:sldId id="363" r:id="rId15"/>
-    <p:sldId id="364" r:id="rId16"/>
-    <p:sldId id="365" r:id="rId17"/>
-    <p:sldId id="279" r:id="rId18"/>
-    <p:sldId id="368" r:id="rId19"/>
-    <p:sldId id="369" r:id="rId20"/>
-    <p:sldId id="370" r:id="rId21"/>
-    <p:sldId id="371" r:id="rId22"/>
-    <p:sldId id="372" r:id="rId23"/>
-    <p:sldId id="373" r:id="rId24"/>
-    <p:sldId id="374" r:id="rId25"/>
-    <p:sldId id="375" r:id="rId26"/>
+    <p:sldId id="376" r:id="rId7"/>
+    <p:sldId id="276" r:id="rId8"/>
+    <p:sldId id="366" r:id="rId9"/>
+    <p:sldId id="367" r:id="rId10"/>
+    <p:sldId id="277" r:id="rId11"/>
+    <p:sldId id="280" r:id="rId12"/>
+    <p:sldId id="360" r:id="rId13"/>
+    <p:sldId id="361" r:id="rId14"/>
+    <p:sldId id="362" r:id="rId15"/>
+    <p:sldId id="363" r:id="rId16"/>
+    <p:sldId id="364" r:id="rId17"/>
+    <p:sldId id="365" r:id="rId18"/>
+    <p:sldId id="279" r:id="rId19"/>
+    <p:sldId id="368" r:id="rId20"/>
+    <p:sldId id="369" r:id="rId21"/>
+    <p:sldId id="370" r:id="rId22"/>
+    <p:sldId id="371" r:id="rId23"/>
+    <p:sldId id="372" r:id="rId24"/>
+    <p:sldId id="373" r:id="rId25"/>
+    <p:sldId id="374" r:id="rId26"/>
+    <p:sldId id="375" r:id="rId27"/>
   </p:sldIdLst>
   <p:sldSz cx="12192000" cy="6858000"/>
   <p:notesSz cx="6858000" cy="9144000"/>
@@ -142,6 +143,7 @@
         <p14:section name="XML Recap" id="{72BBB3F7-0CE7-1048-828E-D76C11A33C67}">
           <p14:sldIdLst>
             <p14:sldId id="275"/>
+            <p14:sldId id="376"/>
             <p14:sldId id="276"/>
           </p14:sldIdLst>
         </p14:section>
@@ -181,6 +183,9 @@
           </p14:sldIdLst>
         </p14:section>
       </p14:sectionLst>
+    </p:ext>
+    <p:ext uri="{EFAFB233-063F-42B5-8137-9DF3F51BA10A}">
+      <p15:sldGuideLst xmlns:p15="http://schemas.microsoft.com/office/powerpoint/2012/main"/>
     </p:ext>
   </p:extLst>
 </p:presentation>
@@ -3822,7 +3827,7 @@
           <a:p>
             <a:fld id="{5540E00F-AD98-4440-923E-323B5FF0ED5D}" type="datetimeFigureOut">
               <a:rPr lang="en-US" smtClean="0"/>
-              <a:t>10/24/18</a:t>
+              <a:t>10/25/18</a:t>
             </a:fld>
             <a:endParaRPr lang="en-US"/>
           </a:p>
@@ -4027,7 +4032,7 @@
           <a:p>
             <a:fld id="{5540E00F-AD98-4440-923E-323B5FF0ED5D}" type="datetimeFigureOut">
               <a:rPr lang="en-US" smtClean="0"/>
-              <a:t>10/24/18</a:t>
+              <a:t>10/25/18</a:t>
             </a:fld>
             <a:endParaRPr lang="en-US"/>
           </a:p>
@@ -4207,7 +4212,7 @@
           <a:p>
             <a:fld id="{5540E00F-AD98-4440-923E-323B5FF0ED5D}" type="datetimeFigureOut">
               <a:rPr lang="en-US" smtClean="0"/>
-              <a:t>10/24/18</a:t>
+              <a:t>10/25/18</a:t>
             </a:fld>
             <a:endParaRPr lang="en-US"/>
           </a:p>
@@ -4412,7 +4417,7 @@
           <a:p>
             <a:fld id="{5540E00F-AD98-4440-923E-323B5FF0ED5D}" type="datetimeFigureOut">
               <a:rPr lang="en-US" smtClean="0"/>
-              <a:t>10/24/18</a:t>
+              <a:t>10/25/18</a:t>
             </a:fld>
             <a:endParaRPr lang="en-US"/>
           </a:p>
@@ -4707,7 +4712,7 @@
           <a:p>
             <a:fld id="{5540E00F-AD98-4440-923E-323B5FF0ED5D}" type="datetimeFigureOut">
               <a:rPr lang="en-US" smtClean="0"/>
-              <a:t>10/24/18</a:t>
+              <a:t>10/25/18</a:t>
             </a:fld>
             <a:endParaRPr lang="en-US"/>
           </a:p>
@@ -4979,7 +4984,7 @@
           <a:p>
             <a:fld id="{5540E00F-AD98-4440-923E-323B5FF0ED5D}" type="datetimeFigureOut">
               <a:rPr lang="en-US" smtClean="0"/>
-              <a:t>10/24/18</a:t>
+              <a:t>10/25/18</a:t>
             </a:fld>
             <a:endParaRPr lang="en-US"/>
           </a:p>
@@ -5386,7 +5391,7 @@
           <a:p>
             <a:fld id="{5540E00F-AD98-4440-923E-323B5FF0ED5D}" type="datetimeFigureOut">
               <a:rPr lang="en-US" smtClean="0"/>
-              <a:t>10/24/18</a:t>
+              <a:t>10/25/18</a:t>
             </a:fld>
             <a:endParaRPr lang="en-US"/>
           </a:p>
@@ -5504,7 +5509,7 @@
           <a:p>
             <a:fld id="{5540E00F-AD98-4440-923E-323B5FF0ED5D}" type="datetimeFigureOut">
               <a:rPr lang="en-US" smtClean="0"/>
-              <a:t>10/24/18</a:t>
+              <a:t>10/25/18</a:t>
             </a:fld>
             <a:endParaRPr lang="en-US"/>
           </a:p>
@@ -5599,7 +5604,7 @@
           <a:p>
             <a:fld id="{5540E00F-AD98-4440-923E-323B5FF0ED5D}" type="datetimeFigureOut">
               <a:rPr lang="en-US" smtClean="0"/>
-              <a:t>10/24/18</a:t>
+              <a:t>10/25/18</a:t>
             </a:fld>
             <a:endParaRPr lang="en-US"/>
           </a:p>
@@ -5889,7 +5894,7 @@
           <a:p>
             <a:fld id="{5540E00F-AD98-4440-923E-323B5FF0ED5D}" type="datetimeFigureOut">
               <a:rPr lang="en-US" smtClean="0"/>
-              <a:t>10/24/18</a:t>
+              <a:t>10/25/18</a:t>
             </a:fld>
             <a:endParaRPr lang="en-US"/>
           </a:p>
@@ -6169,7 +6174,7 @@
           <a:p>
             <a:fld id="{5540E00F-AD98-4440-923E-323B5FF0ED5D}" type="datetimeFigureOut">
               <a:rPr lang="en-US" smtClean="0"/>
-              <a:t>10/24/18</a:t>
+              <a:t>10/25/18</a:t>
             </a:fld>
             <a:endParaRPr lang="en-US"/>
           </a:p>
@@ -6419,7 +6424,7 @@
           <a:p>
             <a:fld id="{5540E00F-AD98-4440-923E-323B5FF0ED5D}" type="datetimeFigureOut">
               <a:rPr lang="en-US" smtClean="0"/>
-              <a:t>10/24/18</a:t>
+              <a:t>10/25/18</a:t>
             </a:fld>
             <a:endParaRPr lang="en-US"/>
           </a:p>
@@ -7085,7 +7090,7 @@
           <a:p>
             <a:pPr fontAlgn="base"/>
             <a:r>
-              <a:rPr lang="en-CA" sz="4400" b="1">
+              <a:rPr lang="en-CA" sz="4400" b="1" dirty="0">
                 <a:solidFill>
                   <a:srgbClr val="FFFFFF"/>
                 </a:solidFill>
@@ -7093,14 +7098,14 @@
               <a:t>So I Want To Use the TEI…</a:t>
             </a:r>
             <a:br>
-              <a:rPr lang="en-CA" sz="4400" b="1">
+              <a:rPr lang="en-CA" sz="4400" b="1" dirty="0">
                 <a:solidFill>
                   <a:srgbClr val="FFFFFF"/>
                 </a:solidFill>
               </a:rPr>
             </a:br>
             <a:r>
-              <a:rPr lang="en-CA" sz="4400" b="1">
+              <a:rPr lang="en-CA" sz="4400" b="1" dirty="0">
                 <a:solidFill>
                   <a:srgbClr val="FFFFFF"/>
                 </a:solidFill>
@@ -7140,7 +7145,7 @@
           <a:p>
             <a:pPr algn="r"/>
             <a:r>
-              <a:rPr lang="en-US" sz="1600">
+              <a:rPr lang="en-US" sz="1600" dirty="0">
                 <a:solidFill>
                   <a:srgbClr val="FFFFFF"/>
                 </a:solidFill>
@@ -7151,15 +7156,15 @@
           <a:p>
             <a:pPr algn="r"/>
             <a:r>
-              <a:rPr lang="en-US" sz="1600">
+              <a:rPr lang="en-US" sz="1600" dirty="0">
                 <a:solidFill>
                   <a:srgbClr val="FFFFFF"/>
                 </a:solidFill>
               </a:rPr>
-              <a:t>September 20</a:t>
-            </a:r>
-            <a:r>
-              <a:rPr lang="en-US" sz="1600" baseline="30000">
+              <a:t>October 25</a:t>
+            </a:r>
+            <a:r>
+              <a:rPr lang="en-US" sz="1600" baseline="30000" dirty="0">
                 <a:solidFill>
                   <a:srgbClr val="FFFFFF"/>
                 </a:solidFill>
@@ -7167,7 +7172,7 @@
               <a:t>th</a:t>
             </a:r>
             <a:r>
-              <a:rPr lang="en-US" sz="1600">
+              <a:rPr lang="en-US" sz="1600" dirty="0">
                 <a:solidFill>
                   <a:srgbClr val="FFFFFF"/>
                 </a:solidFill>
@@ -7178,7 +7183,7 @@
           <a:p>
             <a:pPr algn="r"/>
             <a:r>
-              <a:rPr lang="en-US" sz="1600">
+              <a:rPr lang="en-US" sz="1600" dirty="0">
                 <a:solidFill>
                   <a:srgbClr val="FFFFFF"/>
                 </a:solidFill>
@@ -7304,7 +7309,13 @@
       </p:grpSpPr>
       <p:sp>
         <p:nvSpPr>
-          <p:cNvPr id="2" name="Title 1"/>
+          <p:cNvPr id="2" name="Title 1">
+            <a:extLst>
+              <a:ext uri="{FF2B5EF4-FFF2-40B4-BE49-F238E27FC236}">
+                <a16:creationId xmlns:a16="http://schemas.microsoft.com/office/drawing/2014/main" id="{980F5E87-89FB-3E4E-A65B-2B7275034E44}"/>
+              </a:ext>
+            </a:extLst>
+          </p:cNvPr>
           <p:cNvSpPr>
             <a:spLocks noGrp="1"/>
           </p:cNvSpPr>
@@ -7312,28 +7323,27 @@
             <p:ph type="title"/>
           </p:nvPr>
         </p:nvSpPr>
-        <p:spPr>
-          <a:xfrm>
-            <a:off x="2773279" y="502319"/>
-            <a:ext cx="6261100" cy="1143000"/>
-          </a:xfrm>
-        </p:spPr>
-        <p:txBody>
-          <a:bodyPr>
-            <a:normAutofit fontScale="90000"/>
-          </a:bodyPr>
-          <a:lstStyle/>
-          <a:p>
-            <a:r>
-              <a:rPr lang="en-CA" dirty="0"/>
-              <a:t>TEI is for Data and Metadata</a:t>
-            </a:r>
-          </a:p>
-        </p:txBody>
-      </p:sp>
-      <p:sp>
-        <p:nvSpPr>
-          <p:cNvPr id="3" name="Content Placeholder 2"/>
+        <p:spPr/>
+        <p:txBody>
+          <a:bodyPr/>
+          <a:lstStyle/>
+          <a:p>
+            <a:r>
+              <a:rPr lang="en-US" dirty="0"/>
+              <a:t>The TEI guidelines</a:t>
+            </a:r>
+          </a:p>
+        </p:txBody>
+      </p:sp>
+      <p:sp>
+        <p:nvSpPr>
+          <p:cNvPr id="3" name="Content Placeholder 2">
+            <a:extLst>
+              <a:ext uri="{FF2B5EF4-FFF2-40B4-BE49-F238E27FC236}">
+                <a16:creationId xmlns:a16="http://schemas.microsoft.com/office/drawing/2014/main" id="{8999F226-9E60-C947-8EF3-0E2045537648}"/>
+              </a:ext>
+            </a:extLst>
+          </p:cNvPr>
           <p:cNvSpPr>
             <a:spLocks noGrp="1"/>
           </p:cNvSpPr>
@@ -7341,217 +7351,38 @@
             <p:ph idx="1"/>
           </p:nvPr>
         </p:nvSpPr>
-        <p:spPr>
-          <a:xfrm>
-            <a:off x="2628900" y="2032001"/>
-            <a:ext cx="2540668" cy="3911600"/>
-          </a:xfrm>
-        </p:spPr>
-        <p:style>
-          <a:lnRef idx="2">
-            <a:schemeClr val="accent2"/>
-          </a:lnRef>
-          <a:fillRef idx="1">
-            <a:schemeClr val="lt1"/>
-          </a:fillRef>
-          <a:effectRef idx="0">
-            <a:schemeClr val="accent2"/>
-          </a:effectRef>
-          <a:fontRef idx="minor">
-            <a:schemeClr val="dk1"/>
-          </a:fontRef>
-        </p:style>
+        <p:spPr/>
         <p:txBody>
           <a:bodyPr/>
           <a:lstStyle/>
           <a:p>
-            <a:pPr marL="0" indent="0">
-              <a:buNone/>
-            </a:pPr>
-            <a:r>
-              <a:rPr lang="en-CA" dirty="0"/>
-              <a:t>&lt;TEI&gt;</a:t>
-            </a:r>
-          </a:p>
-          <a:p>
-            <a:pPr marL="399909" lvl="1" indent="0">
-              <a:buNone/>
-            </a:pPr>
-            <a:r>
-              <a:rPr lang="en-CA" dirty="0"/>
-              <a:t>&lt;</a:t>
-            </a:r>
-            <a:r>
-              <a:rPr lang="en-CA" dirty="0" err="1"/>
-              <a:t>teiHeader</a:t>
-            </a:r>
-            <a:r>
-              <a:rPr lang="en-CA" dirty="0"/>
-              <a:t>&gt;	</a:t>
-            </a:r>
-          </a:p>
-          <a:p>
-            <a:pPr marL="399909" lvl="1" indent="0">
-              <a:buNone/>
-            </a:pPr>
-            <a:r>
-              <a:rPr lang="en-CA" dirty="0"/>
-              <a:t>&lt;/</a:t>
-            </a:r>
-            <a:r>
-              <a:rPr lang="en-CA" dirty="0" err="1"/>
-              <a:t>teiHeader</a:t>
-            </a:r>
-            <a:r>
-              <a:rPr lang="en-CA" dirty="0"/>
-              <a:t>&gt;</a:t>
-            </a:r>
-          </a:p>
-          <a:p>
-            <a:pPr marL="399909" lvl="1" indent="0">
-              <a:buNone/>
-            </a:pPr>
-            <a:r>
-              <a:rPr lang="en-CA" dirty="0"/>
-              <a:t>&lt;text&gt;				&lt;/text&gt;</a:t>
-            </a:r>
-          </a:p>
-          <a:p>
-            <a:pPr marL="0" indent="0">
-              <a:buNone/>
-            </a:pPr>
-            <a:r>
-              <a:rPr lang="en-CA" dirty="0"/>
-              <a:t>&lt;/TEI&gt;</a:t>
-            </a:r>
-          </a:p>
-        </p:txBody>
-      </p:sp>
-      <p:sp>
-        <p:nvSpPr>
-          <p:cNvPr id="5" name="Rounded Rectangle 4"/>
-          <p:cNvSpPr/>
-          <p:nvPr/>
-        </p:nvSpPr>
-        <p:spPr>
-          <a:xfrm>
-            <a:off x="5759450" y="2478505"/>
-            <a:ext cx="2460124" cy="703848"/>
-          </a:xfrm>
-          <a:prstGeom prst="roundRect">
-            <a:avLst/>
-          </a:prstGeom>
-        </p:spPr>
-        <p:style>
-          <a:lnRef idx="1">
-            <a:schemeClr val="accent1"/>
-          </a:lnRef>
-          <a:fillRef idx="3">
-            <a:schemeClr val="accent1"/>
-          </a:fillRef>
-          <a:effectRef idx="2">
-            <a:schemeClr val="accent1"/>
-          </a:effectRef>
-          <a:fontRef idx="minor">
-            <a:schemeClr val="lt1"/>
-          </a:fontRef>
-        </p:style>
-        <p:txBody>
-          <a:bodyPr rtlCol="0" anchor="ctr"/>
-          <a:lstStyle/>
-          <a:p>
-            <a:pPr algn="ctr"/>
-            <a:r>
-              <a:rPr lang="en-CA" dirty="0"/>
-              <a:t>metadata</a:t>
-            </a:r>
-          </a:p>
-        </p:txBody>
-      </p:sp>
-      <p:sp>
-        <p:nvSpPr>
-          <p:cNvPr id="7" name="Rounded Rectangle 6"/>
-          <p:cNvSpPr/>
-          <p:nvPr/>
-        </p:nvSpPr>
-        <p:spPr>
-          <a:xfrm>
-            <a:off x="5759450" y="3705726"/>
-            <a:ext cx="2460124" cy="637674"/>
-          </a:xfrm>
-          <a:prstGeom prst="roundRect">
-            <a:avLst/>
-          </a:prstGeom>
-        </p:spPr>
-        <p:style>
-          <a:lnRef idx="1">
-            <a:schemeClr val="accent1"/>
-          </a:lnRef>
-          <a:fillRef idx="3">
-            <a:schemeClr val="accent1"/>
-          </a:fillRef>
-          <a:effectRef idx="2">
-            <a:schemeClr val="accent1"/>
-          </a:effectRef>
-          <a:fontRef idx="minor">
-            <a:schemeClr val="lt1"/>
-          </a:fontRef>
-        </p:style>
-        <p:txBody>
-          <a:bodyPr rtlCol="0" anchor="ctr"/>
-          <a:lstStyle/>
-          <a:p>
-            <a:pPr algn="ctr"/>
-            <a:r>
-              <a:rPr lang="en-CA" dirty="0"/>
-              <a:t>data</a:t>
-            </a:r>
-          </a:p>
-        </p:txBody>
-      </p:sp>
-      <p:sp>
-        <p:nvSpPr>
-          <p:cNvPr id="8" name="Rectangle 7"/>
-          <p:cNvSpPr/>
-          <p:nvPr/>
-        </p:nvSpPr>
-        <p:spPr>
-          <a:xfrm>
-            <a:off x="5392154" y="2032001"/>
-            <a:ext cx="3122194" cy="3911600"/>
-          </a:xfrm>
-          <a:prstGeom prst="rect">
-            <a:avLst/>
-          </a:prstGeom>
-          <a:noFill/>
-        </p:spPr>
-        <p:style>
-          <a:lnRef idx="1">
-            <a:schemeClr val="accent1"/>
-          </a:lnRef>
-          <a:fillRef idx="3">
-            <a:schemeClr val="accent1"/>
-          </a:fillRef>
-          <a:effectRef idx="2">
-            <a:schemeClr val="accent1"/>
-          </a:effectRef>
-          <a:fontRef idx="minor">
-            <a:schemeClr val="lt1"/>
-          </a:fontRef>
-        </p:style>
-        <p:txBody>
-          <a:bodyPr rtlCol="0" anchor="ctr"/>
-          <a:lstStyle/>
-          <a:p>
-            <a:pPr algn="ctr"/>
-            <a:endParaRPr lang="en-CA"/>
+            <a:r>
+              <a:rPr lang="en-US" dirty="0"/>
+              <a:t>http://</a:t>
+            </a:r>
+            <a:r>
+              <a:rPr lang="en-US" dirty="0" err="1"/>
+              <a:t>www.tei-c.org</a:t>
+            </a:r>
+            <a:r>
+              <a:rPr lang="en-US" dirty="0"/>
+              <a:t>/release/doc/tei-p5-doc/</a:t>
+            </a:r>
+            <a:r>
+              <a:rPr lang="en-US" dirty="0" err="1"/>
+              <a:t>en</a:t>
+            </a:r>
+            <a:r>
+              <a:rPr lang="en-US" dirty="0"/>
+              <a:t>/html/</a:t>
+            </a:r>
           </a:p>
         </p:txBody>
       </p:sp>
     </p:spTree>
     <p:extLst>
       <p:ext uri="{BB962C8B-B14F-4D97-AF65-F5344CB8AC3E}">
-        <p14:creationId xmlns:p14="http://schemas.microsoft.com/office/powerpoint/2010/main" val="2981120024"/>
+        <p14:creationId xmlns:p14="http://schemas.microsoft.com/office/powerpoint/2010/main" val="2299371224"/>
       </p:ext>
     </p:extLst>
   </p:cSld>
@@ -7588,6 +7419,282 @@
             <p:ph type="title"/>
           </p:nvPr>
         </p:nvSpPr>
+        <p:spPr>
+          <a:xfrm>
+            <a:off x="2773279" y="502319"/>
+            <a:ext cx="6261100" cy="1143000"/>
+          </a:xfrm>
+        </p:spPr>
+        <p:txBody>
+          <a:bodyPr>
+            <a:normAutofit fontScale="90000"/>
+          </a:bodyPr>
+          <a:lstStyle/>
+          <a:p>
+            <a:r>
+              <a:rPr lang="en-CA" dirty="0"/>
+              <a:t>TEI is for Data and Metadata</a:t>
+            </a:r>
+          </a:p>
+        </p:txBody>
+      </p:sp>
+      <p:sp>
+        <p:nvSpPr>
+          <p:cNvPr id="3" name="Content Placeholder 2"/>
+          <p:cNvSpPr>
+            <a:spLocks noGrp="1"/>
+          </p:cNvSpPr>
+          <p:nvPr>
+            <p:ph idx="1"/>
+          </p:nvPr>
+        </p:nvSpPr>
+        <p:spPr>
+          <a:xfrm>
+            <a:off x="2628900" y="2032001"/>
+            <a:ext cx="2540668" cy="3911600"/>
+          </a:xfrm>
+        </p:spPr>
+        <p:style>
+          <a:lnRef idx="2">
+            <a:schemeClr val="accent2"/>
+          </a:lnRef>
+          <a:fillRef idx="1">
+            <a:schemeClr val="lt1"/>
+          </a:fillRef>
+          <a:effectRef idx="0">
+            <a:schemeClr val="accent2"/>
+          </a:effectRef>
+          <a:fontRef idx="minor">
+            <a:schemeClr val="dk1"/>
+          </a:fontRef>
+        </p:style>
+        <p:txBody>
+          <a:bodyPr/>
+          <a:lstStyle/>
+          <a:p>
+            <a:pPr marL="0" indent="0">
+              <a:buNone/>
+            </a:pPr>
+            <a:r>
+              <a:rPr lang="en-CA" dirty="0"/>
+              <a:t>&lt;TEI&gt;</a:t>
+            </a:r>
+          </a:p>
+          <a:p>
+            <a:pPr marL="399909" lvl="1" indent="0">
+              <a:buNone/>
+            </a:pPr>
+            <a:r>
+              <a:rPr lang="en-CA" dirty="0"/>
+              <a:t>&lt;</a:t>
+            </a:r>
+            <a:r>
+              <a:rPr lang="en-CA" dirty="0" err="1"/>
+              <a:t>teiHeader</a:t>
+            </a:r>
+            <a:r>
+              <a:rPr lang="en-CA" dirty="0"/>
+              <a:t>&gt;	</a:t>
+            </a:r>
+          </a:p>
+          <a:p>
+            <a:pPr marL="399909" lvl="1" indent="0">
+              <a:buNone/>
+            </a:pPr>
+            <a:r>
+              <a:rPr lang="en-CA" dirty="0"/>
+              <a:t>&lt;/</a:t>
+            </a:r>
+            <a:r>
+              <a:rPr lang="en-CA" dirty="0" err="1"/>
+              <a:t>teiHeader</a:t>
+            </a:r>
+            <a:r>
+              <a:rPr lang="en-CA" dirty="0"/>
+              <a:t>&gt;</a:t>
+            </a:r>
+          </a:p>
+          <a:p>
+            <a:pPr marL="399909" lvl="1" indent="0">
+              <a:buNone/>
+            </a:pPr>
+            <a:r>
+              <a:rPr lang="en-CA" dirty="0"/>
+              <a:t>&lt;text&gt;				&lt;/text&gt;</a:t>
+            </a:r>
+          </a:p>
+          <a:p>
+            <a:pPr marL="0" indent="0">
+              <a:buNone/>
+            </a:pPr>
+            <a:r>
+              <a:rPr lang="en-CA" dirty="0"/>
+              <a:t>&lt;/TEI&gt;</a:t>
+            </a:r>
+          </a:p>
+        </p:txBody>
+      </p:sp>
+      <p:sp>
+        <p:nvSpPr>
+          <p:cNvPr id="5" name="Rounded Rectangle 4"/>
+          <p:cNvSpPr/>
+          <p:nvPr/>
+        </p:nvSpPr>
+        <p:spPr>
+          <a:xfrm>
+            <a:off x="5759450" y="2478505"/>
+            <a:ext cx="2460124" cy="703848"/>
+          </a:xfrm>
+          <a:prstGeom prst="roundRect">
+            <a:avLst/>
+          </a:prstGeom>
+        </p:spPr>
+        <p:style>
+          <a:lnRef idx="1">
+            <a:schemeClr val="accent1"/>
+          </a:lnRef>
+          <a:fillRef idx="3">
+            <a:schemeClr val="accent1"/>
+          </a:fillRef>
+          <a:effectRef idx="2">
+            <a:schemeClr val="accent1"/>
+          </a:effectRef>
+          <a:fontRef idx="minor">
+            <a:schemeClr val="lt1"/>
+          </a:fontRef>
+        </p:style>
+        <p:txBody>
+          <a:bodyPr rtlCol="0" anchor="ctr"/>
+          <a:lstStyle/>
+          <a:p>
+            <a:pPr algn="ctr"/>
+            <a:r>
+              <a:rPr lang="en-CA" dirty="0"/>
+              <a:t>metadata</a:t>
+            </a:r>
+          </a:p>
+        </p:txBody>
+      </p:sp>
+      <p:sp>
+        <p:nvSpPr>
+          <p:cNvPr id="7" name="Rounded Rectangle 6"/>
+          <p:cNvSpPr/>
+          <p:nvPr/>
+        </p:nvSpPr>
+        <p:spPr>
+          <a:xfrm>
+            <a:off x="5759450" y="3705726"/>
+            <a:ext cx="2460124" cy="637674"/>
+          </a:xfrm>
+          <a:prstGeom prst="roundRect">
+            <a:avLst/>
+          </a:prstGeom>
+        </p:spPr>
+        <p:style>
+          <a:lnRef idx="1">
+            <a:schemeClr val="accent1"/>
+          </a:lnRef>
+          <a:fillRef idx="3">
+            <a:schemeClr val="accent1"/>
+          </a:fillRef>
+          <a:effectRef idx="2">
+            <a:schemeClr val="accent1"/>
+          </a:effectRef>
+          <a:fontRef idx="minor">
+            <a:schemeClr val="lt1"/>
+          </a:fontRef>
+        </p:style>
+        <p:txBody>
+          <a:bodyPr rtlCol="0" anchor="ctr"/>
+          <a:lstStyle/>
+          <a:p>
+            <a:pPr algn="ctr"/>
+            <a:r>
+              <a:rPr lang="en-CA" dirty="0"/>
+              <a:t>data</a:t>
+            </a:r>
+          </a:p>
+        </p:txBody>
+      </p:sp>
+      <p:sp>
+        <p:nvSpPr>
+          <p:cNvPr id="8" name="Rectangle 7"/>
+          <p:cNvSpPr/>
+          <p:nvPr/>
+        </p:nvSpPr>
+        <p:spPr>
+          <a:xfrm>
+            <a:off x="5392154" y="2032001"/>
+            <a:ext cx="3122194" cy="3911600"/>
+          </a:xfrm>
+          <a:prstGeom prst="rect">
+            <a:avLst/>
+          </a:prstGeom>
+          <a:noFill/>
+        </p:spPr>
+        <p:style>
+          <a:lnRef idx="1">
+            <a:schemeClr val="accent1"/>
+          </a:lnRef>
+          <a:fillRef idx="3">
+            <a:schemeClr val="accent1"/>
+          </a:fillRef>
+          <a:effectRef idx="2">
+            <a:schemeClr val="accent1"/>
+          </a:effectRef>
+          <a:fontRef idx="minor">
+            <a:schemeClr val="lt1"/>
+          </a:fontRef>
+        </p:style>
+        <p:txBody>
+          <a:bodyPr rtlCol="0" anchor="ctr"/>
+          <a:lstStyle/>
+          <a:p>
+            <a:pPr algn="ctr"/>
+            <a:endParaRPr lang="en-CA"/>
+          </a:p>
+        </p:txBody>
+      </p:sp>
+    </p:spTree>
+    <p:extLst>
+      <p:ext uri="{BB962C8B-B14F-4D97-AF65-F5344CB8AC3E}">
+        <p14:creationId xmlns:p14="http://schemas.microsoft.com/office/powerpoint/2010/main" val="2981120024"/>
+      </p:ext>
+    </p:extLst>
+  </p:cSld>
+  <p:clrMapOvr>
+    <a:masterClrMapping/>
+  </p:clrMapOvr>
+</p:sld>
+</file>
+
+<file path=ppt/slides/slide12.xml><?xml version="1.0" encoding="utf-8"?>
+<p:sld xmlns:a="http://schemas.openxmlformats.org/drawingml/2006/main" xmlns:r="http://schemas.openxmlformats.org/officeDocument/2006/relationships" xmlns:p="http://schemas.openxmlformats.org/presentationml/2006/main">
+  <p:cSld>
+    <p:spTree>
+      <p:nvGrpSpPr>
+        <p:cNvPr id="1" name=""/>
+        <p:cNvGrpSpPr/>
+        <p:nvPr/>
+      </p:nvGrpSpPr>
+      <p:grpSpPr>
+        <a:xfrm>
+          <a:off x="0" y="0"/>
+          <a:ext cx="0" cy="0"/>
+          <a:chOff x="0" y="0"/>
+          <a:chExt cx="0" cy="0"/>
+        </a:xfrm>
+      </p:grpSpPr>
+      <p:sp>
+        <p:nvSpPr>
+          <p:cNvPr id="2" name="Title 1"/>
+          <p:cNvSpPr>
+            <a:spLocks noGrp="1"/>
+          </p:cNvSpPr>
+          <p:nvPr>
+            <p:ph type="title"/>
+          </p:nvPr>
+        </p:nvSpPr>
         <p:spPr/>
         <p:txBody>
           <a:bodyPr/>
@@ -7684,7 +7791,7 @@
 </p:sld>
 </file>
 
-<file path=ppt/slides/slide12.xml><?xml version="1.0" encoding="utf-8"?>
+<file path=ppt/slides/slide13.xml><?xml version="1.0" encoding="utf-8"?>
 <p:sld xmlns:a="http://schemas.openxmlformats.org/drawingml/2006/main" xmlns:r="http://schemas.openxmlformats.org/officeDocument/2006/relationships" xmlns:p="http://schemas.openxmlformats.org/presentationml/2006/main">
   <p:cSld>
     <p:spTree>
@@ -7784,7 +7891,7 @@
 </p:sld>
 </file>
 
-<file path=ppt/slides/slide13.xml><?xml version="1.0" encoding="utf-8"?>
+<file path=ppt/slides/slide14.xml><?xml version="1.0" encoding="utf-8"?>
 <p:sld xmlns:a="http://schemas.openxmlformats.org/drawingml/2006/main" xmlns:r="http://schemas.openxmlformats.org/officeDocument/2006/relationships" xmlns:p="http://schemas.openxmlformats.org/presentationml/2006/main">
   <p:cSld>
     <p:spTree>
@@ -7967,246 +8074,6 @@
     <p:extLst>
       <p:ext uri="{BB962C8B-B14F-4D97-AF65-F5344CB8AC3E}">
         <p14:creationId xmlns:p14="http://schemas.microsoft.com/office/powerpoint/2010/main" val="2788728211"/>
-      </p:ext>
-    </p:extLst>
-  </p:cSld>
-  <p:clrMapOvr>
-    <a:masterClrMapping/>
-  </p:clrMapOvr>
-</p:sld>
-</file>
-
-<file path=ppt/slides/slide14.xml><?xml version="1.0" encoding="utf-8"?>
-<p:sld xmlns:a="http://schemas.openxmlformats.org/drawingml/2006/main" xmlns:r="http://schemas.openxmlformats.org/officeDocument/2006/relationships" xmlns:p="http://schemas.openxmlformats.org/presentationml/2006/main">
-  <p:cSld>
-    <p:spTree>
-      <p:nvGrpSpPr>
-        <p:cNvPr id="1" name=""/>
-        <p:cNvGrpSpPr/>
-        <p:nvPr/>
-      </p:nvGrpSpPr>
-      <p:grpSpPr>
-        <a:xfrm>
-          <a:off x="0" y="0"/>
-          <a:ext cx="0" cy="0"/>
-          <a:chOff x="0" y="0"/>
-          <a:chExt cx="0" cy="0"/>
-        </a:xfrm>
-      </p:grpSpPr>
-      <p:sp>
-        <p:nvSpPr>
-          <p:cNvPr id="5" name="Title 4"/>
-          <p:cNvSpPr>
-            <a:spLocks noGrp="1"/>
-          </p:cNvSpPr>
-          <p:nvPr>
-            <p:ph type="title"/>
-          </p:nvPr>
-        </p:nvSpPr>
-        <p:spPr>
-          <a:xfrm>
-            <a:off x="2628899" y="856894"/>
-            <a:ext cx="6261100" cy="1143000"/>
-          </a:xfrm>
-        </p:spPr>
-        <p:txBody>
-          <a:bodyPr>
-            <a:normAutofit fontScale="90000"/>
-          </a:bodyPr>
-          <a:lstStyle/>
-          <a:p>
-            <a:r>
-              <a:rPr lang="en-US" dirty="0"/>
-              <a:t>Example: the &lt;</a:t>
-            </a:r>
-            <a:r>
-              <a:rPr lang="en-US" dirty="0" err="1"/>
-              <a:t>monog</a:t>
-            </a:r>
-            <a:r>
-              <a:rPr lang="en-US" dirty="0"/>
-              <a:t>&gt; element:</a:t>
-            </a:r>
-          </a:p>
-        </p:txBody>
-      </p:sp>
-      <p:pic>
-        <p:nvPicPr>
-          <p:cNvPr id="10" name="Content Placeholder 9"/>
-          <p:cNvPicPr>
-            <a:picLocks noGrp="1" noChangeAspect="1"/>
-          </p:cNvPicPr>
-          <p:nvPr>
-            <p:ph idx="1"/>
-          </p:nvPr>
-        </p:nvPicPr>
-        <p:blipFill>
-          <a:blip r:embed="rId2">
-            <a:extLst>
-              <a:ext uri="{28A0092B-C50C-407E-A947-70E740481C1C}">
-                <a14:useLocalDpi xmlns:a14="http://schemas.microsoft.com/office/drawing/2010/main" val="0"/>
-              </a:ext>
-            </a:extLst>
-          </a:blip>
-          <a:stretch>
-            <a:fillRect/>
-          </a:stretch>
-        </p:blipFill>
-        <p:spPr>
-          <a:xfrm>
-            <a:off x="1851721" y="2495548"/>
-            <a:ext cx="7897249" cy="3127561"/>
-          </a:xfrm>
-        </p:spPr>
-      </p:pic>
-      <p:sp>
-        <p:nvSpPr>
-          <p:cNvPr id="2" name="Left Arrow 1"/>
-          <p:cNvSpPr/>
-          <p:nvPr/>
-        </p:nvSpPr>
-        <p:spPr>
-          <a:xfrm rot="19385750">
-            <a:off x="3995884" y="1974188"/>
-            <a:ext cx="1337733" cy="530135"/>
-          </a:xfrm>
-          <a:prstGeom prst="leftArrow">
-            <a:avLst/>
-          </a:prstGeom>
-        </p:spPr>
-        <p:style>
-          <a:lnRef idx="1">
-            <a:schemeClr val="accent1"/>
-          </a:lnRef>
-          <a:fillRef idx="3">
-            <a:schemeClr val="accent1"/>
-          </a:fillRef>
-          <a:effectRef idx="2">
-            <a:schemeClr val="accent1"/>
-          </a:effectRef>
-          <a:fontRef idx="minor">
-            <a:schemeClr val="lt1"/>
-          </a:fontRef>
-        </p:style>
-        <p:txBody>
-          <a:bodyPr rtlCol="0" anchor="ctr"/>
-          <a:lstStyle/>
-          <a:p>
-            <a:pPr algn="ctr" defTabSz="457039">
-              <a:defRPr/>
-            </a:pPr>
-            <a:r>
-              <a:rPr lang="en-US" dirty="0">
-                <a:solidFill>
-                  <a:prstClr val="white"/>
-                </a:solidFill>
-                <a:latin typeface="Arial"/>
-              </a:rPr>
-              <a:t>Definition</a:t>
-            </a:r>
-          </a:p>
-        </p:txBody>
-      </p:sp>
-      <p:sp>
-        <p:nvSpPr>
-          <p:cNvPr id="13" name="Left Arrow 12"/>
-          <p:cNvSpPr/>
-          <p:nvPr/>
-        </p:nvSpPr>
-        <p:spPr>
-          <a:xfrm rot="19282394">
-            <a:off x="7567050" y="1907367"/>
-            <a:ext cx="1337733" cy="746127"/>
-          </a:xfrm>
-          <a:prstGeom prst="leftArrow">
-            <a:avLst/>
-          </a:prstGeom>
-        </p:spPr>
-        <p:style>
-          <a:lnRef idx="1">
-            <a:schemeClr val="accent1"/>
-          </a:lnRef>
-          <a:fillRef idx="3">
-            <a:schemeClr val="accent1"/>
-          </a:fillRef>
-          <a:effectRef idx="2">
-            <a:schemeClr val="accent1"/>
-          </a:effectRef>
-          <a:fontRef idx="minor">
-            <a:schemeClr val="lt1"/>
-          </a:fontRef>
-        </p:style>
-        <p:txBody>
-          <a:bodyPr rtlCol="0" anchor="ctr"/>
-          <a:lstStyle/>
-          <a:p>
-            <a:pPr algn="ctr" defTabSz="457039">
-              <a:defRPr/>
-            </a:pPr>
-            <a:r>
-              <a:rPr lang="en-US" sz="1200" dirty="0">
-                <a:solidFill>
-                  <a:prstClr val="white"/>
-                </a:solidFill>
-                <a:latin typeface="Arial"/>
-              </a:rPr>
-              <a:t>Definition chapters</a:t>
-            </a:r>
-          </a:p>
-        </p:txBody>
-      </p:sp>
-      <p:sp>
-        <p:nvSpPr>
-          <p:cNvPr id="18" name="Left Arrow 17"/>
-          <p:cNvSpPr/>
-          <p:nvPr/>
-        </p:nvSpPr>
-        <p:spPr>
-          <a:xfrm>
-            <a:off x="4894732" y="2972687"/>
-            <a:ext cx="1337733" cy="375821"/>
-          </a:xfrm>
-          <a:prstGeom prst="leftArrow">
-            <a:avLst/>
-          </a:prstGeom>
-        </p:spPr>
-        <p:style>
-          <a:lnRef idx="1">
-            <a:schemeClr val="accent1"/>
-          </a:lnRef>
-          <a:fillRef idx="3">
-            <a:schemeClr val="accent1"/>
-          </a:fillRef>
-          <a:effectRef idx="2">
-            <a:schemeClr val="accent1"/>
-          </a:effectRef>
-          <a:fontRef idx="minor">
-            <a:schemeClr val="lt1"/>
-          </a:fontRef>
-        </p:style>
-        <p:txBody>
-          <a:bodyPr rtlCol="0" anchor="ctr"/>
-          <a:lstStyle/>
-          <a:p>
-            <a:pPr algn="ctr" defTabSz="457039">
-              <a:defRPr/>
-            </a:pPr>
-            <a:r>
-              <a:rPr lang="en-US" sz="1200" dirty="0">
-                <a:solidFill>
-                  <a:prstClr val="white"/>
-                </a:solidFill>
-                <a:latin typeface="Arial"/>
-              </a:rPr>
-              <a:t>Module</a:t>
-            </a:r>
-          </a:p>
-        </p:txBody>
-      </p:sp>
-    </p:spTree>
-    <p:extLst>
-      <p:ext uri="{BB962C8B-B14F-4D97-AF65-F5344CB8AC3E}">
-        <p14:creationId xmlns:p14="http://schemas.microsoft.com/office/powerpoint/2010/main" val="1413111901"/>
       </p:ext>
     </p:extLst>
   </p:cSld>
@@ -8349,54 +8216,6 @@
       </p:sp>
       <p:sp>
         <p:nvSpPr>
-          <p:cNvPr id="8" name="Left Arrow 7"/>
-          <p:cNvSpPr/>
-          <p:nvPr/>
-        </p:nvSpPr>
-        <p:spPr>
-          <a:xfrm rot="21178513">
-            <a:off x="9302872" y="3029184"/>
-            <a:ext cx="1337733" cy="530135"/>
-          </a:xfrm>
-          <a:prstGeom prst="leftArrow">
-            <a:avLst/>
-          </a:prstGeom>
-        </p:spPr>
-        <p:style>
-          <a:lnRef idx="1">
-            <a:schemeClr val="accent1"/>
-          </a:lnRef>
-          <a:fillRef idx="3">
-            <a:schemeClr val="accent1"/>
-          </a:fillRef>
-          <a:effectRef idx="2">
-            <a:schemeClr val="accent1"/>
-          </a:effectRef>
-          <a:fontRef idx="minor">
-            <a:schemeClr val="lt1"/>
-          </a:fontRef>
-        </p:style>
-        <p:txBody>
-          <a:bodyPr rtlCol="0" anchor="ctr"/>
-          <a:lstStyle/>
-          <a:p>
-            <a:pPr algn="ctr" defTabSz="457039">
-              <a:defRPr/>
-            </a:pPr>
-            <a:r>
-              <a:rPr lang="en-US" dirty="0">
-                <a:solidFill>
-                  <a:prstClr val="white"/>
-                </a:solidFill>
-                <a:latin typeface="Arial"/>
-              </a:rPr>
-              <a:t>Attributes</a:t>
-            </a:r>
-          </a:p>
-        </p:txBody>
-      </p:sp>
-      <p:sp>
-        <p:nvSpPr>
           <p:cNvPr id="13" name="Left Arrow 12"/>
           <p:cNvSpPr/>
           <p:nvPr/>
@@ -8445,108 +8264,6 @@
       </p:sp>
       <p:sp>
         <p:nvSpPr>
-          <p:cNvPr id="3" name="Right Arrow 2"/>
-          <p:cNvSpPr/>
-          <p:nvPr/>
-        </p:nvSpPr>
-        <p:spPr>
-          <a:xfrm rot="864006">
-            <a:off x="1888146" y="3189500"/>
-            <a:ext cx="1320976" cy="459824"/>
-          </a:xfrm>
-          <a:prstGeom prst="rightArrow">
-            <a:avLst/>
-          </a:prstGeom>
-        </p:spPr>
-        <p:style>
-          <a:lnRef idx="1">
-            <a:schemeClr val="accent1"/>
-          </a:lnRef>
-          <a:fillRef idx="3">
-            <a:schemeClr val="accent1"/>
-          </a:fillRef>
-          <a:effectRef idx="2">
-            <a:schemeClr val="accent1"/>
-          </a:effectRef>
-          <a:fontRef idx="minor">
-            <a:schemeClr val="lt1"/>
-          </a:fontRef>
-        </p:style>
-        <p:txBody>
-          <a:bodyPr rtlCol="0" anchor="ctr"/>
-          <a:lstStyle/>
-          <a:p>
-            <a:pPr algn="ctr" defTabSz="457039">
-              <a:defRPr/>
-            </a:pPr>
-            <a:r>
-              <a:rPr lang="en-US" sz="1200" dirty="0">
-                <a:solidFill>
-                  <a:prstClr val="white"/>
-                </a:solidFill>
-                <a:latin typeface="Arial"/>
-              </a:rPr>
-              <a:t>Contained by</a:t>
-            </a:r>
-          </a:p>
-        </p:txBody>
-      </p:sp>
-      <p:sp>
-        <p:nvSpPr>
-          <p:cNvPr id="15" name="Left Arrow 14"/>
-          <p:cNvSpPr/>
-          <p:nvPr/>
-        </p:nvSpPr>
-        <p:spPr>
-          <a:xfrm rot="20654623">
-            <a:off x="5591646" y="3677110"/>
-            <a:ext cx="1337733" cy="375821"/>
-          </a:xfrm>
-          <a:prstGeom prst="leftArrow">
-            <a:avLst/>
-          </a:prstGeom>
-        </p:spPr>
-        <p:style>
-          <a:lnRef idx="1">
-            <a:schemeClr val="accent1"/>
-          </a:lnRef>
-          <a:fillRef idx="3">
-            <a:schemeClr val="accent1"/>
-          </a:fillRef>
-          <a:effectRef idx="2">
-            <a:schemeClr val="accent1"/>
-          </a:effectRef>
-          <a:fontRef idx="minor">
-            <a:schemeClr val="lt1"/>
-          </a:fontRef>
-        </p:style>
-        <p:txBody>
-          <a:bodyPr rtlCol="0" anchor="ctr"/>
-          <a:lstStyle/>
-          <a:p>
-            <a:pPr algn="ctr" defTabSz="457039">
-              <a:defRPr/>
-            </a:pPr>
-            <a:r>
-              <a:rPr lang="en-US" sz="1200">
-                <a:solidFill>
-                  <a:prstClr val="white"/>
-                </a:solidFill>
-                <a:latin typeface="Arial"/>
-              </a:rPr>
-              <a:t>Can contain</a:t>
-            </a:r>
-            <a:endParaRPr lang="en-US" sz="1200" dirty="0">
-              <a:solidFill>
-                <a:prstClr val="white"/>
-              </a:solidFill>
-              <a:latin typeface="Arial"/>
-            </a:endParaRPr>
-          </a:p>
-        </p:txBody>
-      </p:sp>
-      <p:sp>
-        <p:nvSpPr>
           <p:cNvPr id="18" name="Left Arrow 17"/>
           <p:cNvSpPr/>
           <p:nvPr/>
@@ -8582,7 +8299,7 @@
               <a:defRPr/>
             </a:pPr>
             <a:r>
-              <a:rPr lang="en-US" sz="1200">
+              <a:rPr lang="en-US" sz="1200" dirty="0">
                 <a:solidFill>
                   <a:prstClr val="white"/>
                 </a:solidFill>
@@ -8596,7 +8313,7 @@
     </p:spTree>
     <p:extLst>
       <p:ext uri="{BB962C8B-B14F-4D97-AF65-F5344CB8AC3E}">
-        <p14:creationId xmlns:p14="http://schemas.microsoft.com/office/powerpoint/2010/main" val="3261272285"/>
+        <p14:creationId xmlns:p14="http://schemas.microsoft.com/office/powerpoint/2010/main" val="1413111901"/>
       </p:ext>
     </p:extLst>
   </p:cSld>
@@ -8937,102 +8654,6 @@
       </p:sp>
       <p:sp>
         <p:nvSpPr>
-          <p:cNvPr id="16" name="Left Arrow 15"/>
-          <p:cNvSpPr/>
-          <p:nvPr/>
-        </p:nvSpPr>
-        <p:spPr>
-          <a:xfrm>
-            <a:off x="7761660" y="4118351"/>
-            <a:ext cx="1337733" cy="375821"/>
-          </a:xfrm>
-          <a:prstGeom prst="leftArrow">
-            <a:avLst/>
-          </a:prstGeom>
-        </p:spPr>
-        <p:style>
-          <a:lnRef idx="1">
-            <a:schemeClr val="accent1"/>
-          </a:lnRef>
-          <a:fillRef idx="3">
-            <a:schemeClr val="accent1"/>
-          </a:fillRef>
-          <a:effectRef idx="2">
-            <a:schemeClr val="accent1"/>
-          </a:effectRef>
-          <a:fontRef idx="minor">
-            <a:schemeClr val="lt1"/>
-          </a:fontRef>
-        </p:style>
-        <p:txBody>
-          <a:bodyPr rtlCol="0" anchor="ctr"/>
-          <a:lstStyle/>
-          <a:p>
-            <a:pPr algn="ctr" defTabSz="457039">
-              <a:defRPr/>
-            </a:pPr>
-            <a:r>
-              <a:rPr lang="en-US" sz="1200" dirty="0">
-                <a:solidFill>
-                  <a:prstClr val="white"/>
-                </a:solidFill>
-                <a:latin typeface="Arial"/>
-              </a:rPr>
-              <a:t>Special notes</a:t>
-            </a:r>
-          </a:p>
-        </p:txBody>
-      </p:sp>
-      <p:sp>
-        <p:nvSpPr>
-          <p:cNvPr id="17" name="Right Arrow 16"/>
-          <p:cNvSpPr/>
-          <p:nvPr/>
-        </p:nvSpPr>
-        <p:spPr>
-          <a:xfrm rot="20327558">
-            <a:off x="1735746" y="5393195"/>
-            <a:ext cx="1320976" cy="459824"/>
-          </a:xfrm>
-          <a:prstGeom prst="rightArrow">
-            <a:avLst/>
-          </a:prstGeom>
-        </p:spPr>
-        <p:style>
-          <a:lnRef idx="1">
-            <a:schemeClr val="accent1"/>
-          </a:lnRef>
-          <a:fillRef idx="3">
-            <a:schemeClr val="accent1"/>
-          </a:fillRef>
-          <a:effectRef idx="2">
-            <a:schemeClr val="accent1"/>
-          </a:effectRef>
-          <a:fontRef idx="minor">
-            <a:schemeClr val="lt1"/>
-          </a:fontRef>
-        </p:style>
-        <p:txBody>
-          <a:bodyPr rtlCol="0" anchor="ctr"/>
-          <a:lstStyle/>
-          <a:p>
-            <a:pPr algn="ctr" defTabSz="457039">
-              <a:defRPr/>
-            </a:pPr>
-            <a:r>
-              <a:rPr lang="en-US" sz="1200" dirty="0">
-                <a:solidFill>
-                  <a:prstClr val="white"/>
-                </a:solidFill>
-                <a:latin typeface="Arial"/>
-              </a:rPr>
-              <a:t>Example TEI</a:t>
-            </a:r>
-          </a:p>
-        </p:txBody>
-      </p:sp>
-      <p:sp>
-        <p:nvSpPr>
           <p:cNvPr id="18" name="Left Arrow 17"/>
           <p:cNvSpPr/>
           <p:nvPr/>
@@ -9082,7 +8703,7 @@
     </p:spTree>
     <p:extLst>
       <p:ext uri="{BB962C8B-B14F-4D97-AF65-F5344CB8AC3E}">
-        <p14:creationId xmlns:p14="http://schemas.microsoft.com/office/powerpoint/2010/main" val="3387260089"/>
+        <p14:creationId xmlns:p14="http://schemas.microsoft.com/office/powerpoint/2010/main" val="3261272285"/>
       </p:ext>
     </p:extLst>
   </p:cSld>
@@ -9111,13 +8732,7 @@
       </p:grpSpPr>
       <p:sp>
         <p:nvSpPr>
-          <p:cNvPr id="2" name="Title 1">
-            <a:extLst>
-              <a:ext uri="{FF2B5EF4-FFF2-40B4-BE49-F238E27FC236}">
-                <a16:creationId xmlns:a16="http://schemas.microsoft.com/office/drawing/2014/main" id="{19812499-5B14-5B40-AE5D-CDE1CCB953D2}"/>
-              </a:ext>
-            </a:extLst>
-          </p:cNvPr>
+          <p:cNvPr id="5" name="Title 4"/>
           <p:cNvSpPr>
             <a:spLocks noGrp="1"/>
           </p:cNvSpPr>
@@ -9125,115 +8740,448 @@
             <p:ph type="title"/>
           </p:nvPr>
         </p:nvSpPr>
-        <p:spPr/>
-        <p:txBody>
-          <a:bodyPr/>
+        <p:spPr>
+          <a:xfrm>
+            <a:off x="2628899" y="856894"/>
+            <a:ext cx="6261100" cy="1143000"/>
+          </a:xfrm>
+        </p:spPr>
+        <p:txBody>
+          <a:bodyPr>
+            <a:normAutofit fontScale="90000"/>
+          </a:bodyPr>
           <a:lstStyle/>
           <a:p>
             <a:r>
               <a:rPr lang="en-US" dirty="0"/>
-              <a:t>Activity (5 min)</a:t>
-            </a:r>
-          </a:p>
-        </p:txBody>
-      </p:sp>
-      <p:sp>
-        <p:nvSpPr>
-          <p:cNvPr id="3" name="Content Placeholder 2">
+              <a:t>Example: the &lt;</a:t>
+            </a:r>
+            <a:r>
+              <a:rPr lang="en-US" dirty="0" err="1"/>
+              <a:t>monog</a:t>
+            </a:r>
+            <a:r>
+              <a:rPr lang="en-US" dirty="0"/>
+              <a:t>&gt; element:</a:t>
+            </a:r>
+          </a:p>
+        </p:txBody>
+      </p:sp>
+      <p:pic>
+        <p:nvPicPr>
+          <p:cNvPr id="10" name="Content Placeholder 9"/>
+          <p:cNvPicPr>
+            <a:picLocks noGrp="1" noChangeAspect="1"/>
+          </p:cNvPicPr>
+          <p:nvPr>
+            <p:ph idx="1"/>
+          </p:nvPr>
+        </p:nvPicPr>
+        <p:blipFill>
+          <a:blip r:embed="rId2">
             <a:extLst>
-              <a:ext uri="{FF2B5EF4-FFF2-40B4-BE49-F238E27FC236}">
-                <a16:creationId xmlns:a16="http://schemas.microsoft.com/office/drawing/2014/main" id="{646B4C7F-07C7-8D40-AA14-77C12C7B2FDC}"/>
+              <a:ext uri="{28A0092B-C50C-407E-A947-70E740481C1C}">
+                <a14:useLocalDpi xmlns:a14="http://schemas.microsoft.com/office/drawing/2010/main" val="0"/>
               </a:ext>
             </a:extLst>
-          </p:cNvPr>
-          <p:cNvSpPr>
-            <a:spLocks noGrp="1"/>
-          </p:cNvSpPr>
-          <p:nvPr>
-            <p:ph idx="1"/>
-          </p:nvPr>
-        </p:nvSpPr>
-        <p:spPr/>
-        <p:txBody>
-          <a:bodyPr/>
-          <a:lstStyle/>
-          <a:p>
-            <a:r>
-              <a:rPr lang="en-US" dirty="0"/>
-              <a:t>Look up the following elements:</a:t>
-            </a:r>
-          </a:p>
-          <a:p>
-            <a:pPr lvl="1"/>
-            <a:r>
-              <a:rPr lang="en-US" dirty="0"/>
-              <a:t>&lt;p&gt;</a:t>
-            </a:r>
-          </a:p>
-          <a:p>
-            <a:pPr lvl="1"/>
-            <a:r>
-              <a:rPr lang="en-US" dirty="0"/>
-              <a:t>&lt;ab&gt;</a:t>
-            </a:r>
-          </a:p>
-          <a:p>
-            <a:pPr lvl="1"/>
-            <a:r>
-              <a:rPr lang="en-US" dirty="0"/>
-              <a:t>&lt;opener&gt;</a:t>
-            </a:r>
-          </a:p>
-          <a:p>
-            <a:pPr lvl="1"/>
-            <a:r>
-              <a:rPr lang="en-US" dirty="0"/>
-              <a:t>&lt;closer&gt;</a:t>
-            </a:r>
-          </a:p>
-          <a:p>
-            <a:pPr lvl="1"/>
-            <a:r>
-              <a:rPr lang="en-US" dirty="0"/>
-              <a:t>&lt;</a:t>
-            </a:r>
-            <a:r>
-              <a:rPr lang="en-US" dirty="0" err="1"/>
-              <a:t>msDesc</a:t>
-            </a:r>
-            <a:r>
-              <a:rPr lang="en-US" dirty="0"/>
-              <a:t>&gt;</a:t>
-            </a:r>
-          </a:p>
-          <a:p>
-            <a:pPr lvl="1"/>
-            <a:r>
-              <a:rPr lang="en-US" dirty="0"/>
-              <a:t>&lt;</a:t>
-            </a:r>
-            <a:r>
-              <a:rPr lang="en-US" dirty="0" err="1"/>
-              <a:t>correspDesc</a:t>
-            </a:r>
-            <a:r>
-              <a:rPr lang="en-US" dirty="0"/>
-              <a:t>&gt;</a:t>
-            </a:r>
-          </a:p>
-          <a:p>
-            <a:pPr marL="128016" lvl="1" indent="0">
-              <a:buNone/>
+          </a:blip>
+          <a:stretch>
+            <a:fillRect/>
+          </a:stretch>
+        </p:blipFill>
+        <p:spPr>
+          <a:xfrm>
+            <a:off x="1851721" y="2495548"/>
+            <a:ext cx="7897249" cy="3127561"/>
+          </a:xfrm>
+        </p:spPr>
+      </p:pic>
+      <p:sp>
+        <p:nvSpPr>
+          <p:cNvPr id="2" name="Left Arrow 1"/>
+          <p:cNvSpPr/>
+          <p:nvPr/>
+        </p:nvSpPr>
+        <p:spPr>
+          <a:xfrm rot="19385750">
+            <a:off x="3995884" y="1974188"/>
+            <a:ext cx="1337733" cy="530135"/>
+          </a:xfrm>
+          <a:prstGeom prst="leftArrow">
+            <a:avLst/>
+          </a:prstGeom>
+        </p:spPr>
+        <p:style>
+          <a:lnRef idx="1">
+            <a:schemeClr val="accent1"/>
+          </a:lnRef>
+          <a:fillRef idx="3">
+            <a:schemeClr val="accent1"/>
+          </a:fillRef>
+          <a:effectRef idx="2">
+            <a:schemeClr val="accent1"/>
+          </a:effectRef>
+          <a:fontRef idx="minor">
+            <a:schemeClr val="lt1"/>
+          </a:fontRef>
+        </p:style>
+        <p:txBody>
+          <a:bodyPr rtlCol="0" anchor="ctr"/>
+          <a:lstStyle/>
+          <a:p>
+            <a:pPr algn="ctr" defTabSz="457039">
+              <a:defRPr/>
             </a:pPr>
-            <a:endParaRPr lang="en-US" dirty="0"/>
-          </a:p>
-          <a:p>
-            <a:pPr marL="128016" lvl="1" indent="0">
-              <a:buNone/>
+            <a:r>
+              <a:rPr lang="en-US" dirty="0">
+                <a:solidFill>
+                  <a:prstClr val="white"/>
+                </a:solidFill>
+                <a:latin typeface="Arial"/>
+              </a:rPr>
+              <a:t>Definition</a:t>
+            </a:r>
+          </a:p>
+        </p:txBody>
+      </p:sp>
+      <p:sp>
+        <p:nvSpPr>
+          <p:cNvPr id="8" name="Left Arrow 7"/>
+          <p:cNvSpPr/>
+          <p:nvPr/>
+        </p:nvSpPr>
+        <p:spPr>
+          <a:xfrm rot="21178513">
+            <a:off x="9302872" y="3029184"/>
+            <a:ext cx="1337733" cy="530135"/>
+          </a:xfrm>
+          <a:prstGeom prst="leftArrow">
+            <a:avLst/>
+          </a:prstGeom>
+        </p:spPr>
+        <p:style>
+          <a:lnRef idx="1">
+            <a:schemeClr val="accent1"/>
+          </a:lnRef>
+          <a:fillRef idx="3">
+            <a:schemeClr val="accent1"/>
+          </a:fillRef>
+          <a:effectRef idx="2">
+            <a:schemeClr val="accent1"/>
+          </a:effectRef>
+          <a:fontRef idx="minor">
+            <a:schemeClr val="lt1"/>
+          </a:fontRef>
+        </p:style>
+        <p:txBody>
+          <a:bodyPr rtlCol="0" anchor="ctr"/>
+          <a:lstStyle/>
+          <a:p>
+            <a:pPr algn="ctr" defTabSz="457039">
+              <a:defRPr/>
             </a:pPr>
             <a:r>
-              <a:rPr lang="en-US" dirty="0"/>
-              <a:t>Will they work for this? How can we use them?</a:t>
+              <a:rPr lang="en-US" dirty="0">
+                <a:solidFill>
+                  <a:prstClr val="white"/>
+                </a:solidFill>
+                <a:latin typeface="Arial"/>
+              </a:rPr>
+              <a:t>Attributes</a:t>
+            </a:r>
+          </a:p>
+        </p:txBody>
+      </p:sp>
+      <p:sp>
+        <p:nvSpPr>
+          <p:cNvPr id="13" name="Left Arrow 12"/>
+          <p:cNvSpPr/>
+          <p:nvPr/>
+        </p:nvSpPr>
+        <p:spPr>
+          <a:xfrm rot="19282394">
+            <a:off x="7567050" y="1907367"/>
+            <a:ext cx="1337733" cy="746127"/>
+          </a:xfrm>
+          <a:prstGeom prst="leftArrow">
+            <a:avLst/>
+          </a:prstGeom>
+        </p:spPr>
+        <p:style>
+          <a:lnRef idx="1">
+            <a:schemeClr val="accent1"/>
+          </a:lnRef>
+          <a:fillRef idx="3">
+            <a:schemeClr val="accent1"/>
+          </a:fillRef>
+          <a:effectRef idx="2">
+            <a:schemeClr val="accent1"/>
+          </a:effectRef>
+          <a:fontRef idx="minor">
+            <a:schemeClr val="lt1"/>
+          </a:fontRef>
+        </p:style>
+        <p:txBody>
+          <a:bodyPr rtlCol="0" anchor="ctr"/>
+          <a:lstStyle/>
+          <a:p>
+            <a:pPr algn="ctr" defTabSz="457039">
+              <a:defRPr/>
+            </a:pPr>
+            <a:r>
+              <a:rPr lang="en-US" sz="1200" dirty="0">
+                <a:solidFill>
+                  <a:prstClr val="white"/>
+                </a:solidFill>
+                <a:latin typeface="Arial"/>
+              </a:rPr>
+              <a:t>Definition chapters</a:t>
+            </a:r>
+          </a:p>
+        </p:txBody>
+      </p:sp>
+      <p:sp>
+        <p:nvSpPr>
+          <p:cNvPr id="3" name="Right Arrow 2"/>
+          <p:cNvSpPr/>
+          <p:nvPr/>
+        </p:nvSpPr>
+        <p:spPr>
+          <a:xfrm rot="864006">
+            <a:off x="1888146" y="3189500"/>
+            <a:ext cx="1320976" cy="459824"/>
+          </a:xfrm>
+          <a:prstGeom prst="rightArrow">
+            <a:avLst/>
+          </a:prstGeom>
+        </p:spPr>
+        <p:style>
+          <a:lnRef idx="1">
+            <a:schemeClr val="accent1"/>
+          </a:lnRef>
+          <a:fillRef idx="3">
+            <a:schemeClr val="accent1"/>
+          </a:fillRef>
+          <a:effectRef idx="2">
+            <a:schemeClr val="accent1"/>
+          </a:effectRef>
+          <a:fontRef idx="minor">
+            <a:schemeClr val="lt1"/>
+          </a:fontRef>
+        </p:style>
+        <p:txBody>
+          <a:bodyPr rtlCol="0" anchor="ctr"/>
+          <a:lstStyle/>
+          <a:p>
+            <a:pPr algn="ctr" defTabSz="457039">
+              <a:defRPr/>
+            </a:pPr>
+            <a:r>
+              <a:rPr lang="en-US" sz="1200" dirty="0">
+                <a:solidFill>
+                  <a:prstClr val="white"/>
+                </a:solidFill>
+                <a:latin typeface="Arial"/>
+              </a:rPr>
+              <a:t>Contained by</a:t>
+            </a:r>
+          </a:p>
+        </p:txBody>
+      </p:sp>
+      <p:sp>
+        <p:nvSpPr>
+          <p:cNvPr id="15" name="Left Arrow 14"/>
+          <p:cNvSpPr/>
+          <p:nvPr/>
+        </p:nvSpPr>
+        <p:spPr>
+          <a:xfrm rot="20654623">
+            <a:off x="5591646" y="3677110"/>
+            <a:ext cx="1337733" cy="375821"/>
+          </a:xfrm>
+          <a:prstGeom prst="leftArrow">
+            <a:avLst/>
+          </a:prstGeom>
+        </p:spPr>
+        <p:style>
+          <a:lnRef idx="1">
+            <a:schemeClr val="accent1"/>
+          </a:lnRef>
+          <a:fillRef idx="3">
+            <a:schemeClr val="accent1"/>
+          </a:fillRef>
+          <a:effectRef idx="2">
+            <a:schemeClr val="accent1"/>
+          </a:effectRef>
+          <a:fontRef idx="minor">
+            <a:schemeClr val="lt1"/>
+          </a:fontRef>
+        </p:style>
+        <p:txBody>
+          <a:bodyPr rtlCol="0" anchor="ctr"/>
+          <a:lstStyle/>
+          <a:p>
+            <a:pPr algn="ctr" defTabSz="457039">
+              <a:defRPr/>
+            </a:pPr>
+            <a:r>
+              <a:rPr lang="en-US" sz="1200">
+                <a:solidFill>
+                  <a:prstClr val="white"/>
+                </a:solidFill>
+                <a:latin typeface="Arial"/>
+              </a:rPr>
+              <a:t>Can contain</a:t>
+            </a:r>
+            <a:endParaRPr lang="en-US" sz="1200" dirty="0">
+              <a:solidFill>
+                <a:prstClr val="white"/>
+              </a:solidFill>
+              <a:latin typeface="Arial"/>
+            </a:endParaRPr>
+          </a:p>
+        </p:txBody>
+      </p:sp>
+      <p:sp>
+        <p:nvSpPr>
+          <p:cNvPr id="16" name="Left Arrow 15"/>
+          <p:cNvSpPr/>
+          <p:nvPr/>
+        </p:nvSpPr>
+        <p:spPr>
+          <a:xfrm>
+            <a:off x="7761660" y="4118351"/>
+            <a:ext cx="1337733" cy="375821"/>
+          </a:xfrm>
+          <a:prstGeom prst="leftArrow">
+            <a:avLst/>
+          </a:prstGeom>
+        </p:spPr>
+        <p:style>
+          <a:lnRef idx="1">
+            <a:schemeClr val="accent1"/>
+          </a:lnRef>
+          <a:fillRef idx="3">
+            <a:schemeClr val="accent1"/>
+          </a:fillRef>
+          <a:effectRef idx="2">
+            <a:schemeClr val="accent1"/>
+          </a:effectRef>
+          <a:fontRef idx="minor">
+            <a:schemeClr val="lt1"/>
+          </a:fontRef>
+        </p:style>
+        <p:txBody>
+          <a:bodyPr rtlCol="0" anchor="ctr"/>
+          <a:lstStyle/>
+          <a:p>
+            <a:pPr algn="ctr" defTabSz="457039">
+              <a:defRPr/>
+            </a:pPr>
+            <a:r>
+              <a:rPr lang="en-US" sz="1200" dirty="0">
+                <a:solidFill>
+                  <a:prstClr val="white"/>
+                </a:solidFill>
+                <a:latin typeface="Arial"/>
+              </a:rPr>
+              <a:t>Special notes</a:t>
+            </a:r>
+          </a:p>
+        </p:txBody>
+      </p:sp>
+      <p:sp>
+        <p:nvSpPr>
+          <p:cNvPr id="17" name="Right Arrow 16"/>
+          <p:cNvSpPr/>
+          <p:nvPr/>
+        </p:nvSpPr>
+        <p:spPr>
+          <a:xfrm rot="20327558">
+            <a:off x="1735746" y="5393195"/>
+            <a:ext cx="1320976" cy="459824"/>
+          </a:xfrm>
+          <a:prstGeom prst="rightArrow">
+            <a:avLst/>
+          </a:prstGeom>
+        </p:spPr>
+        <p:style>
+          <a:lnRef idx="1">
+            <a:schemeClr val="accent1"/>
+          </a:lnRef>
+          <a:fillRef idx="3">
+            <a:schemeClr val="accent1"/>
+          </a:fillRef>
+          <a:effectRef idx="2">
+            <a:schemeClr val="accent1"/>
+          </a:effectRef>
+          <a:fontRef idx="minor">
+            <a:schemeClr val="lt1"/>
+          </a:fontRef>
+        </p:style>
+        <p:txBody>
+          <a:bodyPr rtlCol="0" anchor="ctr"/>
+          <a:lstStyle/>
+          <a:p>
+            <a:pPr algn="ctr" defTabSz="457039">
+              <a:defRPr/>
+            </a:pPr>
+            <a:r>
+              <a:rPr lang="en-US" sz="1200" dirty="0">
+                <a:solidFill>
+                  <a:prstClr val="white"/>
+                </a:solidFill>
+                <a:latin typeface="Arial"/>
+              </a:rPr>
+              <a:t>Example TEI</a:t>
+            </a:r>
+          </a:p>
+        </p:txBody>
+      </p:sp>
+      <p:sp>
+        <p:nvSpPr>
+          <p:cNvPr id="18" name="Left Arrow 17"/>
+          <p:cNvSpPr/>
+          <p:nvPr/>
+        </p:nvSpPr>
+        <p:spPr>
+          <a:xfrm>
+            <a:off x="4894732" y="2972687"/>
+            <a:ext cx="1337733" cy="375821"/>
+          </a:xfrm>
+          <a:prstGeom prst="leftArrow">
+            <a:avLst/>
+          </a:prstGeom>
+        </p:spPr>
+        <p:style>
+          <a:lnRef idx="1">
+            <a:schemeClr val="accent1"/>
+          </a:lnRef>
+          <a:fillRef idx="3">
+            <a:schemeClr val="accent1"/>
+          </a:fillRef>
+          <a:effectRef idx="2">
+            <a:schemeClr val="accent1"/>
+          </a:effectRef>
+          <a:fontRef idx="minor">
+            <a:schemeClr val="lt1"/>
+          </a:fontRef>
+        </p:style>
+        <p:txBody>
+          <a:bodyPr rtlCol="0" anchor="ctr"/>
+          <a:lstStyle/>
+          <a:p>
+            <a:pPr algn="ctr" defTabSz="457039">
+              <a:defRPr/>
+            </a:pPr>
+            <a:r>
+              <a:rPr lang="en-US" sz="1200">
+                <a:solidFill>
+                  <a:prstClr val="white"/>
+                </a:solidFill>
+                <a:latin typeface="Arial"/>
+              </a:rPr>
+              <a:t>Module</a:t>
             </a:r>
           </a:p>
         </p:txBody>
@@ -9241,7 +9189,7 @@
     </p:spTree>
     <p:extLst>
       <p:ext uri="{BB962C8B-B14F-4D97-AF65-F5344CB8AC3E}">
-        <p14:creationId xmlns:p14="http://schemas.microsoft.com/office/powerpoint/2010/main" val="2748027630"/>
+        <p14:creationId xmlns:p14="http://schemas.microsoft.com/office/powerpoint/2010/main" val="3387260089"/>
       </p:ext>
     </p:extLst>
   </p:cSld>
@@ -9273,7 +9221,7 @@
           <p:cNvPr id="2" name="Title 1">
             <a:extLst>
               <a:ext uri="{FF2B5EF4-FFF2-40B4-BE49-F238E27FC236}">
-                <a16:creationId xmlns:a16="http://schemas.microsoft.com/office/drawing/2014/main" id="{BD0AF89D-91F7-2845-A920-64AFA5EC7CAF}"/>
+                <a16:creationId xmlns:a16="http://schemas.microsoft.com/office/drawing/2014/main" id="{19812499-5B14-5B40-AE5D-CDE1CCB953D2}"/>
               </a:ext>
             </a:extLst>
           </p:cNvPr>
@@ -9291,7 +9239,7 @@
           <a:p>
             <a:r>
               <a:rPr lang="en-US" dirty="0"/>
-              <a:t>Encoding</a:t>
+              <a:t>Activity (5 min)</a:t>
             </a:r>
           </a:p>
         </p:txBody>
@@ -9301,7 +9249,7 @@
           <p:cNvPr id="3" name="Content Placeholder 2">
             <a:extLst>
               <a:ext uri="{FF2B5EF4-FFF2-40B4-BE49-F238E27FC236}">
-                <a16:creationId xmlns:a16="http://schemas.microsoft.com/office/drawing/2014/main" id="{85DD1C65-1B1A-A243-BAD5-90A0DD31D142}"/>
+                <a16:creationId xmlns:a16="http://schemas.microsoft.com/office/drawing/2014/main" id="{646B4C7F-07C7-8D40-AA14-77C12C7B2FDC}"/>
               </a:ext>
             </a:extLst>
           </p:cNvPr>
@@ -9319,18 +9267,88 @@
           <a:p>
             <a:r>
               <a:rPr lang="en-US" dirty="0"/>
-              <a:t>Open the text editor in one tab, the primary source transcription in another, and, if you want, the image from the UBC Repository</a:t>
-            </a:r>
-          </a:p>
-          <a:p>
+              <a:t>Look up the following elements:</a:t>
+            </a:r>
+          </a:p>
+          <a:p>
+            <a:pPr lvl="1"/>
+            <a:r>
+              <a:rPr lang="en-US" dirty="0"/>
+              <a:t>&lt;p&gt;</a:t>
+            </a:r>
+          </a:p>
+          <a:p>
+            <a:pPr lvl="1"/>
+            <a:r>
+              <a:rPr lang="en-US" dirty="0"/>
+              <a:t>&lt;ab&gt;</a:t>
+            </a:r>
+          </a:p>
+          <a:p>
+            <a:pPr lvl="1"/>
+            <a:r>
+              <a:rPr lang="en-US" dirty="0"/>
+              <a:t>&lt;opener&gt;</a:t>
+            </a:r>
+          </a:p>
+          <a:p>
+            <a:pPr lvl="1"/>
+            <a:r>
+              <a:rPr lang="en-US" dirty="0"/>
+              <a:t>&lt;closer&gt;</a:t>
+            </a:r>
+          </a:p>
+          <a:p>
+            <a:pPr lvl="1"/>
+            <a:r>
+              <a:rPr lang="en-US" dirty="0"/>
+              <a:t>&lt;</a:t>
+            </a:r>
+            <a:r>
+              <a:rPr lang="en-US" dirty="0" err="1"/>
+              <a:t>msDesc</a:t>
+            </a:r>
+            <a:r>
+              <a:rPr lang="en-US" dirty="0"/>
+              <a:t>&gt;</a:t>
+            </a:r>
+          </a:p>
+          <a:p>
+            <a:pPr lvl="1"/>
+            <a:r>
+              <a:rPr lang="en-US" dirty="0"/>
+              <a:t>&lt;</a:t>
+            </a:r>
+            <a:r>
+              <a:rPr lang="en-US" dirty="0" err="1"/>
+              <a:t>correspDesc</a:t>
+            </a:r>
+            <a:r>
+              <a:rPr lang="en-US" dirty="0"/>
+              <a:t>&gt;</a:t>
+            </a:r>
+          </a:p>
+          <a:p>
+            <a:pPr marL="128016" lvl="1" indent="0">
+              <a:buNone/>
+            </a:pPr>
             <a:endParaRPr lang="en-US" dirty="0"/>
+          </a:p>
+          <a:p>
+            <a:pPr marL="128016" lvl="1" indent="0">
+              <a:buNone/>
+            </a:pPr>
+            <a:r>
+              <a:rPr lang="en-US" dirty="0"/>
+              <a:t>Will they work for this? How can we use them?</a:t>
+            </a:r>
           </a:p>
         </p:txBody>
       </p:sp>
     </p:spTree>
     <p:extLst>
       <p:ext uri="{BB962C8B-B14F-4D97-AF65-F5344CB8AC3E}">
-        <p14:creationId xmlns:p14="http://schemas.microsoft.com/office/powerpoint/2010/main" val="1111404048"/>
+        <p14:creationId xmlns:p14="http://schemas.microsoft.com/office/powerpoint/2010/main" val="2748027630"/>
       </p:ext>
     </p:extLst>
   </p:cSld>
@@ -9362,7 +9380,7 @@
           <p:cNvPr id="2" name="Title 1">
             <a:extLst>
               <a:ext uri="{FF2B5EF4-FFF2-40B4-BE49-F238E27FC236}">
-                <a16:creationId xmlns:a16="http://schemas.microsoft.com/office/drawing/2014/main" id="{8506C636-57F6-0047-84D6-AD3546B52FF1}"/>
+                <a16:creationId xmlns:a16="http://schemas.microsoft.com/office/drawing/2014/main" id="{BD0AF89D-91F7-2845-A920-64AFA5EC7CAF}"/>
               </a:ext>
             </a:extLst>
           </p:cNvPr>
@@ -9380,7 +9398,7 @@
           <a:p>
             <a:r>
               <a:rPr lang="en-US" dirty="0"/>
-              <a:t>metadata</a:t>
+              <a:t>Encoding</a:t>
             </a:r>
           </a:p>
         </p:txBody>
@@ -9390,7 +9408,7 @@
           <p:cNvPr id="3" name="Content Placeholder 2">
             <a:extLst>
               <a:ext uri="{FF2B5EF4-FFF2-40B4-BE49-F238E27FC236}">
-                <a16:creationId xmlns:a16="http://schemas.microsoft.com/office/drawing/2014/main" id="{2BE02B86-0DDF-FF4C-AB1E-A68153675E90}"/>
+                <a16:creationId xmlns:a16="http://schemas.microsoft.com/office/drawing/2014/main" id="{85DD1C65-1B1A-A243-BAD5-90A0DD31D142}"/>
               </a:ext>
             </a:extLst>
           </p:cNvPr>
@@ -9408,33 +9426,7 @@
           <a:p>
             <a:r>
               <a:rPr lang="en-US" dirty="0"/>
-              <a:t>Include the title of this document</a:t>
-            </a:r>
-          </a:p>
-          <a:p>
-            <a:r>
-              <a:rPr lang="en-US" dirty="0"/>
-              <a:t>Include your name by using the &lt;editor&gt; element after the &lt;title&gt;</a:t>
-            </a:r>
-          </a:p>
-          <a:p>
-            <a:r>
-              <a:rPr lang="en-US" dirty="0"/>
-              <a:t>Put in a link to the source using a &lt;</a:t>
-            </a:r>
-            <a:r>
-              <a:rPr lang="en-US" dirty="0" err="1"/>
-              <a:t>ptr</a:t>
-            </a:r>
-            <a:r>
-              <a:rPr lang="en-US" dirty="0"/>
-              <a:t>/&gt;</a:t>
-            </a:r>
-          </a:p>
-          <a:p>
-            <a:r>
-              <a:rPr lang="en-US" dirty="0"/>
-              <a:t>What else could you do?</a:t>
+              <a:t>Open the text editor in one tab, the primary source transcription in another, and, if you want, the image from the UBC Repository</a:t>
             </a:r>
           </a:p>
           <a:p>
@@ -9445,7 +9437,7 @@
     </p:spTree>
     <p:extLst>
       <p:ext uri="{BB962C8B-B14F-4D97-AF65-F5344CB8AC3E}">
-        <p14:creationId xmlns:p14="http://schemas.microsoft.com/office/powerpoint/2010/main" val="224439876"/>
+        <p14:creationId xmlns:p14="http://schemas.microsoft.com/office/powerpoint/2010/main" val="1111404048"/>
       </p:ext>
     </p:extLst>
   </p:cSld>
@@ -9652,7 +9644,7 @@
           <p:cNvPr id="2" name="Title 1">
             <a:extLst>
               <a:ext uri="{FF2B5EF4-FFF2-40B4-BE49-F238E27FC236}">
-                <a16:creationId xmlns:a16="http://schemas.microsoft.com/office/drawing/2014/main" id="{3D409255-FE8E-7E45-9E84-7C535C2E1F35}"/>
+                <a16:creationId xmlns:a16="http://schemas.microsoft.com/office/drawing/2014/main" id="{8506C636-57F6-0047-84D6-AD3546B52FF1}"/>
               </a:ext>
             </a:extLst>
           </p:cNvPr>
@@ -9670,7 +9662,7 @@
           <a:p>
             <a:r>
               <a:rPr lang="en-US" dirty="0"/>
-              <a:t>Data</a:t>
+              <a:t>metadata</a:t>
             </a:r>
           </a:p>
         </p:txBody>
@@ -9680,7 +9672,7 @@
           <p:cNvPr id="3" name="Content Placeholder 2">
             <a:extLst>
               <a:ext uri="{FF2B5EF4-FFF2-40B4-BE49-F238E27FC236}">
-                <a16:creationId xmlns:a16="http://schemas.microsoft.com/office/drawing/2014/main" id="{8058FAB0-12BB-E548-9E64-C3CC9271C2C8}"/>
+                <a16:creationId xmlns:a16="http://schemas.microsoft.com/office/drawing/2014/main" id="{2BE02B86-0DDF-FF4C-AB1E-A68153675E90}"/>
               </a:ext>
             </a:extLst>
           </p:cNvPr>
@@ -9698,21 +9690,33 @@
           <a:p>
             <a:r>
               <a:rPr lang="en-US" dirty="0"/>
-              <a:t>Copy and paste the content into the document</a:t>
+              <a:t>Include the title of this document</a:t>
             </a:r>
           </a:p>
           <a:p>
             <a:r>
               <a:rPr lang="en-US" dirty="0"/>
-              <a:t>What are the organizing divisions? </a:t>
+              <a:t>Include your name by using the &lt;editor&gt; element after the &lt;title&gt;</a:t>
+            </a:r>
+          </a:p>
+          <a:p>
+            <a:r>
+              <a:rPr lang="en-US" dirty="0"/>
+              <a:t>Put in a link to the source using a &lt;</a:t>
             </a:r>
             <a:r>
               <a:rPr lang="en-US" dirty="0" err="1"/>
-              <a:t>Divs</a:t>
+              <a:t>ptr</a:t>
             </a:r>
             <a:r>
               <a:rPr lang="en-US" dirty="0"/>
-              <a:t>? Paragraphs? Floating text? Anonymous blocks?</a:t>
+              <a:t>/&gt;</a:t>
+            </a:r>
+          </a:p>
+          <a:p>
+            <a:r>
+              <a:rPr lang="en-US" dirty="0"/>
+              <a:t>What else could you do?</a:t>
             </a:r>
           </a:p>
           <a:p>
@@ -9723,7 +9727,7 @@
     </p:spTree>
     <p:extLst>
       <p:ext uri="{BB962C8B-B14F-4D97-AF65-F5344CB8AC3E}">
-        <p14:creationId xmlns:p14="http://schemas.microsoft.com/office/powerpoint/2010/main" val="3561712712"/>
+        <p14:creationId xmlns:p14="http://schemas.microsoft.com/office/powerpoint/2010/main" val="224439876"/>
       </p:ext>
     </p:extLst>
   </p:cSld>
@@ -9755,7 +9759,7 @@
           <p:cNvPr id="2" name="Title 1">
             <a:extLst>
               <a:ext uri="{FF2B5EF4-FFF2-40B4-BE49-F238E27FC236}">
-                <a16:creationId xmlns:a16="http://schemas.microsoft.com/office/drawing/2014/main" id="{D9ACF45D-1AE3-CE49-A9C0-D7EB7E68668B}"/>
+                <a16:creationId xmlns:a16="http://schemas.microsoft.com/office/drawing/2014/main" id="{3D409255-FE8E-7E45-9E84-7C535C2E1F35}"/>
               </a:ext>
             </a:extLst>
           </p:cNvPr>
@@ -9773,7 +9777,7 @@
           <a:p>
             <a:r>
               <a:rPr lang="en-US" dirty="0"/>
-              <a:t>What are some other features?</a:t>
+              <a:t>Data</a:t>
             </a:r>
           </a:p>
         </p:txBody>
@@ -9783,7 +9787,7 @@
           <p:cNvPr id="3" name="Content Placeholder 2">
             <a:extLst>
               <a:ext uri="{FF2B5EF4-FFF2-40B4-BE49-F238E27FC236}">
-                <a16:creationId xmlns:a16="http://schemas.microsoft.com/office/drawing/2014/main" id="{BBEAFDAD-ED90-5D4D-AA48-BD405DD225FF}"/>
+                <a16:creationId xmlns:a16="http://schemas.microsoft.com/office/drawing/2014/main" id="{8058FAB0-12BB-E548-9E64-C3CC9271C2C8}"/>
               </a:ext>
             </a:extLst>
           </p:cNvPr>
@@ -9801,38 +9805,24 @@
           <a:p>
             <a:r>
               <a:rPr lang="en-US" dirty="0"/>
-              <a:t>Names?</a:t>
+              <a:t>Copy and paste the content into the document</a:t>
             </a:r>
           </a:p>
           <a:p>
             <a:r>
               <a:rPr lang="en-US" dirty="0"/>
-              <a:t>Dates</a:t>
-            </a:r>
-          </a:p>
-          <a:p>
+              <a:t>What are the organizing divisions? </a:t>
+            </a:r>
+            <a:r>
+              <a:rPr lang="en-US" dirty="0" err="1"/>
+              <a:t>Divs</a:t>
+            </a:r>
             <a:r>
               <a:rPr lang="en-US" dirty="0"/>
-              <a:t>Notes</a:t>
-            </a:r>
-          </a:p>
-          <a:p>
-            <a:r>
-              <a:rPr lang="en-US" dirty="0"/>
-              <a:t>Editorial apparatus (if you want)</a:t>
-            </a:r>
-          </a:p>
-          <a:p>
-            <a:r>
-              <a:rPr lang="en-US" dirty="0"/>
-              <a:t>Hands</a:t>
-            </a:r>
-          </a:p>
-          <a:p>
-            <a:r>
-              <a:rPr lang="en-US" dirty="0" err="1"/>
-              <a:t>Etc</a:t>
-            </a:r>
+              <a:t>? Paragraphs? Floating text? Anonymous blocks?</a:t>
+            </a:r>
+          </a:p>
+          <a:p>
             <a:endParaRPr lang="en-US" dirty="0"/>
           </a:p>
         </p:txBody>
@@ -9840,7 +9830,7 @@
     </p:spTree>
     <p:extLst>
       <p:ext uri="{BB962C8B-B14F-4D97-AF65-F5344CB8AC3E}">
-        <p14:creationId xmlns:p14="http://schemas.microsoft.com/office/powerpoint/2010/main" val="3130321688"/>
+        <p14:creationId xmlns:p14="http://schemas.microsoft.com/office/powerpoint/2010/main" val="3561712712"/>
       </p:ext>
     </p:extLst>
   </p:cSld>
@@ -9872,7 +9862,7 @@
           <p:cNvPr id="2" name="Title 1">
             <a:extLst>
               <a:ext uri="{FF2B5EF4-FFF2-40B4-BE49-F238E27FC236}">
-                <a16:creationId xmlns:a16="http://schemas.microsoft.com/office/drawing/2014/main" id="{0DD1222C-2608-5840-907B-3CBC0771D127}"/>
+                <a16:creationId xmlns:a16="http://schemas.microsoft.com/office/drawing/2014/main" id="{D9ACF45D-1AE3-CE49-A9C0-D7EB7E68668B}"/>
               </a:ext>
             </a:extLst>
           </p:cNvPr>
@@ -9890,7 +9880,7 @@
           <a:p>
             <a:r>
               <a:rPr lang="en-US" dirty="0"/>
-              <a:t>Tools</a:t>
+              <a:t>What are some other features?</a:t>
             </a:r>
           </a:p>
         </p:txBody>
@@ -9900,7 +9890,7 @@
           <p:cNvPr id="3" name="Content Placeholder 2">
             <a:extLst>
               <a:ext uri="{FF2B5EF4-FFF2-40B4-BE49-F238E27FC236}">
-                <a16:creationId xmlns:a16="http://schemas.microsoft.com/office/drawing/2014/main" id="{ADA09E84-E57E-8543-828B-182957722E2E}"/>
+                <a16:creationId xmlns:a16="http://schemas.microsoft.com/office/drawing/2014/main" id="{BBEAFDAD-ED90-5D4D-AA48-BD405DD225FF}"/>
               </a:ext>
             </a:extLst>
           </p:cNvPr>
@@ -9918,31 +9908,37 @@
           <a:p>
             <a:r>
               <a:rPr lang="en-US" dirty="0"/>
-              <a:t>Download your XML file</a:t>
+              <a:t>Names?</a:t>
             </a:r>
           </a:p>
           <a:p>
             <a:r>
               <a:rPr lang="en-US" dirty="0"/>
-              <a:t>And now, in the index page, look for the tools:</a:t>
+              <a:t>Dates</a:t>
             </a:r>
           </a:p>
           <a:p>
             <a:r>
               <a:rPr lang="en-US" dirty="0"/>
-              <a:t>TEI Validator</a:t>
+              <a:t>Notes</a:t>
             </a:r>
           </a:p>
           <a:p>
             <a:r>
               <a:rPr lang="en-US" dirty="0"/>
-              <a:t>TEI Toolkit</a:t>
+              <a:t>Editorial apparatus (if you want)</a:t>
+            </a:r>
+          </a:p>
+          <a:p>
+            <a:r>
+              <a:rPr lang="en-US" dirty="0"/>
+              <a:t>Hands</a:t>
             </a:r>
           </a:p>
           <a:p>
             <a:r>
               <a:rPr lang="en-US" dirty="0" err="1"/>
-              <a:t>OxGarage</a:t>
+              <a:t>Etc</a:t>
             </a:r>
             <a:endParaRPr lang="en-US" dirty="0"/>
           </a:p>
@@ -9951,7 +9947,7 @@
     </p:spTree>
     <p:extLst>
       <p:ext uri="{BB962C8B-B14F-4D97-AF65-F5344CB8AC3E}">
-        <p14:creationId xmlns:p14="http://schemas.microsoft.com/office/powerpoint/2010/main" val="1495668313"/>
+        <p14:creationId xmlns:p14="http://schemas.microsoft.com/office/powerpoint/2010/main" val="3130321688"/>
       </p:ext>
     </p:extLst>
   </p:cSld>
@@ -9983,7 +9979,7 @@
           <p:cNvPr id="2" name="Title 1">
             <a:extLst>
               <a:ext uri="{FF2B5EF4-FFF2-40B4-BE49-F238E27FC236}">
-                <a16:creationId xmlns:a16="http://schemas.microsoft.com/office/drawing/2014/main" id="{895B9390-0B86-9F4A-B29E-09155C31F9AD}"/>
+                <a16:creationId xmlns:a16="http://schemas.microsoft.com/office/drawing/2014/main" id="{0DD1222C-2608-5840-907B-3CBC0771D127}"/>
               </a:ext>
             </a:extLst>
           </p:cNvPr>
@@ -10001,7 +9997,7 @@
           <a:p>
             <a:r>
               <a:rPr lang="en-US" dirty="0"/>
-              <a:t>Validator</a:t>
+              <a:t>Tools</a:t>
             </a:r>
           </a:p>
         </p:txBody>
@@ -10011,7 +10007,7 @@
           <p:cNvPr id="3" name="Content Placeholder 2">
             <a:extLst>
               <a:ext uri="{FF2B5EF4-FFF2-40B4-BE49-F238E27FC236}">
-                <a16:creationId xmlns:a16="http://schemas.microsoft.com/office/drawing/2014/main" id="{313A2C4A-D4FD-5042-86CE-9FC027FCD537}"/>
+                <a16:creationId xmlns:a16="http://schemas.microsoft.com/office/drawing/2014/main" id="{ADA09E84-E57E-8543-828B-182957722E2E}"/>
               </a:ext>
             </a:extLst>
           </p:cNvPr>
@@ -10029,15 +10025,40 @@
           <a:p>
             <a:r>
               <a:rPr lang="en-US" dirty="0"/>
-              <a:t>Validate your file</a:t>
-            </a:r>
+              <a:t>Download your XML file</a:t>
+            </a:r>
+          </a:p>
+          <a:p>
+            <a:r>
+              <a:rPr lang="en-US" dirty="0"/>
+              <a:t>And now, in the index page, look for the tools:</a:t>
+            </a:r>
+          </a:p>
+          <a:p>
+            <a:r>
+              <a:rPr lang="en-US" dirty="0"/>
+              <a:t>TEI Validator</a:t>
+            </a:r>
+          </a:p>
+          <a:p>
+            <a:r>
+              <a:rPr lang="en-US" dirty="0"/>
+              <a:t>TEI Toolkit</a:t>
+            </a:r>
+          </a:p>
+          <a:p>
+            <a:r>
+              <a:rPr lang="en-US" dirty="0" err="1"/>
+              <a:t>OxGarage</a:t>
+            </a:r>
+            <a:endParaRPr lang="en-US" dirty="0"/>
           </a:p>
         </p:txBody>
       </p:sp>
     </p:spTree>
     <p:extLst>
       <p:ext uri="{BB962C8B-B14F-4D97-AF65-F5344CB8AC3E}">
-        <p14:creationId xmlns:p14="http://schemas.microsoft.com/office/powerpoint/2010/main" val="1201985249"/>
+        <p14:creationId xmlns:p14="http://schemas.microsoft.com/office/powerpoint/2010/main" val="1495668313"/>
       </p:ext>
     </p:extLst>
   </p:cSld>
@@ -10069,6 +10090,92 @@
           <p:cNvPr id="2" name="Title 1">
             <a:extLst>
               <a:ext uri="{FF2B5EF4-FFF2-40B4-BE49-F238E27FC236}">
+                <a16:creationId xmlns:a16="http://schemas.microsoft.com/office/drawing/2014/main" id="{895B9390-0B86-9F4A-B29E-09155C31F9AD}"/>
+              </a:ext>
+            </a:extLst>
+          </p:cNvPr>
+          <p:cNvSpPr>
+            <a:spLocks noGrp="1"/>
+          </p:cNvSpPr>
+          <p:nvPr>
+            <p:ph type="title"/>
+          </p:nvPr>
+        </p:nvSpPr>
+        <p:spPr/>
+        <p:txBody>
+          <a:bodyPr/>
+          <a:lstStyle/>
+          <a:p>
+            <a:r>
+              <a:rPr lang="en-US" dirty="0"/>
+              <a:t>Validator</a:t>
+            </a:r>
+          </a:p>
+        </p:txBody>
+      </p:sp>
+      <p:sp>
+        <p:nvSpPr>
+          <p:cNvPr id="3" name="Content Placeholder 2">
+            <a:extLst>
+              <a:ext uri="{FF2B5EF4-FFF2-40B4-BE49-F238E27FC236}">
+                <a16:creationId xmlns:a16="http://schemas.microsoft.com/office/drawing/2014/main" id="{313A2C4A-D4FD-5042-86CE-9FC027FCD537}"/>
+              </a:ext>
+            </a:extLst>
+          </p:cNvPr>
+          <p:cNvSpPr>
+            <a:spLocks noGrp="1"/>
+          </p:cNvSpPr>
+          <p:nvPr>
+            <p:ph idx="1"/>
+          </p:nvPr>
+        </p:nvSpPr>
+        <p:spPr/>
+        <p:txBody>
+          <a:bodyPr/>
+          <a:lstStyle/>
+          <a:p>
+            <a:r>
+              <a:rPr lang="en-US" dirty="0"/>
+              <a:t>Validate your file</a:t>
+            </a:r>
+          </a:p>
+        </p:txBody>
+      </p:sp>
+    </p:spTree>
+    <p:extLst>
+      <p:ext uri="{BB962C8B-B14F-4D97-AF65-F5344CB8AC3E}">
+        <p14:creationId xmlns:p14="http://schemas.microsoft.com/office/powerpoint/2010/main" val="1201985249"/>
+      </p:ext>
+    </p:extLst>
+  </p:cSld>
+  <p:clrMapOvr>
+    <a:masterClrMapping/>
+  </p:clrMapOvr>
+</p:sld>
+</file>
+
+<file path=ppt/slides/slide25.xml><?xml version="1.0" encoding="utf-8"?>
+<p:sld xmlns:a="http://schemas.openxmlformats.org/drawingml/2006/main" xmlns:r="http://schemas.openxmlformats.org/officeDocument/2006/relationships" xmlns:p="http://schemas.openxmlformats.org/presentationml/2006/main">
+  <p:cSld>
+    <p:spTree>
+      <p:nvGrpSpPr>
+        <p:cNvPr id="1" name=""/>
+        <p:cNvGrpSpPr/>
+        <p:nvPr/>
+      </p:nvGrpSpPr>
+      <p:grpSpPr>
+        <a:xfrm>
+          <a:off x="0" y="0"/>
+          <a:ext cx="0" cy="0"/>
+          <a:chOff x="0" y="0"/>
+          <a:chExt cx="0" cy="0"/>
+        </a:xfrm>
+      </p:grpSpPr>
+      <p:sp>
+        <p:nvSpPr>
+          <p:cNvPr id="2" name="Title 1">
+            <a:extLst>
+              <a:ext uri="{FF2B5EF4-FFF2-40B4-BE49-F238E27FC236}">
                 <a16:creationId xmlns:a16="http://schemas.microsoft.com/office/drawing/2014/main" id="{891D3EB5-9584-E544-8F7D-A94D0FE7AA4D}"/>
               </a:ext>
             </a:extLst>
@@ -10139,7 +10246,7 @@
 </p:sld>
 </file>
 
-<file path=ppt/slides/slide25.xml><?xml version="1.0" encoding="utf-8"?>
+<file path=ppt/slides/slide26.xml><?xml version="1.0" encoding="utf-8"?>
 <p:sld xmlns:a="http://schemas.openxmlformats.org/drawingml/2006/main" xmlns:r="http://schemas.openxmlformats.org/officeDocument/2006/relationships" xmlns:p="http://schemas.openxmlformats.org/presentationml/2006/main">
   <p:cSld>
     <p:spTree>
@@ -10704,6 +10811,86 @@
           <p:cNvPr id="2" name="Title 1">
             <a:extLst>
               <a:ext uri="{FF2B5EF4-FFF2-40B4-BE49-F238E27FC236}">
+                <a16:creationId xmlns:a16="http://schemas.microsoft.com/office/drawing/2014/main" id="{C50ABA49-8FE3-BF46-AD58-3259B10F30C2}"/>
+              </a:ext>
+            </a:extLst>
+          </p:cNvPr>
+          <p:cNvSpPr>
+            <a:spLocks noGrp="1"/>
+          </p:cNvSpPr>
+          <p:nvPr>
+            <p:ph type="title"/>
+          </p:nvPr>
+        </p:nvSpPr>
+        <p:spPr/>
+        <p:txBody>
+          <a:bodyPr/>
+          <a:lstStyle/>
+          <a:p>
+            <a:endParaRPr lang="en-US" dirty="0"/>
+          </a:p>
+        </p:txBody>
+      </p:sp>
+      <p:sp>
+        <p:nvSpPr>
+          <p:cNvPr id="3" name="Content Placeholder 2">
+            <a:extLst>
+              <a:ext uri="{FF2B5EF4-FFF2-40B4-BE49-F238E27FC236}">
+                <a16:creationId xmlns:a16="http://schemas.microsoft.com/office/drawing/2014/main" id="{6ED53A46-B6DF-1B46-95A2-AE20D6B898C2}"/>
+              </a:ext>
+            </a:extLst>
+          </p:cNvPr>
+          <p:cNvSpPr>
+            <a:spLocks noGrp="1"/>
+          </p:cNvSpPr>
+          <p:nvPr>
+            <p:ph idx="1"/>
+          </p:nvPr>
+        </p:nvSpPr>
+        <p:spPr/>
+        <p:txBody>
+          <a:bodyPr/>
+          <a:lstStyle/>
+          <a:p>
+            <a:endParaRPr lang="en-US"/>
+          </a:p>
+        </p:txBody>
+      </p:sp>
+    </p:spTree>
+    <p:extLst>
+      <p:ext uri="{BB962C8B-B14F-4D97-AF65-F5344CB8AC3E}">
+        <p14:creationId xmlns:p14="http://schemas.microsoft.com/office/powerpoint/2010/main" val="985049809"/>
+      </p:ext>
+    </p:extLst>
+  </p:cSld>
+  <p:clrMapOvr>
+    <a:masterClrMapping/>
+  </p:clrMapOvr>
+</p:sld>
+</file>
+
+<file path=ppt/slides/slide7.xml><?xml version="1.0" encoding="utf-8"?>
+<p:sld xmlns:a="http://schemas.openxmlformats.org/drawingml/2006/main" xmlns:r="http://schemas.openxmlformats.org/officeDocument/2006/relationships" xmlns:p="http://schemas.openxmlformats.org/presentationml/2006/main">
+  <p:cSld>
+    <p:spTree>
+      <p:nvGrpSpPr>
+        <p:cNvPr id="1" name=""/>
+        <p:cNvGrpSpPr/>
+        <p:nvPr/>
+      </p:nvGrpSpPr>
+      <p:grpSpPr>
+        <a:xfrm>
+          <a:off x="0" y="0"/>
+          <a:ext cx="0" cy="0"/>
+          <a:chOff x="0" y="0"/>
+          <a:chExt cx="0" cy="0"/>
+        </a:xfrm>
+      </p:grpSpPr>
+      <p:sp>
+        <p:nvSpPr>
+          <p:cNvPr id="2" name="Title 1">
+            <a:extLst>
+              <a:ext uri="{FF2B5EF4-FFF2-40B4-BE49-F238E27FC236}">
                 <a16:creationId xmlns:a16="http://schemas.microsoft.com/office/drawing/2014/main" id="{A6622A91-9A2A-814B-9522-5689173E7CBF}"/>
               </a:ext>
             </a:extLst>
@@ -10789,7 +10976,7 @@
 </p:sld>
 </file>
 
-<file path=ppt/slides/slide7.xml><?xml version="1.0" encoding="utf-8"?>
+<file path=ppt/slides/slide8.xml><?xml version="1.0" encoding="utf-8"?>
 <p:sld xmlns:a="http://schemas.openxmlformats.org/drawingml/2006/main" xmlns:r="http://schemas.openxmlformats.org/officeDocument/2006/relationships" xmlns:p="http://schemas.openxmlformats.org/presentationml/2006/main">
   <p:cSld>
     <p:bg>
@@ -10971,134 +11158,6 @@
 </p:sld>
 </file>
 
-<file path=ppt/slides/slide8.xml><?xml version="1.0" encoding="utf-8"?>
-<p:sld xmlns:a="http://schemas.openxmlformats.org/drawingml/2006/main" xmlns:r="http://schemas.openxmlformats.org/officeDocument/2006/relationships" xmlns:p="http://schemas.openxmlformats.org/presentationml/2006/main">
-  <p:cSld>
-    <p:spTree>
-      <p:nvGrpSpPr>
-        <p:cNvPr id="1" name=""/>
-        <p:cNvGrpSpPr/>
-        <p:nvPr/>
-      </p:nvGrpSpPr>
-      <p:grpSpPr>
-        <a:xfrm>
-          <a:off x="0" y="0"/>
-          <a:ext cx="0" cy="0"/>
-          <a:chOff x="0" y="0"/>
-          <a:chExt cx="0" cy="0"/>
-        </a:xfrm>
-      </p:grpSpPr>
-      <p:sp>
-        <p:nvSpPr>
-          <p:cNvPr id="2" name="Title 1">
-            <a:extLst>
-              <a:ext uri="{FF2B5EF4-FFF2-40B4-BE49-F238E27FC236}">
-                <a16:creationId xmlns:a16="http://schemas.microsoft.com/office/drawing/2014/main" id="{B65047DE-1D06-164B-8B8D-2A38715ED4E4}"/>
-              </a:ext>
-            </a:extLst>
-          </p:cNvPr>
-          <p:cNvSpPr>
-            <a:spLocks noGrp="1"/>
-          </p:cNvSpPr>
-          <p:nvPr>
-            <p:ph type="title"/>
-          </p:nvPr>
-        </p:nvSpPr>
-        <p:spPr/>
-        <p:txBody>
-          <a:bodyPr/>
-          <a:lstStyle/>
-          <a:p>
-            <a:r>
-              <a:rPr lang="en-US" dirty="0"/>
-              <a:t>What are some features of this text?</a:t>
-            </a:r>
-          </a:p>
-        </p:txBody>
-      </p:sp>
-      <p:sp>
-        <p:nvSpPr>
-          <p:cNvPr id="3" name="Content Placeholder 2">
-            <a:extLst>
-              <a:ext uri="{FF2B5EF4-FFF2-40B4-BE49-F238E27FC236}">
-                <a16:creationId xmlns:a16="http://schemas.microsoft.com/office/drawing/2014/main" id="{6D960784-DFC7-AA4D-9F7E-4941E3762F11}"/>
-              </a:ext>
-            </a:extLst>
-          </p:cNvPr>
-          <p:cNvSpPr>
-            <a:spLocks noGrp="1"/>
-          </p:cNvSpPr>
-          <p:nvPr>
-            <p:ph idx="1"/>
-          </p:nvPr>
-        </p:nvSpPr>
-        <p:spPr/>
-        <p:txBody>
-          <a:bodyPr/>
-          <a:lstStyle/>
-          <a:p>
-            <a:r>
-              <a:rPr lang="en-US" dirty="0"/>
-              <a:t>Blocks of text (are they paragraphs?)</a:t>
-            </a:r>
-          </a:p>
-          <a:p>
-            <a:r>
-              <a:rPr lang="en-US" dirty="0"/>
-              <a:t>Lines</a:t>
-            </a:r>
-          </a:p>
-          <a:p>
-            <a:r>
-              <a:rPr lang="en-US" dirty="0"/>
-              <a:t>Divisions?</a:t>
-            </a:r>
-          </a:p>
-          <a:p>
-            <a:r>
-              <a:rPr lang="en-US" dirty="0"/>
-              <a:t>Signatures</a:t>
-            </a:r>
-          </a:p>
-          <a:p>
-            <a:r>
-              <a:rPr lang="en-US" dirty="0"/>
-              <a:t>Opener/closer</a:t>
-            </a:r>
-          </a:p>
-          <a:p>
-            <a:r>
-              <a:rPr lang="en-US" dirty="0"/>
-              <a:t>Names</a:t>
-            </a:r>
-          </a:p>
-          <a:p>
-            <a:r>
-              <a:rPr lang="en-US" dirty="0"/>
-              <a:t>Dates</a:t>
-            </a:r>
-          </a:p>
-          <a:p>
-            <a:r>
-              <a:rPr lang="en-US" dirty="0"/>
-              <a:t>++++</a:t>
-            </a:r>
-          </a:p>
-        </p:txBody>
-      </p:sp>
-    </p:spTree>
-    <p:extLst>
-      <p:ext uri="{BB962C8B-B14F-4D97-AF65-F5344CB8AC3E}">
-        <p14:creationId xmlns:p14="http://schemas.microsoft.com/office/powerpoint/2010/main" val="1712556056"/>
-      </p:ext>
-    </p:extLst>
-  </p:cSld>
-  <p:clrMapOvr>
-    <a:masterClrMapping/>
-  </p:clrMapOvr>
-</p:sld>
-</file>
-
 <file path=ppt/slides/slide9.xml><?xml version="1.0" encoding="utf-8"?>
 <p:sld xmlns:a="http://schemas.openxmlformats.org/drawingml/2006/main" xmlns:r="http://schemas.openxmlformats.org/officeDocument/2006/relationships" xmlns:p="http://schemas.openxmlformats.org/presentationml/2006/main">
   <p:cSld>
@@ -11121,7 +11180,7 @@
           <p:cNvPr id="2" name="Title 1">
             <a:extLst>
               <a:ext uri="{FF2B5EF4-FFF2-40B4-BE49-F238E27FC236}">
-                <a16:creationId xmlns:a16="http://schemas.microsoft.com/office/drawing/2014/main" id="{980F5E87-89FB-3E4E-A65B-2B7275034E44}"/>
+                <a16:creationId xmlns:a16="http://schemas.microsoft.com/office/drawing/2014/main" id="{B65047DE-1D06-164B-8B8D-2A38715ED4E4}"/>
               </a:ext>
             </a:extLst>
           </p:cNvPr>
@@ -11139,7 +11198,7 @@
           <a:p>
             <a:r>
               <a:rPr lang="en-US" dirty="0"/>
-              <a:t>The TEI guidelines</a:t>
+              <a:t>What are some features of this text?</a:t>
             </a:r>
           </a:p>
         </p:txBody>
@@ -11149,7 +11208,7 @@
           <p:cNvPr id="3" name="Content Placeholder 2">
             <a:extLst>
               <a:ext uri="{FF2B5EF4-FFF2-40B4-BE49-F238E27FC236}">
-                <a16:creationId xmlns:a16="http://schemas.microsoft.com/office/drawing/2014/main" id="{8999F226-9E60-C947-8EF3-0E2045537648}"/>
+                <a16:creationId xmlns:a16="http://schemas.microsoft.com/office/drawing/2014/main" id="{6D960784-DFC7-AA4D-9F7E-4941E3762F11}"/>
               </a:ext>
             </a:extLst>
           </p:cNvPr>
@@ -11167,23 +11226,49 @@
           <a:p>
             <a:r>
               <a:rPr lang="en-US" dirty="0"/>
-              <a:t>http://</a:t>
-            </a:r>
-            <a:r>
-              <a:rPr lang="en-US" dirty="0" err="1"/>
-              <a:t>www.tei-c.org</a:t>
-            </a:r>
+              <a:t>Blocks of text (are they paragraphs?)</a:t>
+            </a:r>
+          </a:p>
+          <a:p>
             <a:r>
               <a:rPr lang="en-US" dirty="0"/>
-              <a:t>/release/doc/tei-p5-doc/</a:t>
-            </a:r>
-            <a:r>
-              <a:rPr lang="en-US" dirty="0" err="1"/>
-              <a:t>en</a:t>
-            </a:r>
+              <a:t>Lines</a:t>
+            </a:r>
+          </a:p>
+          <a:p>
             <a:r>
               <a:rPr lang="en-US" dirty="0"/>
-              <a:t>/html/</a:t>
+              <a:t>Divisions?</a:t>
+            </a:r>
+          </a:p>
+          <a:p>
+            <a:r>
+              <a:rPr lang="en-US" dirty="0"/>
+              <a:t>Signatures</a:t>
+            </a:r>
+          </a:p>
+          <a:p>
+            <a:r>
+              <a:rPr lang="en-US" dirty="0"/>
+              <a:t>Opener/closer</a:t>
+            </a:r>
+          </a:p>
+          <a:p>
+            <a:r>
+              <a:rPr lang="en-US" dirty="0"/>
+              <a:t>Names</a:t>
+            </a:r>
+          </a:p>
+          <a:p>
+            <a:r>
+              <a:rPr lang="en-US" dirty="0"/>
+              <a:t>Dates</a:t>
+            </a:r>
+          </a:p>
+          <a:p>
+            <a:r>
+              <a:rPr lang="en-US" dirty="0"/>
+              <a:t>++++</a:t>
             </a:r>
           </a:p>
         </p:txBody>
@@ -11191,7 +11276,7 @@
     </p:spTree>
     <p:extLst>
       <p:ext uri="{BB962C8B-B14F-4D97-AF65-F5344CB8AC3E}">
-        <p14:creationId xmlns:p14="http://schemas.microsoft.com/office/powerpoint/2010/main" val="2299371224"/>
+        <p14:creationId xmlns:p14="http://schemas.microsoft.com/office/powerpoint/2010/main" val="1712556056"/>
       </p:ext>
     </p:extLst>
   </p:cSld>

--- a/oct25/TEIWorkshop_2.pptx
+++ b/oct25/TEIWorkshop_2.pptx
@@ -9,28 +9,36 @@
     <p:sldId id="274" r:id="rId3"/>
     <p:sldId id="258" r:id="rId4"/>
     <p:sldId id="278" r:id="rId5"/>
-    <p:sldId id="275" r:id="rId6"/>
-    <p:sldId id="376" r:id="rId7"/>
-    <p:sldId id="276" r:id="rId8"/>
-    <p:sldId id="366" r:id="rId9"/>
-    <p:sldId id="367" r:id="rId10"/>
-    <p:sldId id="277" r:id="rId11"/>
-    <p:sldId id="280" r:id="rId12"/>
-    <p:sldId id="360" r:id="rId13"/>
-    <p:sldId id="361" r:id="rId14"/>
-    <p:sldId id="362" r:id="rId15"/>
-    <p:sldId id="363" r:id="rId16"/>
-    <p:sldId id="364" r:id="rId17"/>
-    <p:sldId id="365" r:id="rId18"/>
-    <p:sldId id="279" r:id="rId19"/>
-    <p:sldId id="368" r:id="rId20"/>
-    <p:sldId id="369" r:id="rId21"/>
-    <p:sldId id="370" r:id="rId22"/>
-    <p:sldId id="371" r:id="rId23"/>
-    <p:sldId id="372" r:id="rId24"/>
-    <p:sldId id="373" r:id="rId25"/>
-    <p:sldId id="374" r:id="rId26"/>
-    <p:sldId id="375" r:id="rId27"/>
+    <p:sldId id="269" r:id="rId6"/>
+    <p:sldId id="378" r:id="rId7"/>
+    <p:sldId id="379" r:id="rId8"/>
+    <p:sldId id="380" r:id="rId9"/>
+    <p:sldId id="381" r:id="rId10"/>
+    <p:sldId id="270" r:id="rId11"/>
+    <p:sldId id="400" r:id="rId12"/>
+    <p:sldId id="399" r:id="rId13"/>
+    <p:sldId id="401" r:id="rId14"/>
+    <p:sldId id="276" r:id="rId15"/>
+    <p:sldId id="366" r:id="rId16"/>
+    <p:sldId id="367" r:id="rId17"/>
+    <p:sldId id="277" r:id="rId18"/>
+    <p:sldId id="280" r:id="rId19"/>
+    <p:sldId id="360" r:id="rId20"/>
+    <p:sldId id="361" r:id="rId21"/>
+    <p:sldId id="362" r:id="rId22"/>
+    <p:sldId id="363" r:id="rId23"/>
+    <p:sldId id="364" r:id="rId24"/>
+    <p:sldId id="365" r:id="rId25"/>
+    <p:sldId id="279" r:id="rId26"/>
+    <p:sldId id="368" r:id="rId27"/>
+    <p:sldId id="369" r:id="rId28"/>
+    <p:sldId id="370" r:id="rId29"/>
+    <p:sldId id="371" r:id="rId30"/>
+    <p:sldId id="372" r:id="rId31"/>
+    <p:sldId id="373" r:id="rId32"/>
+    <p:sldId id="374" r:id="rId33"/>
+    <p:sldId id="375" r:id="rId34"/>
+    <p:sldId id="305" r:id="rId35"/>
   </p:sldIdLst>
   <p:sldSz cx="12192000" cy="6858000"/>
   <p:notesSz cx="6858000" cy="9144000"/>
@@ -142,8 +150,15 @@
         </p14:section>
         <p14:section name="XML Recap" id="{72BBB3F7-0CE7-1048-828E-D76C11A33C67}">
           <p14:sldIdLst>
-            <p14:sldId id="275"/>
-            <p14:sldId id="376"/>
+            <p14:sldId id="269"/>
+            <p14:sldId id="378"/>
+            <p14:sldId id="379"/>
+            <p14:sldId id="380"/>
+            <p14:sldId id="381"/>
+            <p14:sldId id="270"/>
+            <p14:sldId id="400"/>
+            <p14:sldId id="399"/>
+            <p14:sldId id="401"/>
             <p14:sldId id="276"/>
           </p14:sldIdLst>
         </p14:section>
@@ -180,6 +195,7 @@
             <p14:sldId id="373"/>
             <p14:sldId id="374"/>
             <p14:sldId id="375"/>
+            <p14:sldId id="305"/>
           </p14:sldIdLst>
         </p14:section>
       </p14:sectionLst>
@@ -7312,7 +7328,7 @@
           <p:cNvPr id="2" name="Title 1">
             <a:extLst>
               <a:ext uri="{FF2B5EF4-FFF2-40B4-BE49-F238E27FC236}">
-                <a16:creationId xmlns:a16="http://schemas.microsoft.com/office/drawing/2014/main" id="{980F5E87-89FB-3E4E-A65B-2B7275034E44}"/>
+                <a16:creationId xmlns:a16="http://schemas.microsoft.com/office/drawing/2014/main" id="{FF2716A5-F27E-154D-864A-C0D0BABA4030}"/>
               </a:ext>
             </a:extLst>
           </p:cNvPr>
@@ -7330,7 +7346,7 @@
           <a:p>
             <a:r>
               <a:rPr lang="en-US" dirty="0"/>
-              <a:t>The TEI guidelines</a:t>
+              <a:t>XML Explained</a:t>
             </a:r>
           </a:p>
         </p:txBody>
@@ -7340,7 +7356,7 @@
           <p:cNvPr id="3" name="Content Placeholder 2">
             <a:extLst>
               <a:ext uri="{FF2B5EF4-FFF2-40B4-BE49-F238E27FC236}">
-                <a16:creationId xmlns:a16="http://schemas.microsoft.com/office/drawing/2014/main" id="{8999F226-9E60-C947-8EF3-0E2045537648}"/>
+                <a16:creationId xmlns:a16="http://schemas.microsoft.com/office/drawing/2014/main" id="{30C7C960-E4D4-1549-9F93-2D54DF78B2C2}"/>
               </a:ext>
             </a:extLst>
           </p:cNvPr>
@@ -7356,33 +7372,14 @@
           <a:bodyPr/>
           <a:lstStyle/>
           <a:p>
-            <a:r>
-              <a:rPr lang="en-US" dirty="0"/>
-              <a:t>http://</a:t>
-            </a:r>
-            <a:r>
-              <a:rPr lang="en-US" dirty="0" err="1"/>
-              <a:t>www.tei-c.org</a:t>
-            </a:r>
-            <a:r>
-              <a:rPr lang="en-US" dirty="0"/>
-              <a:t>/release/doc/tei-p5-doc/</a:t>
-            </a:r>
-            <a:r>
-              <a:rPr lang="en-US" dirty="0" err="1"/>
-              <a:t>en</a:t>
-            </a:r>
-            <a:r>
-              <a:rPr lang="en-US" dirty="0"/>
-              <a:t>/html/</a:t>
-            </a:r>
+            <a:endParaRPr lang="en-US" dirty="0"/>
           </a:p>
         </p:txBody>
       </p:sp>
     </p:spTree>
     <p:extLst>
       <p:ext uri="{BB962C8B-B14F-4D97-AF65-F5344CB8AC3E}">
-        <p14:creationId xmlns:p14="http://schemas.microsoft.com/office/powerpoint/2010/main" val="2299371224"/>
+        <p14:creationId xmlns:p14="http://schemas.microsoft.com/office/powerpoint/2010/main" val="3377696645"/>
       </p:ext>
     </p:extLst>
   </p:cSld>
@@ -7411,7 +7408,13 @@
       </p:grpSpPr>
       <p:sp>
         <p:nvSpPr>
-          <p:cNvPr id="2" name="Title 1"/>
+          <p:cNvPr id="2" name="Title 1">
+            <a:extLst>
+              <a:ext uri="{FF2B5EF4-FFF2-40B4-BE49-F238E27FC236}">
+                <a16:creationId xmlns:a16="http://schemas.microsoft.com/office/drawing/2014/main" id="{FF2716A5-F27E-154D-864A-C0D0BABA4030}"/>
+              </a:ext>
+            </a:extLst>
+          </p:cNvPr>
           <p:cNvSpPr>
             <a:spLocks noGrp="1"/>
           </p:cNvSpPr>
@@ -7419,28 +7422,27 @@
             <p:ph type="title"/>
           </p:nvPr>
         </p:nvSpPr>
-        <p:spPr>
-          <a:xfrm>
-            <a:off x="2773279" y="502319"/>
-            <a:ext cx="6261100" cy="1143000"/>
-          </a:xfrm>
-        </p:spPr>
-        <p:txBody>
-          <a:bodyPr>
-            <a:normAutofit fontScale="90000"/>
-          </a:bodyPr>
-          <a:lstStyle/>
-          <a:p>
-            <a:r>
-              <a:rPr lang="en-CA" dirty="0"/>
-              <a:t>TEI is for Data and Metadata</a:t>
-            </a:r>
-          </a:p>
-        </p:txBody>
-      </p:sp>
-      <p:sp>
-        <p:nvSpPr>
-          <p:cNvPr id="3" name="Content Placeholder 2"/>
+        <p:spPr/>
+        <p:txBody>
+          <a:bodyPr/>
+          <a:lstStyle/>
+          <a:p>
+            <a:r>
+              <a:rPr lang="en-US" dirty="0"/>
+              <a:t>XML Explained</a:t>
+            </a:r>
+          </a:p>
+        </p:txBody>
+      </p:sp>
+      <p:sp>
+        <p:nvSpPr>
+          <p:cNvPr id="3" name="Content Placeholder 2">
+            <a:extLst>
+              <a:ext uri="{FF2B5EF4-FFF2-40B4-BE49-F238E27FC236}">
+                <a16:creationId xmlns:a16="http://schemas.microsoft.com/office/drawing/2014/main" id="{30C7C960-E4D4-1549-9F93-2D54DF78B2C2}"/>
+              </a:ext>
+            </a:extLst>
+          </p:cNvPr>
           <p:cNvSpPr>
             <a:spLocks noGrp="1"/>
           </p:cNvSpPr>
@@ -7448,217 +7450,47 @@
             <p:ph idx="1"/>
           </p:nvPr>
         </p:nvSpPr>
-        <p:spPr>
-          <a:xfrm>
-            <a:off x="2628900" y="2032001"/>
-            <a:ext cx="2540668" cy="3911600"/>
-          </a:xfrm>
-        </p:spPr>
-        <p:style>
-          <a:lnRef idx="2">
-            <a:schemeClr val="accent2"/>
-          </a:lnRef>
-          <a:fillRef idx="1">
-            <a:schemeClr val="lt1"/>
-          </a:fillRef>
-          <a:effectRef idx="0">
-            <a:schemeClr val="accent2"/>
-          </a:effectRef>
-          <a:fontRef idx="minor">
-            <a:schemeClr val="dk1"/>
-          </a:fontRef>
-        </p:style>
+        <p:spPr/>
         <p:txBody>
           <a:bodyPr/>
           <a:lstStyle/>
           <a:p>
-            <a:pPr marL="0" indent="0">
-              <a:buNone/>
-            </a:pPr>
-            <a:r>
-              <a:rPr lang="en-CA" dirty="0"/>
-              <a:t>&lt;TEI&gt;</a:t>
-            </a:r>
-          </a:p>
-          <a:p>
-            <a:pPr marL="399909" lvl="1" indent="0">
-              <a:buNone/>
-            </a:pPr>
-            <a:r>
-              <a:rPr lang="en-CA" dirty="0"/>
-              <a:t>&lt;</a:t>
-            </a:r>
-            <a:r>
-              <a:rPr lang="en-CA" dirty="0" err="1"/>
-              <a:t>teiHeader</a:t>
-            </a:r>
-            <a:r>
-              <a:rPr lang="en-CA" dirty="0"/>
-              <a:t>&gt;	</a:t>
-            </a:r>
-          </a:p>
-          <a:p>
-            <a:pPr marL="399909" lvl="1" indent="0">
-              <a:buNone/>
-            </a:pPr>
-            <a:r>
-              <a:rPr lang="en-CA" dirty="0"/>
-              <a:t>&lt;/</a:t>
-            </a:r>
-            <a:r>
-              <a:rPr lang="en-CA" dirty="0" err="1"/>
-              <a:t>teiHeader</a:t>
-            </a:r>
-            <a:r>
-              <a:rPr lang="en-CA" dirty="0"/>
-              <a:t>&gt;</a:t>
-            </a:r>
-          </a:p>
-          <a:p>
-            <a:pPr marL="399909" lvl="1" indent="0">
-              <a:buNone/>
-            </a:pPr>
-            <a:r>
-              <a:rPr lang="en-CA" dirty="0"/>
-              <a:t>&lt;text&gt;				&lt;/text&gt;</a:t>
-            </a:r>
-          </a:p>
-          <a:p>
-            <a:pPr marL="0" indent="0">
-              <a:buNone/>
-            </a:pPr>
-            <a:r>
-              <a:rPr lang="en-CA" dirty="0"/>
-              <a:t>&lt;/TEI&gt;</a:t>
-            </a:r>
-          </a:p>
-        </p:txBody>
-      </p:sp>
-      <p:sp>
-        <p:nvSpPr>
-          <p:cNvPr id="5" name="Rounded Rectangle 4"/>
-          <p:cNvSpPr/>
-          <p:nvPr/>
-        </p:nvSpPr>
-        <p:spPr>
-          <a:xfrm>
-            <a:off x="5759450" y="2478505"/>
-            <a:ext cx="2460124" cy="703848"/>
-          </a:xfrm>
-          <a:prstGeom prst="roundRect">
-            <a:avLst/>
-          </a:prstGeom>
-        </p:spPr>
-        <p:style>
-          <a:lnRef idx="1">
-            <a:schemeClr val="accent1"/>
-          </a:lnRef>
-          <a:fillRef idx="3">
-            <a:schemeClr val="accent1"/>
-          </a:fillRef>
-          <a:effectRef idx="2">
-            <a:schemeClr val="accent1"/>
-          </a:effectRef>
-          <a:fontRef idx="minor">
-            <a:schemeClr val="lt1"/>
-          </a:fontRef>
-        </p:style>
-        <p:txBody>
-          <a:bodyPr rtlCol="0" anchor="ctr"/>
-          <a:lstStyle/>
-          <a:p>
-            <a:pPr algn="ctr"/>
-            <a:r>
-              <a:rPr lang="en-CA" dirty="0"/>
-              <a:t>metadata</a:t>
-            </a:r>
-          </a:p>
-        </p:txBody>
-      </p:sp>
-      <p:sp>
-        <p:nvSpPr>
-          <p:cNvPr id="7" name="Rounded Rectangle 6"/>
-          <p:cNvSpPr/>
-          <p:nvPr/>
-        </p:nvSpPr>
-        <p:spPr>
-          <a:xfrm>
-            <a:off x="5759450" y="3705726"/>
-            <a:ext cx="2460124" cy="637674"/>
-          </a:xfrm>
-          <a:prstGeom prst="roundRect">
-            <a:avLst/>
-          </a:prstGeom>
-        </p:spPr>
-        <p:style>
-          <a:lnRef idx="1">
-            <a:schemeClr val="accent1"/>
-          </a:lnRef>
-          <a:fillRef idx="3">
-            <a:schemeClr val="accent1"/>
-          </a:fillRef>
-          <a:effectRef idx="2">
-            <a:schemeClr val="accent1"/>
-          </a:effectRef>
-          <a:fontRef idx="minor">
-            <a:schemeClr val="lt1"/>
-          </a:fontRef>
-        </p:style>
-        <p:txBody>
-          <a:bodyPr rtlCol="0" anchor="ctr"/>
-          <a:lstStyle/>
-          <a:p>
-            <a:pPr algn="ctr"/>
-            <a:r>
-              <a:rPr lang="en-CA" dirty="0"/>
-              <a:t>data</a:t>
-            </a:r>
-          </a:p>
-        </p:txBody>
-      </p:sp>
-      <p:sp>
-        <p:nvSpPr>
-          <p:cNvPr id="8" name="Rectangle 7"/>
-          <p:cNvSpPr/>
-          <p:nvPr/>
-        </p:nvSpPr>
-        <p:spPr>
-          <a:xfrm>
-            <a:off x="5392154" y="2032001"/>
-            <a:ext cx="3122194" cy="3911600"/>
-          </a:xfrm>
-          <a:prstGeom prst="rect">
-            <a:avLst/>
-          </a:prstGeom>
-          <a:noFill/>
-        </p:spPr>
-        <p:style>
-          <a:lnRef idx="1">
-            <a:schemeClr val="accent1"/>
-          </a:lnRef>
-          <a:fillRef idx="3">
-            <a:schemeClr val="accent1"/>
-          </a:fillRef>
-          <a:effectRef idx="2">
-            <a:schemeClr val="accent1"/>
-          </a:effectRef>
-          <a:fontRef idx="minor">
-            <a:schemeClr val="lt1"/>
-          </a:fontRef>
-        </p:style>
-        <p:txBody>
-          <a:bodyPr rtlCol="0" anchor="ctr"/>
-          <a:lstStyle/>
-          <a:p>
-            <a:pPr algn="ctr"/>
-            <a:endParaRPr lang="en-CA"/>
+            <a:r>
+              <a:rPr lang="en-US" dirty="0"/>
+              <a:t>Elements </a:t>
+            </a:r>
+            <a:r>
+              <a:rPr lang="en-US" b="1" dirty="0"/>
+              <a:t>cannot </a:t>
+            </a:r>
+            <a:r>
+              <a:rPr lang="en-US" dirty="0"/>
+              <a:t>overlap</a:t>
+            </a:r>
+          </a:p>
+          <a:p>
+            <a:pPr lvl="1"/>
+            <a:r>
+              <a:rPr lang="en-US" dirty="0"/>
+              <a:t>&lt;sentence&gt;&lt;word&gt;Word1&lt;/word&gt;&lt;/sentence&gt; is right</a:t>
+            </a:r>
+          </a:p>
+          <a:p>
+            <a:pPr lvl="1"/>
+            <a:r>
+              <a:rPr lang="en-US" dirty="0"/>
+              <a:t>&lt;sentence&gt;&lt;word&gt;Word1&lt;/sentence&gt;&lt;/word&gt; is wrong</a:t>
+            </a:r>
+          </a:p>
+          <a:p>
+            <a:endParaRPr lang="en-US" dirty="0"/>
           </a:p>
         </p:txBody>
       </p:sp>
     </p:spTree>
     <p:extLst>
       <p:ext uri="{BB962C8B-B14F-4D97-AF65-F5344CB8AC3E}">
-        <p14:creationId xmlns:p14="http://schemas.microsoft.com/office/powerpoint/2010/main" val="2981120024"/>
+        <p14:creationId xmlns:p14="http://schemas.microsoft.com/office/powerpoint/2010/main" val="2271876227"/>
       </p:ext>
     </p:extLst>
   </p:cSld>
@@ -7687,6 +7519,1170 @@
       </p:grpSpPr>
       <p:sp>
         <p:nvSpPr>
+          <p:cNvPr id="2" name="Title 1">
+            <a:extLst>
+              <a:ext uri="{FF2B5EF4-FFF2-40B4-BE49-F238E27FC236}">
+                <a16:creationId xmlns:a16="http://schemas.microsoft.com/office/drawing/2014/main" id="{FF2716A5-F27E-154D-864A-C0D0BABA4030}"/>
+              </a:ext>
+            </a:extLst>
+          </p:cNvPr>
+          <p:cNvSpPr>
+            <a:spLocks noGrp="1"/>
+          </p:cNvSpPr>
+          <p:nvPr>
+            <p:ph type="title"/>
+          </p:nvPr>
+        </p:nvSpPr>
+        <p:spPr/>
+        <p:txBody>
+          <a:bodyPr/>
+          <a:lstStyle/>
+          <a:p>
+            <a:r>
+              <a:rPr lang="en-US" dirty="0"/>
+              <a:t>XML Explained</a:t>
+            </a:r>
+          </a:p>
+        </p:txBody>
+      </p:sp>
+      <p:sp>
+        <p:nvSpPr>
+          <p:cNvPr id="3" name="Content Placeholder 2">
+            <a:extLst>
+              <a:ext uri="{FF2B5EF4-FFF2-40B4-BE49-F238E27FC236}">
+                <a16:creationId xmlns:a16="http://schemas.microsoft.com/office/drawing/2014/main" id="{30C7C960-E4D4-1549-9F93-2D54DF78B2C2}"/>
+              </a:ext>
+            </a:extLst>
+          </p:cNvPr>
+          <p:cNvSpPr>
+            <a:spLocks noGrp="1"/>
+          </p:cNvSpPr>
+          <p:nvPr>
+            <p:ph idx="1"/>
+          </p:nvPr>
+        </p:nvSpPr>
+        <p:spPr/>
+        <p:txBody>
+          <a:bodyPr/>
+          <a:lstStyle/>
+          <a:p>
+            <a:r>
+              <a:rPr lang="en-US" dirty="0"/>
+              <a:t>Elements </a:t>
+            </a:r>
+            <a:r>
+              <a:rPr lang="en-US" b="1" dirty="0"/>
+              <a:t>cannot </a:t>
+            </a:r>
+            <a:r>
+              <a:rPr lang="en-US" dirty="0"/>
+              <a:t>overlap</a:t>
+            </a:r>
+          </a:p>
+          <a:p>
+            <a:pPr lvl="1"/>
+            <a:r>
+              <a:rPr lang="en-US" dirty="0"/>
+              <a:t>&lt;sentence&gt;&lt;word&gt;Word1&lt;/word&gt;&lt;/sentence&gt; is right</a:t>
+            </a:r>
+          </a:p>
+          <a:p>
+            <a:pPr lvl="1"/>
+            <a:r>
+              <a:rPr lang="en-US" dirty="0"/>
+              <a:t>&lt;sentence&gt;&lt;word&gt;Word1&lt;/sentence&gt;&lt;/word&gt; is wrong</a:t>
+            </a:r>
+          </a:p>
+          <a:p>
+            <a:r>
+              <a:rPr lang="en-US" dirty="0"/>
+              <a:t>Elements </a:t>
+            </a:r>
+            <a:r>
+              <a:rPr lang="en-US" b="1" dirty="0"/>
+              <a:t>nest </a:t>
+            </a:r>
+            <a:r>
+              <a:rPr lang="en-US" dirty="0"/>
+              <a:t>and use genealogical terms</a:t>
+            </a:r>
+          </a:p>
+          <a:p>
+            <a:pPr lvl="1"/>
+            <a:r>
+              <a:rPr lang="en-US" dirty="0" err="1"/>
+              <a:t>I.e</a:t>
+            </a:r>
+            <a:r>
+              <a:rPr lang="en-US" dirty="0"/>
+              <a:t> this bit of XML</a:t>
+            </a:r>
+          </a:p>
+          <a:p>
+            <a:pPr marL="914400" lvl="2" indent="0">
+              <a:buNone/>
+            </a:pPr>
+            <a:r>
+              <a:rPr lang="en-US" dirty="0"/>
+              <a:t>&lt;book&gt;</a:t>
+            </a:r>
+          </a:p>
+          <a:p>
+            <a:pPr marL="914400" lvl="2" indent="0">
+              <a:buNone/>
+            </a:pPr>
+            <a:r>
+              <a:rPr lang="en-US" dirty="0"/>
+              <a:t>      &lt;chapter&gt;&lt;/chapter&gt;</a:t>
+            </a:r>
+          </a:p>
+          <a:p>
+            <a:pPr marL="914400" lvl="2" indent="0">
+              <a:buNone/>
+            </a:pPr>
+            <a:r>
+              <a:rPr lang="en-US" dirty="0"/>
+              <a:t>&lt;/book&gt;</a:t>
+            </a:r>
+          </a:p>
+          <a:p>
+            <a:pPr marL="914400" lvl="2" indent="0">
+              <a:buNone/>
+            </a:pPr>
+            <a:r>
+              <a:rPr lang="en-US" dirty="0"/>
+              <a:t>Can be described as “chapter is a child of book” OR “book is a parent of chapter”</a:t>
+            </a:r>
+          </a:p>
+        </p:txBody>
+      </p:sp>
+    </p:spTree>
+    <p:extLst>
+      <p:ext uri="{BB962C8B-B14F-4D97-AF65-F5344CB8AC3E}">
+        <p14:creationId xmlns:p14="http://schemas.microsoft.com/office/powerpoint/2010/main" val="3751183110"/>
+      </p:ext>
+    </p:extLst>
+  </p:cSld>
+  <p:clrMapOvr>
+    <a:masterClrMapping/>
+  </p:clrMapOvr>
+</p:sld>
+</file>
+
+<file path=ppt/slides/slide13.xml><?xml version="1.0" encoding="utf-8"?>
+<p:sld xmlns:a="http://schemas.openxmlformats.org/drawingml/2006/main" xmlns:r="http://schemas.openxmlformats.org/officeDocument/2006/relationships" xmlns:p="http://schemas.openxmlformats.org/presentationml/2006/main">
+  <p:cSld>
+    <p:spTree>
+      <p:nvGrpSpPr>
+        <p:cNvPr id="1" name=""/>
+        <p:cNvGrpSpPr/>
+        <p:nvPr/>
+      </p:nvGrpSpPr>
+      <p:grpSpPr>
+        <a:xfrm>
+          <a:off x="0" y="0"/>
+          <a:ext cx="0" cy="0"/>
+          <a:chOff x="0" y="0"/>
+          <a:chExt cx="0" cy="0"/>
+        </a:xfrm>
+      </p:grpSpPr>
+      <p:sp>
+        <p:nvSpPr>
+          <p:cNvPr id="2" name="Title 1">
+            <a:extLst>
+              <a:ext uri="{FF2B5EF4-FFF2-40B4-BE49-F238E27FC236}">
+                <a16:creationId xmlns:a16="http://schemas.microsoft.com/office/drawing/2014/main" id="{FF2716A5-F27E-154D-864A-C0D0BABA4030}"/>
+              </a:ext>
+            </a:extLst>
+          </p:cNvPr>
+          <p:cNvSpPr>
+            <a:spLocks noGrp="1"/>
+          </p:cNvSpPr>
+          <p:nvPr>
+            <p:ph type="title"/>
+          </p:nvPr>
+        </p:nvSpPr>
+        <p:spPr/>
+        <p:txBody>
+          <a:bodyPr/>
+          <a:lstStyle/>
+          <a:p>
+            <a:r>
+              <a:rPr lang="en-US" dirty="0"/>
+              <a:t>XML Explained</a:t>
+            </a:r>
+          </a:p>
+        </p:txBody>
+      </p:sp>
+      <p:sp>
+        <p:nvSpPr>
+          <p:cNvPr id="3" name="Content Placeholder 2">
+            <a:extLst>
+              <a:ext uri="{FF2B5EF4-FFF2-40B4-BE49-F238E27FC236}">
+                <a16:creationId xmlns:a16="http://schemas.microsoft.com/office/drawing/2014/main" id="{30C7C960-E4D4-1549-9F93-2D54DF78B2C2}"/>
+              </a:ext>
+            </a:extLst>
+          </p:cNvPr>
+          <p:cNvSpPr>
+            <a:spLocks noGrp="1"/>
+          </p:cNvSpPr>
+          <p:nvPr>
+            <p:ph idx="1"/>
+          </p:nvPr>
+        </p:nvSpPr>
+        <p:spPr/>
+        <p:txBody>
+          <a:bodyPr>
+            <a:normAutofit/>
+          </a:bodyPr>
+          <a:lstStyle/>
+          <a:p>
+            <a:r>
+              <a:rPr lang="en-US" dirty="0"/>
+              <a:t>Elements </a:t>
+            </a:r>
+            <a:r>
+              <a:rPr lang="en-US" b="1" dirty="0"/>
+              <a:t>cannot </a:t>
+            </a:r>
+            <a:r>
+              <a:rPr lang="en-US" dirty="0"/>
+              <a:t>overlap</a:t>
+            </a:r>
+          </a:p>
+          <a:p>
+            <a:pPr lvl="1"/>
+            <a:r>
+              <a:rPr lang="en-US" dirty="0"/>
+              <a:t>&lt;sentence&gt;&lt;word&gt;Word1&lt;/word&gt;&lt;/sentence&gt; is right</a:t>
+            </a:r>
+          </a:p>
+          <a:p>
+            <a:pPr lvl="1"/>
+            <a:r>
+              <a:rPr lang="en-US" dirty="0"/>
+              <a:t>&lt;sentence&gt;&lt;word&gt;Word1&lt;/sentence&gt;&lt;/word&gt; is wrong</a:t>
+            </a:r>
+          </a:p>
+          <a:p>
+            <a:r>
+              <a:rPr lang="en-US" dirty="0"/>
+              <a:t>Elements </a:t>
+            </a:r>
+            <a:r>
+              <a:rPr lang="en-US" b="1" dirty="0"/>
+              <a:t>nest </a:t>
+            </a:r>
+            <a:r>
+              <a:rPr lang="en-US" dirty="0"/>
+              <a:t>and use genealogical terms</a:t>
+            </a:r>
+          </a:p>
+          <a:p>
+            <a:pPr lvl="1"/>
+            <a:r>
+              <a:rPr lang="en-US" dirty="0" err="1"/>
+              <a:t>I.e</a:t>
+            </a:r>
+            <a:r>
+              <a:rPr lang="en-US" dirty="0"/>
+              <a:t> this bit of XML</a:t>
+            </a:r>
+          </a:p>
+          <a:p>
+            <a:pPr marL="914400" lvl="2" indent="0">
+              <a:buNone/>
+            </a:pPr>
+            <a:r>
+              <a:rPr lang="en-US" dirty="0"/>
+              <a:t>&lt;book&gt;</a:t>
+            </a:r>
+          </a:p>
+          <a:p>
+            <a:pPr marL="914400" lvl="2" indent="0">
+              <a:buNone/>
+            </a:pPr>
+            <a:r>
+              <a:rPr lang="en-US" dirty="0"/>
+              <a:t>      &lt;chapter&gt;&lt;/chapter&gt;</a:t>
+            </a:r>
+          </a:p>
+          <a:p>
+            <a:pPr marL="914400" lvl="2" indent="0">
+              <a:buNone/>
+            </a:pPr>
+            <a:r>
+              <a:rPr lang="en-US" dirty="0"/>
+              <a:t>&lt;/book&gt;</a:t>
+            </a:r>
+          </a:p>
+          <a:p>
+            <a:pPr marL="914400" lvl="2" indent="0">
+              <a:buNone/>
+            </a:pPr>
+            <a:r>
+              <a:rPr lang="en-US" dirty="0"/>
+              <a:t>Can be described as “chapter is a child of book” OR “book is a parent of chapter”</a:t>
+            </a:r>
+          </a:p>
+          <a:p>
+            <a:r>
+              <a:rPr lang="en-US" dirty="0"/>
+              <a:t>There is </a:t>
+            </a:r>
+            <a:r>
+              <a:rPr lang="en-US" b="1" dirty="0"/>
+              <a:t>always </a:t>
+            </a:r>
+            <a:r>
+              <a:rPr lang="en-US" dirty="0"/>
+              <a:t>a </a:t>
+            </a:r>
+            <a:r>
+              <a:rPr lang="en-US" b="1" dirty="0"/>
+              <a:t>root </a:t>
+            </a:r>
+            <a:r>
+              <a:rPr lang="en-US" dirty="0"/>
+              <a:t>element</a:t>
+            </a:r>
+          </a:p>
+          <a:p>
+            <a:pPr lvl="1"/>
+            <a:r>
+              <a:rPr lang="en-US" dirty="0"/>
+              <a:t>That is, there is always one element that encloses everything</a:t>
+            </a:r>
+          </a:p>
+        </p:txBody>
+      </p:sp>
+    </p:spTree>
+    <p:extLst>
+      <p:ext uri="{BB962C8B-B14F-4D97-AF65-F5344CB8AC3E}">
+        <p14:creationId xmlns:p14="http://schemas.microsoft.com/office/powerpoint/2010/main" val="1737122623"/>
+      </p:ext>
+    </p:extLst>
+  </p:cSld>
+  <p:clrMapOvr>
+    <a:masterClrMapping/>
+  </p:clrMapOvr>
+</p:sld>
+</file>
+
+<file path=ppt/slides/slide14.xml><?xml version="1.0" encoding="utf-8"?>
+<p:sld xmlns:a="http://schemas.openxmlformats.org/drawingml/2006/main" xmlns:r="http://schemas.openxmlformats.org/officeDocument/2006/relationships" xmlns:p="http://schemas.openxmlformats.org/presentationml/2006/main">
+  <p:cSld>
+    <p:spTree>
+      <p:nvGrpSpPr>
+        <p:cNvPr id="1" name=""/>
+        <p:cNvGrpSpPr/>
+        <p:nvPr/>
+      </p:nvGrpSpPr>
+      <p:grpSpPr>
+        <a:xfrm>
+          <a:off x="0" y="0"/>
+          <a:ext cx="0" cy="0"/>
+          <a:chOff x="0" y="0"/>
+          <a:chExt cx="0" cy="0"/>
+        </a:xfrm>
+      </p:grpSpPr>
+      <p:sp>
+        <p:nvSpPr>
+          <p:cNvPr id="2" name="Title 1">
+            <a:extLst>
+              <a:ext uri="{FF2B5EF4-FFF2-40B4-BE49-F238E27FC236}">
+                <a16:creationId xmlns:a16="http://schemas.microsoft.com/office/drawing/2014/main" id="{A6622A91-9A2A-814B-9522-5689173E7CBF}"/>
+              </a:ext>
+            </a:extLst>
+          </p:cNvPr>
+          <p:cNvSpPr>
+            <a:spLocks noGrp="1"/>
+          </p:cNvSpPr>
+          <p:nvPr>
+            <p:ph type="title"/>
+          </p:nvPr>
+        </p:nvSpPr>
+        <p:spPr/>
+        <p:txBody>
+          <a:bodyPr/>
+          <a:lstStyle/>
+          <a:p>
+            <a:r>
+              <a:rPr lang="en-US" dirty="0"/>
+              <a:t>Why do we encode?</a:t>
+            </a:r>
+          </a:p>
+        </p:txBody>
+      </p:sp>
+      <p:sp>
+        <p:nvSpPr>
+          <p:cNvPr id="3" name="Content Placeholder 2">
+            <a:extLst>
+              <a:ext uri="{FF2B5EF4-FFF2-40B4-BE49-F238E27FC236}">
+                <a16:creationId xmlns:a16="http://schemas.microsoft.com/office/drawing/2014/main" id="{EB716BCD-F9EE-8A4D-BF65-FA60B90942B6}"/>
+              </a:ext>
+            </a:extLst>
+          </p:cNvPr>
+          <p:cNvSpPr>
+            <a:spLocks noGrp="1"/>
+          </p:cNvSpPr>
+          <p:nvPr>
+            <p:ph idx="1"/>
+          </p:nvPr>
+        </p:nvSpPr>
+        <p:spPr/>
+        <p:txBody>
+          <a:bodyPr/>
+          <a:lstStyle/>
+          <a:p>
+            <a:r>
+              <a:rPr lang="en-US" dirty="0"/>
+              <a:t>Interpretation</a:t>
+            </a:r>
+          </a:p>
+          <a:p>
+            <a:r>
+              <a:rPr lang="en-US" dirty="0"/>
+              <a:t>Usability (text mining, et cetera)</a:t>
+            </a:r>
+          </a:p>
+          <a:p>
+            <a:r>
+              <a:rPr lang="en-US" dirty="0"/>
+              <a:t>Interoperability</a:t>
+            </a:r>
+          </a:p>
+          <a:p>
+            <a:r>
+              <a:rPr lang="en-US" dirty="0"/>
+              <a:t>Preservation</a:t>
+            </a:r>
+          </a:p>
+          <a:p>
+            <a:endParaRPr lang="en-US" dirty="0"/>
+          </a:p>
+        </p:txBody>
+      </p:sp>
+    </p:spTree>
+    <p:extLst>
+      <p:ext uri="{BB962C8B-B14F-4D97-AF65-F5344CB8AC3E}">
+        <p14:creationId xmlns:p14="http://schemas.microsoft.com/office/powerpoint/2010/main" val="2124546427"/>
+      </p:ext>
+    </p:extLst>
+  </p:cSld>
+  <p:clrMapOvr>
+    <a:masterClrMapping/>
+  </p:clrMapOvr>
+</p:sld>
+</file>
+
+<file path=ppt/slides/slide15.xml><?xml version="1.0" encoding="utf-8"?>
+<p:sld xmlns:a="http://schemas.openxmlformats.org/drawingml/2006/main" xmlns:r="http://schemas.openxmlformats.org/officeDocument/2006/relationships" xmlns:p="http://schemas.openxmlformats.org/presentationml/2006/main">
+  <p:cSld>
+    <p:bg>
+      <p:bgPr>
+        <a:solidFill>
+          <a:schemeClr val="bg1"/>
+        </a:solidFill>
+        <a:effectLst/>
+      </p:bgPr>
+    </p:bg>
+    <p:spTree>
+      <p:nvGrpSpPr>
+        <p:cNvPr id="1" name=""/>
+        <p:cNvGrpSpPr/>
+        <p:nvPr/>
+      </p:nvGrpSpPr>
+      <p:grpSpPr>
+        <a:xfrm>
+          <a:off x="0" y="0"/>
+          <a:ext cx="0" cy="0"/>
+          <a:chOff x="0" y="0"/>
+          <a:chExt cx="0" cy="0"/>
+        </a:xfrm>
+      </p:grpSpPr>
+      <p:sp>
+        <p:nvSpPr>
+          <p:cNvPr id="2" name="Title 1">
+            <a:extLst>
+              <a:ext uri="{FF2B5EF4-FFF2-40B4-BE49-F238E27FC236}">
+                <a16:creationId xmlns:a16="http://schemas.microsoft.com/office/drawing/2014/main" id="{039A2126-D485-C049-B5D0-A9928865E35B}"/>
+              </a:ext>
+            </a:extLst>
+          </p:cNvPr>
+          <p:cNvSpPr>
+            <a:spLocks noGrp="1"/>
+          </p:cNvSpPr>
+          <p:nvPr>
+            <p:ph type="title"/>
+          </p:nvPr>
+        </p:nvSpPr>
+        <p:spPr>
+          <a:xfrm>
+            <a:off x="1024128" y="585216"/>
+            <a:ext cx="6066818" cy="1499616"/>
+          </a:xfrm>
+        </p:spPr>
+        <p:txBody>
+          <a:bodyPr>
+            <a:normAutofit/>
+          </a:bodyPr>
+          <a:lstStyle/>
+          <a:p>
+            <a:r>
+              <a:rPr lang="en-US" dirty="0"/>
+              <a:t>What are we encoding today?</a:t>
+            </a:r>
+          </a:p>
+        </p:txBody>
+      </p:sp>
+      <p:sp>
+        <p:nvSpPr>
+          <p:cNvPr id="10" name="Content Placeholder 9">
+            <a:extLst>
+              <a:ext uri="{FF2B5EF4-FFF2-40B4-BE49-F238E27FC236}">
+                <a16:creationId xmlns:a16="http://schemas.microsoft.com/office/drawing/2014/main" id="{94E11C28-844D-43B7-918F-152BE6090778}"/>
+              </a:ext>
+            </a:extLst>
+          </p:cNvPr>
+          <p:cNvSpPr>
+            <a:spLocks noGrp="1"/>
+          </p:cNvSpPr>
+          <p:nvPr>
+            <p:ph idx="1"/>
+          </p:nvPr>
+        </p:nvSpPr>
+        <p:spPr>
+          <a:xfrm>
+            <a:off x="1024128" y="2286000"/>
+            <a:ext cx="6066818" cy="4023360"/>
+          </a:xfrm>
+        </p:spPr>
+        <p:txBody>
+          <a:bodyPr>
+            <a:normAutofit/>
+          </a:bodyPr>
+          <a:lstStyle/>
+          <a:p>
+            <a:r>
+              <a:rPr lang="en-US" dirty="0"/>
+              <a:t>Description: </a:t>
+            </a:r>
+            <a:r>
+              <a:rPr lang="en-CA" dirty="0"/>
+              <a:t>A letter thrown off of the Princess Kathleen in a bottle, June 4, 1939 by Marvin </a:t>
+            </a:r>
+            <a:r>
+              <a:rPr lang="en-CA" dirty="0" err="1"/>
+              <a:t>Lunder</a:t>
+            </a:r>
+            <a:r>
+              <a:rPr lang="en-CA" dirty="0"/>
+              <a:t> and Dick de Remer of Tacoma Washington, and found in October by W[</a:t>
+            </a:r>
+            <a:r>
+              <a:rPr lang="en-CA" dirty="0" err="1"/>
+              <a:t>illiam</a:t>
+            </a:r>
+            <a:r>
+              <a:rPr lang="en-CA" dirty="0"/>
+              <a:t>] B. D. </a:t>
+            </a:r>
+            <a:r>
+              <a:rPr lang="en-CA" dirty="0" err="1"/>
+              <a:t>Firmming</a:t>
+            </a:r>
+            <a:r>
+              <a:rPr lang="en-CA" dirty="0"/>
+              <a:t> on </a:t>
+            </a:r>
+            <a:r>
+              <a:rPr lang="en-CA" dirty="0" err="1"/>
+              <a:t>Whilby</a:t>
+            </a:r>
+            <a:r>
+              <a:rPr lang="en-CA" dirty="0"/>
+              <a:t> Island.</a:t>
+            </a:r>
+          </a:p>
+          <a:p>
+            <a:r>
+              <a:rPr lang="en-CA" dirty="0"/>
+              <a:t>Source: Original Format: University of British Columbia. Library. Rare Books and Special Collections. The Chung Collection. CC-TX-151-18</a:t>
+            </a:r>
+          </a:p>
+          <a:p>
+            <a:endParaRPr lang="en-US" dirty="0"/>
+          </a:p>
+        </p:txBody>
+      </p:sp>
+      <p:pic>
+        <p:nvPicPr>
+          <p:cNvPr id="8" name="Content Placeholder 4">
+            <a:extLst>
+              <a:ext uri="{FF2B5EF4-FFF2-40B4-BE49-F238E27FC236}">
+                <a16:creationId xmlns:a16="http://schemas.microsoft.com/office/drawing/2014/main" id="{562EFFB9-7C1F-E542-BD23-A72ED74945FD}"/>
+              </a:ext>
+            </a:extLst>
+          </p:cNvPr>
+          <p:cNvPicPr>
+            <a:picLocks noChangeAspect="1"/>
+          </p:cNvPicPr>
+          <p:nvPr/>
+        </p:nvPicPr>
+        <p:blipFill rotWithShape="1">
+          <a:blip r:embed="rId2"/>
+          <a:srcRect r="1" b="6511"/>
+          <a:stretch/>
+        </p:blipFill>
+        <p:spPr>
+          <a:xfrm>
+            <a:off x="7552266" y="10"/>
+            <a:ext cx="4639733" cy="6857990"/>
+          </a:xfrm>
+          <a:prstGeom prst="rect">
+            <a:avLst/>
+          </a:prstGeom>
+        </p:spPr>
+      </p:pic>
+    </p:spTree>
+    <p:extLst>
+      <p:ext uri="{BB962C8B-B14F-4D97-AF65-F5344CB8AC3E}">
+        <p14:creationId xmlns:p14="http://schemas.microsoft.com/office/powerpoint/2010/main" val="3265316558"/>
+      </p:ext>
+    </p:extLst>
+  </p:cSld>
+  <p:clrMapOvr>
+    <a:masterClrMapping/>
+  </p:clrMapOvr>
+</p:sld>
+</file>
+
+<file path=ppt/slides/slide16.xml><?xml version="1.0" encoding="utf-8"?>
+<p:sld xmlns:a="http://schemas.openxmlformats.org/drawingml/2006/main" xmlns:r="http://schemas.openxmlformats.org/officeDocument/2006/relationships" xmlns:p="http://schemas.openxmlformats.org/presentationml/2006/main">
+  <p:cSld>
+    <p:spTree>
+      <p:nvGrpSpPr>
+        <p:cNvPr id="1" name=""/>
+        <p:cNvGrpSpPr/>
+        <p:nvPr/>
+      </p:nvGrpSpPr>
+      <p:grpSpPr>
+        <a:xfrm>
+          <a:off x="0" y="0"/>
+          <a:ext cx="0" cy="0"/>
+          <a:chOff x="0" y="0"/>
+          <a:chExt cx="0" cy="0"/>
+        </a:xfrm>
+      </p:grpSpPr>
+      <p:sp>
+        <p:nvSpPr>
+          <p:cNvPr id="2" name="Title 1">
+            <a:extLst>
+              <a:ext uri="{FF2B5EF4-FFF2-40B4-BE49-F238E27FC236}">
+                <a16:creationId xmlns:a16="http://schemas.microsoft.com/office/drawing/2014/main" id="{B65047DE-1D06-164B-8B8D-2A38715ED4E4}"/>
+              </a:ext>
+            </a:extLst>
+          </p:cNvPr>
+          <p:cNvSpPr>
+            <a:spLocks noGrp="1"/>
+          </p:cNvSpPr>
+          <p:nvPr>
+            <p:ph type="title"/>
+          </p:nvPr>
+        </p:nvSpPr>
+        <p:spPr/>
+        <p:txBody>
+          <a:bodyPr/>
+          <a:lstStyle/>
+          <a:p>
+            <a:r>
+              <a:rPr lang="en-US" dirty="0"/>
+              <a:t>What are some features of this text?</a:t>
+            </a:r>
+          </a:p>
+        </p:txBody>
+      </p:sp>
+      <p:sp>
+        <p:nvSpPr>
+          <p:cNvPr id="3" name="Content Placeholder 2">
+            <a:extLst>
+              <a:ext uri="{FF2B5EF4-FFF2-40B4-BE49-F238E27FC236}">
+                <a16:creationId xmlns:a16="http://schemas.microsoft.com/office/drawing/2014/main" id="{6D960784-DFC7-AA4D-9F7E-4941E3762F11}"/>
+              </a:ext>
+            </a:extLst>
+          </p:cNvPr>
+          <p:cNvSpPr>
+            <a:spLocks noGrp="1"/>
+          </p:cNvSpPr>
+          <p:nvPr>
+            <p:ph idx="1"/>
+          </p:nvPr>
+        </p:nvSpPr>
+        <p:spPr/>
+        <p:txBody>
+          <a:bodyPr/>
+          <a:lstStyle/>
+          <a:p>
+            <a:r>
+              <a:rPr lang="en-US" dirty="0"/>
+              <a:t>Blocks of text (are they paragraphs?)</a:t>
+            </a:r>
+          </a:p>
+          <a:p>
+            <a:r>
+              <a:rPr lang="en-US" dirty="0"/>
+              <a:t>Lines</a:t>
+            </a:r>
+          </a:p>
+          <a:p>
+            <a:r>
+              <a:rPr lang="en-US" dirty="0"/>
+              <a:t>Divisions?</a:t>
+            </a:r>
+          </a:p>
+          <a:p>
+            <a:r>
+              <a:rPr lang="en-US" dirty="0"/>
+              <a:t>Signatures</a:t>
+            </a:r>
+          </a:p>
+          <a:p>
+            <a:r>
+              <a:rPr lang="en-US" dirty="0"/>
+              <a:t>Opener/closer</a:t>
+            </a:r>
+          </a:p>
+          <a:p>
+            <a:r>
+              <a:rPr lang="en-US" dirty="0"/>
+              <a:t>Names</a:t>
+            </a:r>
+          </a:p>
+          <a:p>
+            <a:r>
+              <a:rPr lang="en-US" dirty="0"/>
+              <a:t>Dates</a:t>
+            </a:r>
+          </a:p>
+          <a:p>
+            <a:r>
+              <a:rPr lang="en-US" dirty="0"/>
+              <a:t>++++</a:t>
+            </a:r>
+          </a:p>
+        </p:txBody>
+      </p:sp>
+    </p:spTree>
+    <p:extLst>
+      <p:ext uri="{BB962C8B-B14F-4D97-AF65-F5344CB8AC3E}">
+        <p14:creationId xmlns:p14="http://schemas.microsoft.com/office/powerpoint/2010/main" val="1712556056"/>
+      </p:ext>
+    </p:extLst>
+  </p:cSld>
+  <p:clrMapOvr>
+    <a:masterClrMapping/>
+  </p:clrMapOvr>
+</p:sld>
+</file>
+
+<file path=ppt/slides/slide17.xml><?xml version="1.0" encoding="utf-8"?>
+<p:sld xmlns:a="http://schemas.openxmlformats.org/drawingml/2006/main" xmlns:r="http://schemas.openxmlformats.org/officeDocument/2006/relationships" xmlns:p="http://schemas.openxmlformats.org/presentationml/2006/main">
+  <p:cSld>
+    <p:spTree>
+      <p:nvGrpSpPr>
+        <p:cNvPr id="1" name=""/>
+        <p:cNvGrpSpPr/>
+        <p:nvPr/>
+      </p:nvGrpSpPr>
+      <p:grpSpPr>
+        <a:xfrm>
+          <a:off x="0" y="0"/>
+          <a:ext cx="0" cy="0"/>
+          <a:chOff x="0" y="0"/>
+          <a:chExt cx="0" cy="0"/>
+        </a:xfrm>
+      </p:grpSpPr>
+      <p:sp>
+        <p:nvSpPr>
+          <p:cNvPr id="2" name="Title 1">
+            <a:extLst>
+              <a:ext uri="{FF2B5EF4-FFF2-40B4-BE49-F238E27FC236}">
+                <a16:creationId xmlns:a16="http://schemas.microsoft.com/office/drawing/2014/main" id="{980F5E87-89FB-3E4E-A65B-2B7275034E44}"/>
+              </a:ext>
+            </a:extLst>
+          </p:cNvPr>
+          <p:cNvSpPr>
+            <a:spLocks noGrp="1"/>
+          </p:cNvSpPr>
+          <p:nvPr>
+            <p:ph type="title"/>
+          </p:nvPr>
+        </p:nvSpPr>
+        <p:spPr/>
+        <p:txBody>
+          <a:bodyPr/>
+          <a:lstStyle/>
+          <a:p>
+            <a:r>
+              <a:rPr lang="en-US" dirty="0"/>
+              <a:t>The TEI guidelines</a:t>
+            </a:r>
+          </a:p>
+        </p:txBody>
+      </p:sp>
+      <p:sp>
+        <p:nvSpPr>
+          <p:cNvPr id="3" name="Content Placeholder 2">
+            <a:extLst>
+              <a:ext uri="{FF2B5EF4-FFF2-40B4-BE49-F238E27FC236}">
+                <a16:creationId xmlns:a16="http://schemas.microsoft.com/office/drawing/2014/main" id="{8999F226-9E60-C947-8EF3-0E2045537648}"/>
+              </a:ext>
+            </a:extLst>
+          </p:cNvPr>
+          <p:cNvSpPr>
+            <a:spLocks noGrp="1"/>
+          </p:cNvSpPr>
+          <p:nvPr>
+            <p:ph idx="1"/>
+          </p:nvPr>
+        </p:nvSpPr>
+        <p:spPr/>
+        <p:txBody>
+          <a:bodyPr/>
+          <a:lstStyle/>
+          <a:p>
+            <a:r>
+              <a:rPr lang="en-US" dirty="0"/>
+              <a:t>http://</a:t>
+            </a:r>
+            <a:r>
+              <a:rPr lang="en-US" dirty="0" err="1"/>
+              <a:t>www.tei-c.org</a:t>
+            </a:r>
+            <a:r>
+              <a:rPr lang="en-US" dirty="0"/>
+              <a:t>/release/doc/tei-p5-doc/</a:t>
+            </a:r>
+            <a:r>
+              <a:rPr lang="en-US" dirty="0" err="1"/>
+              <a:t>en</a:t>
+            </a:r>
+            <a:r>
+              <a:rPr lang="en-US" dirty="0"/>
+              <a:t>/html/</a:t>
+            </a:r>
+          </a:p>
+        </p:txBody>
+      </p:sp>
+    </p:spTree>
+    <p:extLst>
+      <p:ext uri="{BB962C8B-B14F-4D97-AF65-F5344CB8AC3E}">
+        <p14:creationId xmlns:p14="http://schemas.microsoft.com/office/powerpoint/2010/main" val="2299371224"/>
+      </p:ext>
+    </p:extLst>
+  </p:cSld>
+  <p:clrMapOvr>
+    <a:masterClrMapping/>
+  </p:clrMapOvr>
+</p:sld>
+</file>
+
+<file path=ppt/slides/slide18.xml><?xml version="1.0" encoding="utf-8"?>
+<p:sld xmlns:a="http://schemas.openxmlformats.org/drawingml/2006/main" xmlns:r="http://schemas.openxmlformats.org/officeDocument/2006/relationships" xmlns:p="http://schemas.openxmlformats.org/presentationml/2006/main">
+  <p:cSld>
+    <p:spTree>
+      <p:nvGrpSpPr>
+        <p:cNvPr id="1" name=""/>
+        <p:cNvGrpSpPr/>
+        <p:nvPr/>
+      </p:nvGrpSpPr>
+      <p:grpSpPr>
+        <a:xfrm>
+          <a:off x="0" y="0"/>
+          <a:ext cx="0" cy="0"/>
+          <a:chOff x="0" y="0"/>
+          <a:chExt cx="0" cy="0"/>
+        </a:xfrm>
+      </p:grpSpPr>
+      <p:sp>
+        <p:nvSpPr>
+          <p:cNvPr id="2" name="Title 1"/>
+          <p:cNvSpPr>
+            <a:spLocks noGrp="1"/>
+          </p:cNvSpPr>
+          <p:nvPr>
+            <p:ph type="title"/>
+          </p:nvPr>
+        </p:nvSpPr>
+        <p:spPr>
+          <a:xfrm>
+            <a:off x="2773279" y="502319"/>
+            <a:ext cx="6261100" cy="1143000"/>
+          </a:xfrm>
+        </p:spPr>
+        <p:txBody>
+          <a:bodyPr>
+            <a:normAutofit fontScale="90000"/>
+          </a:bodyPr>
+          <a:lstStyle/>
+          <a:p>
+            <a:r>
+              <a:rPr lang="en-CA" dirty="0"/>
+              <a:t>TEI is for Data and Metadata</a:t>
+            </a:r>
+          </a:p>
+        </p:txBody>
+      </p:sp>
+      <p:sp>
+        <p:nvSpPr>
+          <p:cNvPr id="3" name="Content Placeholder 2"/>
+          <p:cNvSpPr>
+            <a:spLocks noGrp="1"/>
+          </p:cNvSpPr>
+          <p:nvPr>
+            <p:ph idx="1"/>
+          </p:nvPr>
+        </p:nvSpPr>
+        <p:spPr>
+          <a:xfrm>
+            <a:off x="2628900" y="2032001"/>
+            <a:ext cx="2540668" cy="3911600"/>
+          </a:xfrm>
+        </p:spPr>
+        <p:style>
+          <a:lnRef idx="2">
+            <a:schemeClr val="accent2"/>
+          </a:lnRef>
+          <a:fillRef idx="1">
+            <a:schemeClr val="lt1"/>
+          </a:fillRef>
+          <a:effectRef idx="0">
+            <a:schemeClr val="accent2"/>
+          </a:effectRef>
+          <a:fontRef idx="minor">
+            <a:schemeClr val="dk1"/>
+          </a:fontRef>
+        </p:style>
+        <p:txBody>
+          <a:bodyPr/>
+          <a:lstStyle/>
+          <a:p>
+            <a:pPr marL="0" indent="0">
+              <a:buNone/>
+            </a:pPr>
+            <a:r>
+              <a:rPr lang="en-CA" dirty="0"/>
+              <a:t>&lt;TEI&gt;</a:t>
+            </a:r>
+          </a:p>
+          <a:p>
+            <a:pPr marL="399909" lvl="1" indent="0">
+              <a:buNone/>
+            </a:pPr>
+            <a:r>
+              <a:rPr lang="en-CA" dirty="0"/>
+              <a:t>&lt;</a:t>
+            </a:r>
+            <a:r>
+              <a:rPr lang="en-CA" dirty="0" err="1"/>
+              <a:t>teiHeader</a:t>
+            </a:r>
+            <a:r>
+              <a:rPr lang="en-CA" dirty="0"/>
+              <a:t>&gt;	</a:t>
+            </a:r>
+          </a:p>
+          <a:p>
+            <a:pPr marL="399909" lvl="1" indent="0">
+              <a:buNone/>
+            </a:pPr>
+            <a:r>
+              <a:rPr lang="en-CA" dirty="0"/>
+              <a:t>&lt;/</a:t>
+            </a:r>
+            <a:r>
+              <a:rPr lang="en-CA" dirty="0" err="1"/>
+              <a:t>teiHeader</a:t>
+            </a:r>
+            <a:r>
+              <a:rPr lang="en-CA" dirty="0"/>
+              <a:t>&gt;</a:t>
+            </a:r>
+          </a:p>
+          <a:p>
+            <a:pPr marL="399909" lvl="1" indent="0">
+              <a:buNone/>
+            </a:pPr>
+            <a:r>
+              <a:rPr lang="en-CA" dirty="0"/>
+              <a:t>&lt;text&gt;				&lt;/text&gt;</a:t>
+            </a:r>
+          </a:p>
+          <a:p>
+            <a:pPr marL="0" indent="0">
+              <a:buNone/>
+            </a:pPr>
+            <a:r>
+              <a:rPr lang="en-CA" dirty="0"/>
+              <a:t>&lt;/TEI&gt;</a:t>
+            </a:r>
+          </a:p>
+        </p:txBody>
+      </p:sp>
+      <p:sp>
+        <p:nvSpPr>
+          <p:cNvPr id="5" name="Rounded Rectangle 4"/>
+          <p:cNvSpPr/>
+          <p:nvPr/>
+        </p:nvSpPr>
+        <p:spPr>
+          <a:xfrm>
+            <a:off x="5759450" y="2478505"/>
+            <a:ext cx="2460124" cy="703848"/>
+          </a:xfrm>
+          <a:prstGeom prst="roundRect">
+            <a:avLst/>
+          </a:prstGeom>
+        </p:spPr>
+        <p:style>
+          <a:lnRef idx="1">
+            <a:schemeClr val="accent1"/>
+          </a:lnRef>
+          <a:fillRef idx="3">
+            <a:schemeClr val="accent1"/>
+          </a:fillRef>
+          <a:effectRef idx="2">
+            <a:schemeClr val="accent1"/>
+          </a:effectRef>
+          <a:fontRef idx="minor">
+            <a:schemeClr val="lt1"/>
+          </a:fontRef>
+        </p:style>
+        <p:txBody>
+          <a:bodyPr rtlCol="0" anchor="ctr"/>
+          <a:lstStyle/>
+          <a:p>
+            <a:pPr algn="ctr"/>
+            <a:r>
+              <a:rPr lang="en-CA" dirty="0"/>
+              <a:t>metadata</a:t>
+            </a:r>
+          </a:p>
+        </p:txBody>
+      </p:sp>
+      <p:sp>
+        <p:nvSpPr>
+          <p:cNvPr id="7" name="Rounded Rectangle 6"/>
+          <p:cNvSpPr/>
+          <p:nvPr/>
+        </p:nvSpPr>
+        <p:spPr>
+          <a:xfrm>
+            <a:off x="5759450" y="3705726"/>
+            <a:ext cx="2460124" cy="637674"/>
+          </a:xfrm>
+          <a:prstGeom prst="roundRect">
+            <a:avLst/>
+          </a:prstGeom>
+        </p:spPr>
+        <p:style>
+          <a:lnRef idx="1">
+            <a:schemeClr val="accent1"/>
+          </a:lnRef>
+          <a:fillRef idx="3">
+            <a:schemeClr val="accent1"/>
+          </a:fillRef>
+          <a:effectRef idx="2">
+            <a:schemeClr val="accent1"/>
+          </a:effectRef>
+          <a:fontRef idx="minor">
+            <a:schemeClr val="lt1"/>
+          </a:fontRef>
+        </p:style>
+        <p:txBody>
+          <a:bodyPr rtlCol="0" anchor="ctr"/>
+          <a:lstStyle/>
+          <a:p>
+            <a:pPr algn="ctr"/>
+            <a:r>
+              <a:rPr lang="en-CA" dirty="0"/>
+              <a:t>data</a:t>
+            </a:r>
+          </a:p>
+        </p:txBody>
+      </p:sp>
+      <p:sp>
+        <p:nvSpPr>
+          <p:cNvPr id="8" name="Rectangle 7"/>
+          <p:cNvSpPr/>
+          <p:nvPr/>
+        </p:nvSpPr>
+        <p:spPr>
+          <a:xfrm>
+            <a:off x="5392154" y="2032001"/>
+            <a:ext cx="3122194" cy="3911600"/>
+          </a:xfrm>
+          <a:prstGeom prst="rect">
+            <a:avLst/>
+          </a:prstGeom>
+          <a:noFill/>
+        </p:spPr>
+        <p:style>
+          <a:lnRef idx="1">
+            <a:schemeClr val="accent1"/>
+          </a:lnRef>
+          <a:fillRef idx="3">
+            <a:schemeClr val="accent1"/>
+          </a:fillRef>
+          <a:effectRef idx="2">
+            <a:schemeClr val="accent1"/>
+          </a:effectRef>
+          <a:fontRef idx="minor">
+            <a:schemeClr val="lt1"/>
+          </a:fontRef>
+        </p:style>
+        <p:txBody>
+          <a:bodyPr rtlCol="0" anchor="ctr"/>
+          <a:lstStyle/>
+          <a:p>
+            <a:pPr algn="ctr"/>
+            <a:endParaRPr lang="en-CA"/>
+          </a:p>
+        </p:txBody>
+      </p:sp>
+    </p:spTree>
+    <p:extLst>
+      <p:ext uri="{BB962C8B-B14F-4D97-AF65-F5344CB8AC3E}">
+        <p14:creationId xmlns:p14="http://schemas.microsoft.com/office/powerpoint/2010/main" val="2981120024"/>
+      </p:ext>
+    </p:extLst>
+  </p:cSld>
+  <p:clrMapOvr>
+    <a:masterClrMapping/>
+  </p:clrMapOvr>
+</p:sld>
+</file>
+
+<file path=ppt/slides/slide19.xml><?xml version="1.0" encoding="utf-8"?>
+<p:sld xmlns:a="http://schemas.openxmlformats.org/drawingml/2006/main" xmlns:r="http://schemas.openxmlformats.org/officeDocument/2006/relationships" xmlns:p="http://schemas.openxmlformats.org/presentationml/2006/main">
+  <p:cSld>
+    <p:spTree>
+      <p:nvGrpSpPr>
+        <p:cNvPr id="1" name=""/>
+        <p:cNvGrpSpPr/>
+        <p:nvPr/>
+      </p:nvGrpSpPr>
+      <p:grpSpPr>
+        <a:xfrm>
+          <a:off x="0" y="0"/>
+          <a:ext cx="0" cy="0"/>
+          <a:chOff x="0" y="0"/>
+          <a:chExt cx="0" cy="0"/>
+        </a:xfrm>
+      </p:grpSpPr>
+      <p:sp>
+        <p:nvSpPr>
           <p:cNvPr id="2" name="Title 1"/>
           <p:cNvSpPr>
             <a:spLocks noGrp="1"/>
@@ -7791,7 +8787,182 @@
 </p:sld>
 </file>
 
-<file path=ppt/slides/slide13.xml><?xml version="1.0" encoding="utf-8"?>
+<file path=ppt/slides/slide2.xml><?xml version="1.0" encoding="utf-8"?>
+<p:sld xmlns:a="http://schemas.openxmlformats.org/drawingml/2006/main" xmlns:r="http://schemas.openxmlformats.org/officeDocument/2006/relationships" xmlns:p="http://schemas.openxmlformats.org/presentationml/2006/main">
+  <p:cSld>
+    <p:spTree>
+      <p:nvGrpSpPr>
+        <p:cNvPr id="1" name=""/>
+        <p:cNvGrpSpPr/>
+        <p:nvPr/>
+      </p:nvGrpSpPr>
+      <p:grpSpPr>
+        <a:xfrm>
+          <a:off x="0" y="0"/>
+          <a:ext cx="0" cy="0"/>
+          <a:chOff x="0" y="0"/>
+          <a:chExt cx="0" cy="0"/>
+        </a:xfrm>
+      </p:grpSpPr>
+      <p:sp>
+        <p:nvSpPr>
+          <p:cNvPr id="2" name="Title 1">
+            <a:extLst>
+              <a:ext uri="{FF2B5EF4-FFF2-40B4-BE49-F238E27FC236}">
+                <a16:creationId xmlns:a16="http://schemas.microsoft.com/office/drawing/2014/main" id="{BA556CF9-5FE2-3F4E-AE6F-E35AA5A4585B}"/>
+              </a:ext>
+            </a:extLst>
+          </p:cNvPr>
+          <p:cNvSpPr>
+            <a:spLocks noGrp="1"/>
+          </p:cNvSpPr>
+          <p:nvPr>
+            <p:ph type="title"/>
+          </p:nvPr>
+        </p:nvSpPr>
+        <p:spPr/>
+        <p:txBody>
+          <a:bodyPr/>
+          <a:lstStyle/>
+          <a:p>
+            <a:r>
+              <a:rPr lang="en-US" dirty="0"/>
+              <a:t>Hi!</a:t>
+            </a:r>
+          </a:p>
+        </p:txBody>
+      </p:sp>
+      <p:sp>
+        <p:nvSpPr>
+          <p:cNvPr id="3" name="Content Placeholder 2">
+            <a:extLst>
+              <a:ext uri="{FF2B5EF4-FFF2-40B4-BE49-F238E27FC236}">
+                <a16:creationId xmlns:a16="http://schemas.microsoft.com/office/drawing/2014/main" id="{17E36321-1F28-8C4B-997D-9A0C7586946B}"/>
+              </a:ext>
+            </a:extLst>
+          </p:cNvPr>
+          <p:cNvSpPr>
+            <a:spLocks noGrp="1"/>
+          </p:cNvSpPr>
+          <p:nvPr>
+            <p:ph idx="1"/>
+          </p:nvPr>
+        </p:nvSpPr>
+        <p:spPr/>
+        <p:txBody>
+          <a:bodyPr>
+            <a:normAutofit/>
+          </a:bodyPr>
+          <a:lstStyle/>
+          <a:p>
+            <a:r>
+              <a:rPr lang="en-US" dirty="0"/>
+              <a:t>Joey Takeda, MA Student, Dept. of English Language and Literatures (Science and Technology Studies Program)</a:t>
+            </a:r>
+          </a:p>
+          <a:p>
+            <a:r>
+              <a:rPr lang="en-US" dirty="0"/>
+              <a:t>Undergrad in English </a:t>
+            </a:r>
+            <a:r>
+              <a:rPr lang="en-US" dirty="0" err="1"/>
+              <a:t>Honours</a:t>
+            </a:r>
+            <a:r>
+              <a:rPr lang="en-US" dirty="0"/>
+              <a:t> and Gender Studies @ </a:t>
+            </a:r>
+            <a:r>
+              <a:rPr lang="en-US" dirty="0" err="1"/>
+              <a:t>Uvic</a:t>
+            </a:r>
+            <a:endParaRPr lang="en-US" dirty="0"/>
+          </a:p>
+          <a:p>
+            <a:r>
+              <a:rPr lang="en-US" dirty="0"/>
+              <a:t>Digital Humanities programmer for projects such as </a:t>
+            </a:r>
+            <a:r>
+              <a:rPr lang="en-US" i="1" dirty="0"/>
+              <a:t>The Map of Early Modern London</a:t>
+            </a:r>
+            <a:r>
+              <a:rPr lang="en-US" dirty="0"/>
+              <a:t>, </a:t>
+            </a:r>
+            <a:r>
+              <a:rPr lang="en-US" i="1" dirty="0"/>
+              <a:t>Linked Early Modern Drama Online</a:t>
+            </a:r>
+            <a:r>
+              <a:rPr lang="en-US" dirty="0"/>
+              <a:t>, and </a:t>
+            </a:r>
+            <a:r>
+              <a:rPr lang="en-US" i="1" dirty="0"/>
+              <a:t>The Endings Project</a:t>
+            </a:r>
+          </a:p>
+          <a:p>
+            <a:r>
+              <a:rPr lang="en-US" dirty="0"/>
+              <a:t>Specialize in TEI, XHTML, and Digital Humanities project development</a:t>
+            </a:r>
+          </a:p>
+          <a:p>
+            <a:r>
+              <a:rPr lang="en-US" dirty="0">
+                <a:hlinkClick r:id="rId2"/>
+              </a:rPr>
+              <a:t>https://github.com/joeytakeda</a:t>
+            </a:r>
+            <a:endParaRPr lang="en-US" dirty="0"/>
+          </a:p>
+          <a:p>
+            <a:r>
+              <a:rPr lang="en-US" dirty="0"/>
+              <a:t>This workshop: https://</a:t>
+            </a:r>
+            <a:r>
+              <a:rPr lang="en-US" dirty="0" err="1"/>
+              <a:t>github.com</a:t>
+            </a:r>
+            <a:r>
+              <a:rPr lang="en-US" dirty="0"/>
+              <a:t>/</a:t>
+            </a:r>
+            <a:r>
+              <a:rPr lang="en-US" dirty="0" err="1"/>
+              <a:t>joeytakeda</a:t>
+            </a:r>
+            <a:r>
+              <a:rPr lang="en-US" dirty="0"/>
+              <a:t>/</a:t>
+            </a:r>
+            <a:r>
+              <a:rPr lang="en-US" dirty="0" err="1"/>
+              <a:t>teiworkshop</a:t>
+            </a:r>
+            <a:endParaRPr lang="en-US" dirty="0"/>
+          </a:p>
+        </p:txBody>
+      </p:sp>
+    </p:spTree>
+    <p:extLst>
+      <p:ext uri="{BB962C8B-B14F-4D97-AF65-F5344CB8AC3E}">
+        <p14:creationId xmlns:p14="http://schemas.microsoft.com/office/powerpoint/2010/main" val="658450937"/>
+      </p:ext>
+    </p:extLst>
+  </p:cSld>
+  <p:clrMapOvr>
+    <a:masterClrMapping/>
+  </p:clrMapOvr>
+</p:sld>
+</file>
+
+<file path=ppt/slides/slide20.xml><?xml version="1.0" encoding="utf-8"?>
 <p:sld xmlns:a="http://schemas.openxmlformats.org/drawingml/2006/main" xmlns:r="http://schemas.openxmlformats.org/officeDocument/2006/relationships" xmlns:p="http://schemas.openxmlformats.org/presentationml/2006/main">
   <p:cSld>
     <p:spTree>
@@ -7891,7 +9062,7 @@
 </p:sld>
 </file>
 
-<file path=ppt/slides/slide14.xml><?xml version="1.0" encoding="utf-8"?>
+<file path=ppt/slides/slide21.xml><?xml version="1.0" encoding="utf-8"?>
 <p:sld xmlns:a="http://schemas.openxmlformats.org/drawingml/2006/main" xmlns:r="http://schemas.openxmlformats.org/officeDocument/2006/relationships" xmlns:p="http://schemas.openxmlformats.org/presentationml/2006/main">
   <p:cSld>
     <p:spTree>
@@ -8074,1763 +9245,6 @@
     <p:extLst>
       <p:ext uri="{BB962C8B-B14F-4D97-AF65-F5344CB8AC3E}">
         <p14:creationId xmlns:p14="http://schemas.microsoft.com/office/powerpoint/2010/main" val="2788728211"/>
-      </p:ext>
-    </p:extLst>
-  </p:cSld>
-  <p:clrMapOvr>
-    <a:masterClrMapping/>
-  </p:clrMapOvr>
-</p:sld>
-</file>
-
-<file path=ppt/slides/slide15.xml><?xml version="1.0" encoding="utf-8"?>
-<p:sld xmlns:a="http://schemas.openxmlformats.org/drawingml/2006/main" xmlns:r="http://schemas.openxmlformats.org/officeDocument/2006/relationships" xmlns:p="http://schemas.openxmlformats.org/presentationml/2006/main">
-  <p:cSld>
-    <p:spTree>
-      <p:nvGrpSpPr>
-        <p:cNvPr id="1" name=""/>
-        <p:cNvGrpSpPr/>
-        <p:nvPr/>
-      </p:nvGrpSpPr>
-      <p:grpSpPr>
-        <a:xfrm>
-          <a:off x="0" y="0"/>
-          <a:ext cx="0" cy="0"/>
-          <a:chOff x="0" y="0"/>
-          <a:chExt cx="0" cy="0"/>
-        </a:xfrm>
-      </p:grpSpPr>
-      <p:sp>
-        <p:nvSpPr>
-          <p:cNvPr id="5" name="Title 4"/>
-          <p:cNvSpPr>
-            <a:spLocks noGrp="1"/>
-          </p:cNvSpPr>
-          <p:nvPr>
-            <p:ph type="title"/>
-          </p:nvPr>
-        </p:nvSpPr>
-        <p:spPr>
-          <a:xfrm>
-            <a:off x="2628899" y="856894"/>
-            <a:ext cx="6261100" cy="1143000"/>
-          </a:xfrm>
-        </p:spPr>
-        <p:txBody>
-          <a:bodyPr>
-            <a:normAutofit fontScale="90000"/>
-          </a:bodyPr>
-          <a:lstStyle/>
-          <a:p>
-            <a:r>
-              <a:rPr lang="en-US" dirty="0"/>
-              <a:t>Example: the &lt;</a:t>
-            </a:r>
-            <a:r>
-              <a:rPr lang="en-US" dirty="0" err="1"/>
-              <a:t>monog</a:t>
-            </a:r>
-            <a:r>
-              <a:rPr lang="en-US" dirty="0"/>
-              <a:t>&gt; element:</a:t>
-            </a:r>
-          </a:p>
-        </p:txBody>
-      </p:sp>
-      <p:pic>
-        <p:nvPicPr>
-          <p:cNvPr id="10" name="Content Placeholder 9"/>
-          <p:cNvPicPr>
-            <a:picLocks noGrp="1" noChangeAspect="1"/>
-          </p:cNvPicPr>
-          <p:nvPr>
-            <p:ph idx="1"/>
-          </p:nvPr>
-        </p:nvPicPr>
-        <p:blipFill>
-          <a:blip r:embed="rId2">
-            <a:extLst>
-              <a:ext uri="{28A0092B-C50C-407E-A947-70E740481C1C}">
-                <a14:useLocalDpi xmlns:a14="http://schemas.microsoft.com/office/drawing/2010/main" val="0"/>
-              </a:ext>
-            </a:extLst>
-          </a:blip>
-          <a:stretch>
-            <a:fillRect/>
-          </a:stretch>
-        </p:blipFill>
-        <p:spPr>
-          <a:xfrm>
-            <a:off x="1851721" y="2495548"/>
-            <a:ext cx="7897249" cy="3127561"/>
-          </a:xfrm>
-        </p:spPr>
-      </p:pic>
-      <p:sp>
-        <p:nvSpPr>
-          <p:cNvPr id="2" name="Left Arrow 1"/>
-          <p:cNvSpPr/>
-          <p:nvPr/>
-        </p:nvSpPr>
-        <p:spPr>
-          <a:xfrm rot="19385750">
-            <a:off x="3995884" y="1974188"/>
-            <a:ext cx="1337733" cy="530135"/>
-          </a:xfrm>
-          <a:prstGeom prst="leftArrow">
-            <a:avLst/>
-          </a:prstGeom>
-        </p:spPr>
-        <p:style>
-          <a:lnRef idx="1">
-            <a:schemeClr val="accent1"/>
-          </a:lnRef>
-          <a:fillRef idx="3">
-            <a:schemeClr val="accent1"/>
-          </a:fillRef>
-          <a:effectRef idx="2">
-            <a:schemeClr val="accent1"/>
-          </a:effectRef>
-          <a:fontRef idx="minor">
-            <a:schemeClr val="lt1"/>
-          </a:fontRef>
-        </p:style>
-        <p:txBody>
-          <a:bodyPr rtlCol="0" anchor="ctr"/>
-          <a:lstStyle/>
-          <a:p>
-            <a:pPr algn="ctr" defTabSz="457039">
-              <a:defRPr/>
-            </a:pPr>
-            <a:r>
-              <a:rPr lang="en-US" dirty="0">
-                <a:solidFill>
-                  <a:prstClr val="white"/>
-                </a:solidFill>
-                <a:latin typeface="Arial"/>
-              </a:rPr>
-              <a:t>Definition</a:t>
-            </a:r>
-          </a:p>
-        </p:txBody>
-      </p:sp>
-      <p:sp>
-        <p:nvSpPr>
-          <p:cNvPr id="13" name="Left Arrow 12"/>
-          <p:cNvSpPr/>
-          <p:nvPr/>
-        </p:nvSpPr>
-        <p:spPr>
-          <a:xfrm rot="19282394">
-            <a:off x="7567050" y="1907367"/>
-            <a:ext cx="1337733" cy="746127"/>
-          </a:xfrm>
-          <a:prstGeom prst="leftArrow">
-            <a:avLst/>
-          </a:prstGeom>
-        </p:spPr>
-        <p:style>
-          <a:lnRef idx="1">
-            <a:schemeClr val="accent1"/>
-          </a:lnRef>
-          <a:fillRef idx="3">
-            <a:schemeClr val="accent1"/>
-          </a:fillRef>
-          <a:effectRef idx="2">
-            <a:schemeClr val="accent1"/>
-          </a:effectRef>
-          <a:fontRef idx="minor">
-            <a:schemeClr val="lt1"/>
-          </a:fontRef>
-        </p:style>
-        <p:txBody>
-          <a:bodyPr rtlCol="0" anchor="ctr"/>
-          <a:lstStyle/>
-          <a:p>
-            <a:pPr algn="ctr" defTabSz="457039">
-              <a:defRPr/>
-            </a:pPr>
-            <a:r>
-              <a:rPr lang="en-US" sz="1200" dirty="0">
-                <a:solidFill>
-                  <a:prstClr val="white"/>
-                </a:solidFill>
-                <a:latin typeface="Arial"/>
-              </a:rPr>
-              <a:t>Definition chapters</a:t>
-            </a:r>
-          </a:p>
-        </p:txBody>
-      </p:sp>
-      <p:sp>
-        <p:nvSpPr>
-          <p:cNvPr id="18" name="Left Arrow 17"/>
-          <p:cNvSpPr/>
-          <p:nvPr/>
-        </p:nvSpPr>
-        <p:spPr>
-          <a:xfrm>
-            <a:off x="4894732" y="2972687"/>
-            <a:ext cx="1337733" cy="375821"/>
-          </a:xfrm>
-          <a:prstGeom prst="leftArrow">
-            <a:avLst/>
-          </a:prstGeom>
-        </p:spPr>
-        <p:style>
-          <a:lnRef idx="1">
-            <a:schemeClr val="accent1"/>
-          </a:lnRef>
-          <a:fillRef idx="3">
-            <a:schemeClr val="accent1"/>
-          </a:fillRef>
-          <a:effectRef idx="2">
-            <a:schemeClr val="accent1"/>
-          </a:effectRef>
-          <a:fontRef idx="minor">
-            <a:schemeClr val="lt1"/>
-          </a:fontRef>
-        </p:style>
-        <p:txBody>
-          <a:bodyPr rtlCol="0" anchor="ctr"/>
-          <a:lstStyle/>
-          <a:p>
-            <a:pPr algn="ctr" defTabSz="457039">
-              <a:defRPr/>
-            </a:pPr>
-            <a:r>
-              <a:rPr lang="en-US" sz="1200" dirty="0">
-                <a:solidFill>
-                  <a:prstClr val="white"/>
-                </a:solidFill>
-                <a:latin typeface="Arial"/>
-              </a:rPr>
-              <a:t>Module</a:t>
-            </a:r>
-          </a:p>
-        </p:txBody>
-      </p:sp>
-    </p:spTree>
-    <p:extLst>
-      <p:ext uri="{BB962C8B-B14F-4D97-AF65-F5344CB8AC3E}">
-        <p14:creationId xmlns:p14="http://schemas.microsoft.com/office/powerpoint/2010/main" val="1413111901"/>
-      </p:ext>
-    </p:extLst>
-  </p:cSld>
-  <p:clrMapOvr>
-    <a:masterClrMapping/>
-  </p:clrMapOvr>
-</p:sld>
-</file>
-
-<file path=ppt/slides/slide16.xml><?xml version="1.0" encoding="utf-8"?>
-<p:sld xmlns:a="http://schemas.openxmlformats.org/drawingml/2006/main" xmlns:r="http://schemas.openxmlformats.org/officeDocument/2006/relationships" xmlns:p="http://schemas.openxmlformats.org/presentationml/2006/main">
-  <p:cSld>
-    <p:spTree>
-      <p:nvGrpSpPr>
-        <p:cNvPr id="1" name=""/>
-        <p:cNvGrpSpPr/>
-        <p:nvPr/>
-      </p:nvGrpSpPr>
-      <p:grpSpPr>
-        <a:xfrm>
-          <a:off x="0" y="0"/>
-          <a:ext cx="0" cy="0"/>
-          <a:chOff x="0" y="0"/>
-          <a:chExt cx="0" cy="0"/>
-        </a:xfrm>
-      </p:grpSpPr>
-      <p:sp>
-        <p:nvSpPr>
-          <p:cNvPr id="5" name="Title 4"/>
-          <p:cNvSpPr>
-            <a:spLocks noGrp="1"/>
-          </p:cNvSpPr>
-          <p:nvPr>
-            <p:ph type="title"/>
-          </p:nvPr>
-        </p:nvSpPr>
-        <p:spPr>
-          <a:xfrm>
-            <a:off x="2628899" y="856894"/>
-            <a:ext cx="6261100" cy="1143000"/>
-          </a:xfrm>
-        </p:spPr>
-        <p:txBody>
-          <a:bodyPr>
-            <a:normAutofit fontScale="90000"/>
-          </a:bodyPr>
-          <a:lstStyle/>
-          <a:p>
-            <a:r>
-              <a:rPr lang="en-US" dirty="0"/>
-              <a:t>Example: the &lt;</a:t>
-            </a:r>
-            <a:r>
-              <a:rPr lang="en-US" dirty="0" err="1"/>
-              <a:t>monog</a:t>
-            </a:r>
-            <a:r>
-              <a:rPr lang="en-US" dirty="0"/>
-              <a:t>&gt; element:</a:t>
-            </a:r>
-          </a:p>
-        </p:txBody>
-      </p:sp>
-      <p:pic>
-        <p:nvPicPr>
-          <p:cNvPr id="10" name="Content Placeholder 9"/>
-          <p:cNvPicPr>
-            <a:picLocks noGrp="1" noChangeAspect="1"/>
-          </p:cNvPicPr>
-          <p:nvPr>
-            <p:ph idx="1"/>
-          </p:nvPr>
-        </p:nvPicPr>
-        <p:blipFill>
-          <a:blip r:embed="rId2">
-            <a:extLst>
-              <a:ext uri="{28A0092B-C50C-407E-A947-70E740481C1C}">
-                <a14:useLocalDpi xmlns:a14="http://schemas.microsoft.com/office/drawing/2010/main" val="0"/>
-              </a:ext>
-            </a:extLst>
-          </a:blip>
-          <a:stretch>
-            <a:fillRect/>
-          </a:stretch>
-        </p:blipFill>
-        <p:spPr>
-          <a:xfrm>
-            <a:off x="1851721" y="2495548"/>
-            <a:ext cx="7897249" cy="3127561"/>
-          </a:xfrm>
-        </p:spPr>
-      </p:pic>
-      <p:sp>
-        <p:nvSpPr>
-          <p:cNvPr id="2" name="Left Arrow 1"/>
-          <p:cNvSpPr/>
-          <p:nvPr/>
-        </p:nvSpPr>
-        <p:spPr>
-          <a:xfrm rot="19385750">
-            <a:off x="3995884" y="1974188"/>
-            <a:ext cx="1337733" cy="530135"/>
-          </a:xfrm>
-          <a:prstGeom prst="leftArrow">
-            <a:avLst/>
-          </a:prstGeom>
-        </p:spPr>
-        <p:style>
-          <a:lnRef idx="1">
-            <a:schemeClr val="accent1"/>
-          </a:lnRef>
-          <a:fillRef idx="3">
-            <a:schemeClr val="accent1"/>
-          </a:fillRef>
-          <a:effectRef idx="2">
-            <a:schemeClr val="accent1"/>
-          </a:effectRef>
-          <a:fontRef idx="minor">
-            <a:schemeClr val="lt1"/>
-          </a:fontRef>
-        </p:style>
-        <p:txBody>
-          <a:bodyPr rtlCol="0" anchor="ctr"/>
-          <a:lstStyle/>
-          <a:p>
-            <a:pPr algn="ctr" defTabSz="457039">
-              <a:defRPr/>
-            </a:pPr>
-            <a:r>
-              <a:rPr lang="en-US" dirty="0">
-                <a:solidFill>
-                  <a:prstClr val="white"/>
-                </a:solidFill>
-                <a:latin typeface="Arial"/>
-              </a:rPr>
-              <a:t>Definition</a:t>
-            </a:r>
-          </a:p>
-        </p:txBody>
-      </p:sp>
-      <p:sp>
-        <p:nvSpPr>
-          <p:cNvPr id="8" name="Left Arrow 7"/>
-          <p:cNvSpPr/>
-          <p:nvPr/>
-        </p:nvSpPr>
-        <p:spPr>
-          <a:xfrm rot="21178513">
-            <a:off x="9302872" y="3029184"/>
-            <a:ext cx="1337733" cy="530135"/>
-          </a:xfrm>
-          <a:prstGeom prst="leftArrow">
-            <a:avLst/>
-          </a:prstGeom>
-        </p:spPr>
-        <p:style>
-          <a:lnRef idx="1">
-            <a:schemeClr val="accent1"/>
-          </a:lnRef>
-          <a:fillRef idx="3">
-            <a:schemeClr val="accent1"/>
-          </a:fillRef>
-          <a:effectRef idx="2">
-            <a:schemeClr val="accent1"/>
-          </a:effectRef>
-          <a:fontRef idx="minor">
-            <a:schemeClr val="lt1"/>
-          </a:fontRef>
-        </p:style>
-        <p:txBody>
-          <a:bodyPr rtlCol="0" anchor="ctr"/>
-          <a:lstStyle/>
-          <a:p>
-            <a:pPr algn="ctr" defTabSz="457039">
-              <a:defRPr/>
-            </a:pPr>
-            <a:r>
-              <a:rPr lang="en-US" dirty="0">
-                <a:solidFill>
-                  <a:prstClr val="white"/>
-                </a:solidFill>
-                <a:latin typeface="Arial"/>
-              </a:rPr>
-              <a:t>Attributes</a:t>
-            </a:r>
-          </a:p>
-        </p:txBody>
-      </p:sp>
-      <p:sp>
-        <p:nvSpPr>
-          <p:cNvPr id="13" name="Left Arrow 12"/>
-          <p:cNvSpPr/>
-          <p:nvPr/>
-        </p:nvSpPr>
-        <p:spPr>
-          <a:xfrm rot="19282394">
-            <a:off x="7567050" y="1907367"/>
-            <a:ext cx="1337733" cy="746127"/>
-          </a:xfrm>
-          <a:prstGeom prst="leftArrow">
-            <a:avLst/>
-          </a:prstGeom>
-        </p:spPr>
-        <p:style>
-          <a:lnRef idx="1">
-            <a:schemeClr val="accent1"/>
-          </a:lnRef>
-          <a:fillRef idx="3">
-            <a:schemeClr val="accent1"/>
-          </a:fillRef>
-          <a:effectRef idx="2">
-            <a:schemeClr val="accent1"/>
-          </a:effectRef>
-          <a:fontRef idx="minor">
-            <a:schemeClr val="lt1"/>
-          </a:fontRef>
-        </p:style>
-        <p:txBody>
-          <a:bodyPr rtlCol="0" anchor="ctr"/>
-          <a:lstStyle/>
-          <a:p>
-            <a:pPr algn="ctr" defTabSz="457039">
-              <a:defRPr/>
-            </a:pPr>
-            <a:r>
-              <a:rPr lang="en-US" sz="1200" dirty="0">
-                <a:solidFill>
-                  <a:prstClr val="white"/>
-                </a:solidFill>
-                <a:latin typeface="Arial"/>
-              </a:rPr>
-              <a:t>Definition chapters</a:t>
-            </a:r>
-          </a:p>
-        </p:txBody>
-      </p:sp>
-      <p:sp>
-        <p:nvSpPr>
-          <p:cNvPr id="3" name="Right Arrow 2"/>
-          <p:cNvSpPr/>
-          <p:nvPr/>
-        </p:nvSpPr>
-        <p:spPr>
-          <a:xfrm rot="864006">
-            <a:off x="1888146" y="3189500"/>
-            <a:ext cx="1320976" cy="459824"/>
-          </a:xfrm>
-          <a:prstGeom prst="rightArrow">
-            <a:avLst/>
-          </a:prstGeom>
-        </p:spPr>
-        <p:style>
-          <a:lnRef idx="1">
-            <a:schemeClr val="accent1"/>
-          </a:lnRef>
-          <a:fillRef idx="3">
-            <a:schemeClr val="accent1"/>
-          </a:fillRef>
-          <a:effectRef idx="2">
-            <a:schemeClr val="accent1"/>
-          </a:effectRef>
-          <a:fontRef idx="minor">
-            <a:schemeClr val="lt1"/>
-          </a:fontRef>
-        </p:style>
-        <p:txBody>
-          <a:bodyPr rtlCol="0" anchor="ctr"/>
-          <a:lstStyle/>
-          <a:p>
-            <a:pPr algn="ctr" defTabSz="457039">
-              <a:defRPr/>
-            </a:pPr>
-            <a:r>
-              <a:rPr lang="en-US" sz="1200" dirty="0">
-                <a:solidFill>
-                  <a:prstClr val="white"/>
-                </a:solidFill>
-                <a:latin typeface="Arial"/>
-              </a:rPr>
-              <a:t>Contained by</a:t>
-            </a:r>
-          </a:p>
-        </p:txBody>
-      </p:sp>
-      <p:sp>
-        <p:nvSpPr>
-          <p:cNvPr id="15" name="Left Arrow 14"/>
-          <p:cNvSpPr/>
-          <p:nvPr/>
-        </p:nvSpPr>
-        <p:spPr>
-          <a:xfrm rot="20654623">
-            <a:off x="5591646" y="3677110"/>
-            <a:ext cx="1337733" cy="375821"/>
-          </a:xfrm>
-          <a:prstGeom prst="leftArrow">
-            <a:avLst/>
-          </a:prstGeom>
-        </p:spPr>
-        <p:style>
-          <a:lnRef idx="1">
-            <a:schemeClr val="accent1"/>
-          </a:lnRef>
-          <a:fillRef idx="3">
-            <a:schemeClr val="accent1"/>
-          </a:fillRef>
-          <a:effectRef idx="2">
-            <a:schemeClr val="accent1"/>
-          </a:effectRef>
-          <a:fontRef idx="minor">
-            <a:schemeClr val="lt1"/>
-          </a:fontRef>
-        </p:style>
-        <p:txBody>
-          <a:bodyPr rtlCol="0" anchor="ctr"/>
-          <a:lstStyle/>
-          <a:p>
-            <a:pPr algn="ctr" defTabSz="457039">
-              <a:defRPr/>
-            </a:pPr>
-            <a:r>
-              <a:rPr lang="en-US" sz="1200">
-                <a:solidFill>
-                  <a:prstClr val="white"/>
-                </a:solidFill>
-                <a:latin typeface="Arial"/>
-              </a:rPr>
-              <a:t>Can contain</a:t>
-            </a:r>
-            <a:endParaRPr lang="en-US" sz="1200" dirty="0">
-              <a:solidFill>
-                <a:prstClr val="white"/>
-              </a:solidFill>
-              <a:latin typeface="Arial"/>
-            </a:endParaRPr>
-          </a:p>
-        </p:txBody>
-      </p:sp>
-      <p:sp>
-        <p:nvSpPr>
-          <p:cNvPr id="18" name="Left Arrow 17"/>
-          <p:cNvSpPr/>
-          <p:nvPr/>
-        </p:nvSpPr>
-        <p:spPr>
-          <a:xfrm>
-            <a:off x="4894732" y="2972687"/>
-            <a:ext cx="1337733" cy="375821"/>
-          </a:xfrm>
-          <a:prstGeom prst="leftArrow">
-            <a:avLst/>
-          </a:prstGeom>
-        </p:spPr>
-        <p:style>
-          <a:lnRef idx="1">
-            <a:schemeClr val="accent1"/>
-          </a:lnRef>
-          <a:fillRef idx="3">
-            <a:schemeClr val="accent1"/>
-          </a:fillRef>
-          <a:effectRef idx="2">
-            <a:schemeClr val="accent1"/>
-          </a:effectRef>
-          <a:fontRef idx="minor">
-            <a:schemeClr val="lt1"/>
-          </a:fontRef>
-        </p:style>
-        <p:txBody>
-          <a:bodyPr rtlCol="0" anchor="ctr"/>
-          <a:lstStyle/>
-          <a:p>
-            <a:pPr algn="ctr" defTabSz="457039">
-              <a:defRPr/>
-            </a:pPr>
-            <a:r>
-              <a:rPr lang="en-US" sz="1200">
-                <a:solidFill>
-                  <a:prstClr val="white"/>
-                </a:solidFill>
-                <a:latin typeface="Arial"/>
-              </a:rPr>
-              <a:t>Module</a:t>
-            </a:r>
-          </a:p>
-        </p:txBody>
-      </p:sp>
-    </p:spTree>
-    <p:extLst>
-      <p:ext uri="{BB962C8B-B14F-4D97-AF65-F5344CB8AC3E}">
-        <p14:creationId xmlns:p14="http://schemas.microsoft.com/office/powerpoint/2010/main" val="3261272285"/>
-      </p:ext>
-    </p:extLst>
-  </p:cSld>
-  <p:clrMapOvr>
-    <a:masterClrMapping/>
-  </p:clrMapOvr>
-</p:sld>
-</file>
-
-<file path=ppt/slides/slide17.xml><?xml version="1.0" encoding="utf-8"?>
-<p:sld xmlns:a="http://schemas.openxmlformats.org/drawingml/2006/main" xmlns:r="http://schemas.openxmlformats.org/officeDocument/2006/relationships" xmlns:p="http://schemas.openxmlformats.org/presentationml/2006/main">
-  <p:cSld>
-    <p:spTree>
-      <p:nvGrpSpPr>
-        <p:cNvPr id="1" name=""/>
-        <p:cNvGrpSpPr/>
-        <p:nvPr/>
-      </p:nvGrpSpPr>
-      <p:grpSpPr>
-        <a:xfrm>
-          <a:off x="0" y="0"/>
-          <a:ext cx="0" cy="0"/>
-          <a:chOff x="0" y="0"/>
-          <a:chExt cx="0" cy="0"/>
-        </a:xfrm>
-      </p:grpSpPr>
-      <p:sp>
-        <p:nvSpPr>
-          <p:cNvPr id="5" name="Title 4"/>
-          <p:cNvSpPr>
-            <a:spLocks noGrp="1"/>
-          </p:cNvSpPr>
-          <p:nvPr>
-            <p:ph type="title"/>
-          </p:nvPr>
-        </p:nvSpPr>
-        <p:spPr>
-          <a:xfrm>
-            <a:off x="2628899" y="856894"/>
-            <a:ext cx="6261100" cy="1143000"/>
-          </a:xfrm>
-        </p:spPr>
-        <p:txBody>
-          <a:bodyPr>
-            <a:normAutofit fontScale="90000"/>
-          </a:bodyPr>
-          <a:lstStyle/>
-          <a:p>
-            <a:r>
-              <a:rPr lang="en-US" dirty="0"/>
-              <a:t>Example: the &lt;</a:t>
-            </a:r>
-            <a:r>
-              <a:rPr lang="en-US" dirty="0" err="1"/>
-              <a:t>monog</a:t>
-            </a:r>
-            <a:r>
-              <a:rPr lang="en-US" dirty="0"/>
-              <a:t>&gt; element:</a:t>
-            </a:r>
-          </a:p>
-        </p:txBody>
-      </p:sp>
-      <p:pic>
-        <p:nvPicPr>
-          <p:cNvPr id="10" name="Content Placeholder 9"/>
-          <p:cNvPicPr>
-            <a:picLocks noGrp="1" noChangeAspect="1"/>
-          </p:cNvPicPr>
-          <p:nvPr>
-            <p:ph idx="1"/>
-          </p:nvPr>
-        </p:nvPicPr>
-        <p:blipFill>
-          <a:blip r:embed="rId2">
-            <a:extLst>
-              <a:ext uri="{28A0092B-C50C-407E-A947-70E740481C1C}">
-                <a14:useLocalDpi xmlns:a14="http://schemas.microsoft.com/office/drawing/2010/main" val="0"/>
-              </a:ext>
-            </a:extLst>
-          </a:blip>
-          <a:stretch>
-            <a:fillRect/>
-          </a:stretch>
-        </p:blipFill>
-        <p:spPr>
-          <a:xfrm>
-            <a:off x="1851721" y="2495548"/>
-            <a:ext cx="7897249" cy="3127561"/>
-          </a:xfrm>
-        </p:spPr>
-      </p:pic>
-      <p:sp>
-        <p:nvSpPr>
-          <p:cNvPr id="2" name="Left Arrow 1"/>
-          <p:cNvSpPr/>
-          <p:nvPr/>
-        </p:nvSpPr>
-        <p:spPr>
-          <a:xfrm rot="19385750">
-            <a:off x="3995884" y="1974188"/>
-            <a:ext cx="1337733" cy="530135"/>
-          </a:xfrm>
-          <a:prstGeom prst="leftArrow">
-            <a:avLst/>
-          </a:prstGeom>
-        </p:spPr>
-        <p:style>
-          <a:lnRef idx="1">
-            <a:schemeClr val="accent1"/>
-          </a:lnRef>
-          <a:fillRef idx="3">
-            <a:schemeClr val="accent1"/>
-          </a:fillRef>
-          <a:effectRef idx="2">
-            <a:schemeClr val="accent1"/>
-          </a:effectRef>
-          <a:fontRef idx="minor">
-            <a:schemeClr val="lt1"/>
-          </a:fontRef>
-        </p:style>
-        <p:txBody>
-          <a:bodyPr rtlCol="0" anchor="ctr"/>
-          <a:lstStyle/>
-          <a:p>
-            <a:pPr algn="ctr" defTabSz="457039">
-              <a:defRPr/>
-            </a:pPr>
-            <a:r>
-              <a:rPr lang="en-US" dirty="0">
-                <a:solidFill>
-                  <a:prstClr val="white"/>
-                </a:solidFill>
-                <a:latin typeface="Arial"/>
-              </a:rPr>
-              <a:t>Definition</a:t>
-            </a:r>
-          </a:p>
-        </p:txBody>
-      </p:sp>
-      <p:sp>
-        <p:nvSpPr>
-          <p:cNvPr id="8" name="Left Arrow 7"/>
-          <p:cNvSpPr/>
-          <p:nvPr/>
-        </p:nvSpPr>
-        <p:spPr>
-          <a:xfrm rot="21178513">
-            <a:off x="9302872" y="3029184"/>
-            <a:ext cx="1337733" cy="530135"/>
-          </a:xfrm>
-          <a:prstGeom prst="leftArrow">
-            <a:avLst/>
-          </a:prstGeom>
-        </p:spPr>
-        <p:style>
-          <a:lnRef idx="1">
-            <a:schemeClr val="accent1"/>
-          </a:lnRef>
-          <a:fillRef idx="3">
-            <a:schemeClr val="accent1"/>
-          </a:fillRef>
-          <a:effectRef idx="2">
-            <a:schemeClr val="accent1"/>
-          </a:effectRef>
-          <a:fontRef idx="minor">
-            <a:schemeClr val="lt1"/>
-          </a:fontRef>
-        </p:style>
-        <p:txBody>
-          <a:bodyPr rtlCol="0" anchor="ctr"/>
-          <a:lstStyle/>
-          <a:p>
-            <a:pPr algn="ctr" defTabSz="457039">
-              <a:defRPr/>
-            </a:pPr>
-            <a:r>
-              <a:rPr lang="en-US" dirty="0">
-                <a:solidFill>
-                  <a:prstClr val="white"/>
-                </a:solidFill>
-                <a:latin typeface="Arial"/>
-              </a:rPr>
-              <a:t>Attributes</a:t>
-            </a:r>
-          </a:p>
-        </p:txBody>
-      </p:sp>
-      <p:sp>
-        <p:nvSpPr>
-          <p:cNvPr id="13" name="Left Arrow 12"/>
-          <p:cNvSpPr/>
-          <p:nvPr/>
-        </p:nvSpPr>
-        <p:spPr>
-          <a:xfrm rot="19282394">
-            <a:off x="7567050" y="1907367"/>
-            <a:ext cx="1337733" cy="746127"/>
-          </a:xfrm>
-          <a:prstGeom prst="leftArrow">
-            <a:avLst/>
-          </a:prstGeom>
-        </p:spPr>
-        <p:style>
-          <a:lnRef idx="1">
-            <a:schemeClr val="accent1"/>
-          </a:lnRef>
-          <a:fillRef idx="3">
-            <a:schemeClr val="accent1"/>
-          </a:fillRef>
-          <a:effectRef idx="2">
-            <a:schemeClr val="accent1"/>
-          </a:effectRef>
-          <a:fontRef idx="minor">
-            <a:schemeClr val="lt1"/>
-          </a:fontRef>
-        </p:style>
-        <p:txBody>
-          <a:bodyPr rtlCol="0" anchor="ctr"/>
-          <a:lstStyle/>
-          <a:p>
-            <a:pPr algn="ctr" defTabSz="457039">
-              <a:defRPr/>
-            </a:pPr>
-            <a:r>
-              <a:rPr lang="en-US" sz="1200" dirty="0">
-                <a:solidFill>
-                  <a:prstClr val="white"/>
-                </a:solidFill>
-                <a:latin typeface="Arial"/>
-              </a:rPr>
-              <a:t>Definition chapters</a:t>
-            </a:r>
-          </a:p>
-        </p:txBody>
-      </p:sp>
-      <p:sp>
-        <p:nvSpPr>
-          <p:cNvPr id="3" name="Right Arrow 2"/>
-          <p:cNvSpPr/>
-          <p:nvPr/>
-        </p:nvSpPr>
-        <p:spPr>
-          <a:xfrm rot="864006">
-            <a:off x="1888146" y="3189500"/>
-            <a:ext cx="1320976" cy="459824"/>
-          </a:xfrm>
-          <a:prstGeom prst="rightArrow">
-            <a:avLst/>
-          </a:prstGeom>
-        </p:spPr>
-        <p:style>
-          <a:lnRef idx="1">
-            <a:schemeClr val="accent1"/>
-          </a:lnRef>
-          <a:fillRef idx="3">
-            <a:schemeClr val="accent1"/>
-          </a:fillRef>
-          <a:effectRef idx="2">
-            <a:schemeClr val="accent1"/>
-          </a:effectRef>
-          <a:fontRef idx="minor">
-            <a:schemeClr val="lt1"/>
-          </a:fontRef>
-        </p:style>
-        <p:txBody>
-          <a:bodyPr rtlCol="0" anchor="ctr"/>
-          <a:lstStyle/>
-          <a:p>
-            <a:pPr algn="ctr" defTabSz="457039">
-              <a:defRPr/>
-            </a:pPr>
-            <a:r>
-              <a:rPr lang="en-US" sz="1200" dirty="0">
-                <a:solidFill>
-                  <a:prstClr val="white"/>
-                </a:solidFill>
-                <a:latin typeface="Arial"/>
-              </a:rPr>
-              <a:t>Contained by</a:t>
-            </a:r>
-          </a:p>
-        </p:txBody>
-      </p:sp>
-      <p:sp>
-        <p:nvSpPr>
-          <p:cNvPr id="15" name="Left Arrow 14"/>
-          <p:cNvSpPr/>
-          <p:nvPr/>
-        </p:nvSpPr>
-        <p:spPr>
-          <a:xfrm rot="20654623">
-            <a:off x="5591646" y="3677110"/>
-            <a:ext cx="1337733" cy="375821"/>
-          </a:xfrm>
-          <a:prstGeom prst="leftArrow">
-            <a:avLst/>
-          </a:prstGeom>
-        </p:spPr>
-        <p:style>
-          <a:lnRef idx="1">
-            <a:schemeClr val="accent1"/>
-          </a:lnRef>
-          <a:fillRef idx="3">
-            <a:schemeClr val="accent1"/>
-          </a:fillRef>
-          <a:effectRef idx="2">
-            <a:schemeClr val="accent1"/>
-          </a:effectRef>
-          <a:fontRef idx="minor">
-            <a:schemeClr val="lt1"/>
-          </a:fontRef>
-        </p:style>
-        <p:txBody>
-          <a:bodyPr rtlCol="0" anchor="ctr"/>
-          <a:lstStyle/>
-          <a:p>
-            <a:pPr algn="ctr" defTabSz="457039">
-              <a:defRPr/>
-            </a:pPr>
-            <a:r>
-              <a:rPr lang="en-US" sz="1200">
-                <a:solidFill>
-                  <a:prstClr val="white"/>
-                </a:solidFill>
-                <a:latin typeface="Arial"/>
-              </a:rPr>
-              <a:t>Can contain</a:t>
-            </a:r>
-            <a:endParaRPr lang="en-US" sz="1200" dirty="0">
-              <a:solidFill>
-                <a:prstClr val="white"/>
-              </a:solidFill>
-              <a:latin typeface="Arial"/>
-            </a:endParaRPr>
-          </a:p>
-        </p:txBody>
-      </p:sp>
-      <p:sp>
-        <p:nvSpPr>
-          <p:cNvPr id="16" name="Left Arrow 15"/>
-          <p:cNvSpPr/>
-          <p:nvPr/>
-        </p:nvSpPr>
-        <p:spPr>
-          <a:xfrm>
-            <a:off x="7761660" y="4118351"/>
-            <a:ext cx="1337733" cy="375821"/>
-          </a:xfrm>
-          <a:prstGeom prst="leftArrow">
-            <a:avLst/>
-          </a:prstGeom>
-        </p:spPr>
-        <p:style>
-          <a:lnRef idx="1">
-            <a:schemeClr val="accent1"/>
-          </a:lnRef>
-          <a:fillRef idx="3">
-            <a:schemeClr val="accent1"/>
-          </a:fillRef>
-          <a:effectRef idx="2">
-            <a:schemeClr val="accent1"/>
-          </a:effectRef>
-          <a:fontRef idx="minor">
-            <a:schemeClr val="lt1"/>
-          </a:fontRef>
-        </p:style>
-        <p:txBody>
-          <a:bodyPr rtlCol="0" anchor="ctr"/>
-          <a:lstStyle/>
-          <a:p>
-            <a:pPr algn="ctr" defTabSz="457039">
-              <a:defRPr/>
-            </a:pPr>
-            <a:r>
-              <a:rPr lang="en-US" sz="1200" dirty="0">
-                <a:solidFill>
-                  <a:prstClr val="white"/>
-                </a:solidFill>
-                <a:latin typeface="Arial"/>
-              </a:rPr>
-              <a:t>Special notes</a:t>
-            </a:r>
-          </a:p>
-        </p:txBody>
-      </p:sp>
-      <p:sp>
-        <p:nvSpPr>
-          <p:cNvPr id="17" name="Right Arrow 16"/>
-          <p:cNvSpPr/>
-          <p:nvPr/>
-        </p:nvSpPr>
-        <p:spPr>
-          <a:xfrm rot="20327558">
-            <a:off x="1735746" y="5393195"/>
-            <a:ext cx="1320976" cy="459824"/>
-          </a:xfrm>
-          <a:prstGeom prst="rightArrow">
-            <a:avLst/>
-          </a:prstGeom>
-        </p:spPr>
-        <p:style>
-          <a:lnRef idx="1">
-            <a:schemeClr val="accent1"/>
-          </a:lnRef>
-          <a:fillRef idx="3">
-            <a:schemeClr val="accent1"/>
-          </a:fillRef>
-          <a:effectRef idx="2">
-            <a:schemeClr val="accent1"/>
-          </a:effectRef>
-          <a:fontRef idx="minor">
-            <a:schemeClr val="lt1"/>
-          </a:fontRef>
-        </p:style>
-        <p:txBody>
-          <a:bodyPr rtlCol="0" anchor="ctr"/>
-          <a:lstStyle/>
-          <a:p>
-            <a:pPr algn="ctr" defTabSz="457039">
-              <a:defRPr/>
-            </a:pPr>
-            <a:r>
-              <a:rPr lang="en-US" sz="1200" dirty="0">
-                <a:solidFill>
-                  <a:prstClr val="white"/>
-                </a:solidFill>
-                <a:latin typeface="Arial"/>
-              </a:rPr>
-              <a:t>Example TEI</a:t>
-            </a:r>
-          </a:p>
-        </p:txBody>
-      </p:sp>
-      <p:sp>
-        <p:nvSpPr>
-          <p:cNvPr id="18" name="Left Arrow 17"/>
-          <p:cNvSpPr/>
-          <p:nvPr/>
-        </p:nvSpPr>
-        <p:spPr>
-          <a:xfrm>
-            <a:off x="4894732" y="2972687"/>
-            <a:ext cx="1337733" cy="375821"/>
-          </a:xfrm>
-          <a:prstGeom prst="leftArrow">
-            <a:avLst/>
-          </a:prstGeom>
-        </p:spPr>
-        <p:style>
-          <a:lnRef idx="1">
-            <a:schemeClr val="accent1"/>
-          </a:lnRef>
-          <a:fillRef idx="3">
-            <a:schemeClr val="accent1"/>
-          </a:fillRef>
-          <a:effectRef idx="2">
-            <a:schemeClr val="accent1"/>
-          </a:effectRef>
-          <a:fontRef idx="minor">
-            <a:schemeClr val="lt1"/>
-          </a:fontRef>
-        </p:style>
-        <p:txBody>
-          <a:bodyPr rtlCol="0" anchor="ctr"/>
-          <a:lstStyle/>
-          <a:p>
-            <a:pPr algn="ctr" defTabSz="457039">
-              <a:defRPr/>
-            </a:pPr>
-            <a:r>
-              <a:rPr lang="en-US" sz="1200">
-                <a:solidFill>
-                  <a:prstClr val="white"/>
-                </a:solidFill>
-                <a:latin typeface="Arial"/>
-              </a:rPr>
-              <a:t>Module</a:t>
-            </a:r>
-          </a:p>
-        </p:txBody>
-      </p:sp>
-    </p:spTree>
-    <p:extLst>
-      <p:ext uri="{BB962C8B-B14F-4D97-AF65-F5344CB8AC3E}">
-        <p14:creationId xmlns:p14="http://schemas.microsoft.com/office/powerpoint/2010/main" val="3387260089"/>
-      </p:ext>
-    </p:extLst>
-  </p:cSld>
-  <p:clrMapOvr>
-    <a:masterClrMapping/>
-  </p:clrMapOvr>
-</p:sld>
-</file>
-
-<file path=ppt/slides/slide18.xml><?xml version="1.0" encoding="utf-8"?>
-<p:sld xmlns:a="http://schemas.openxmlformats.org/drawingml/2006/main" xmlns:r="http://schemas.openxmlformats.org/officeDocument/2006/relationships" xmlns:p="http://schemas.openxmlformats.org/presentationml/2006/main">
-  <p:cSld>
-    <p:spTree>
-      <p:nvGrpSpPr>
-        <p:cNvPr id="1" name=""/>
-        <p:cNvGrpSpPr/>
-        <p:nvPr/>
-      </p:nvGrpSpPr>
-      <p:grpSpPr>
-        <a:xfrm>
-          <a:off x="0" y="0"/>
-          <a:ext cx="0" cy="0"/>
-          <a:chOff x="0" y="0"/>
-          <a:chExt cx="0" cy="0"/>
-        </a:xfrm>
-      </p:grpSpPr>
-      <p:sp>
-        <p:nvSpPr>
-          <p:cNvPr id="2" name="Title 1">
-            <a:extLst>
-              <a:ext uri="{FF2B5EF4-FFF2-40B4-BE49-F238E27FC236}">
-                <a16:creationId xmlns:a16="http://schemas.microsoft.com/office/drawing/2014/main" id="{19812499-5B14-5B40-AE5D-CDE1CCB953D2}"/>
-              </a:ext>
-            </a:extLst>
-          </p:cNvPr>
-          <p:cNvSpPr>
-            <a:spLocks noGrp="1"/>
-          </p:cNvSpPr>
-          <p:nvPr>
-            <p:ph type="title"/>
-          </p:nvPr>
-        </p:nvSpPr>
-        <p:spPr/>
-        <p:txBody>
-          <a:bodyPr/>
-          <a:lstStyle/>
-          <a:p>
-            <a:r>
-              <a:rPr lang="en-US" dirty="0"/>
-              <a:t>Activity (5 min)</a:t>
-            </a:r>
-          </a:p>
-        </p:txBody>
-      </p:sp>
-      <p:sp>
-        <p:nvSpPr>
-          <p:cNvPr id="3" name="Content Placeholder 2">
-            <a:extLst>
-              <a:ext uri="{FF2B5EF4-FFF2-40B4-BE49-F238E27FC236}">
-                <a16:creationId xmlns:a16="http://schemas.microsoft.com/office/drawing/2014/main" id="{646B4C7F-07C7-8D40-AA14-77C12C7B2FDC}"/>
-              </a:ext>
-            </a:extLst>
-          </p:cNvPr>
-          <p:cNvSpPr>
-            <a:spLocks noGrp="1"/>
-          </p:cNvSpPr>
-          <p:nvPr>
-            <p:ph idx="1"/>
-          </p:nvPr>
-        </p:nvSpPr>
-        <p:spPr/>
-        <p:txBody>
-          <a:bodyPr/>
-          <a:lstStyle/>
-          <a:p>
-            <a:r>
-              <a:rPr lang="en-US" dirty="0"/>
-              <a:t>Look up the following elements:</a:t>
-            </a:r>
-          </a:p>
-          <a:p>
-            <a:pPr lvl="1"/>
-            <a:r>
-              <a:rPr lang="en-US" dirty="0"/>
-              <a:t>&lt;p&gt;</a:t>
-            </a:r>
-          </a:p>
-          <a:p>
-            <a:pPr lvl="1"/>
-            <a:r>
-              <a:rPr lang="en-US" dirty="0"/>
-              <a:t>&lt;ab&gt;</a:t>
-            </a:r>
-          </a:p>
-          <a:p>
-            <a:pPr lvl="1"/>
-            <a:r>
-              <a:rPr lang="en-US" dirty="0"/>
-              <a:t>&lt;opener&gt;</a:t>
-            </a:r>
-          </a:p>
-          <a:p>
-            <a:pPr lvl="1"/>
-            <a:r>
-              <a:rPr lang="en-US" dirty="0"/>
-              <a:t>&lt;closer&gt;</a:t>
-            </a:r>
-          </a:p>
-          <a:p>
-            <a:pPr lvl="1"/>
-            <a:r>
-              <a:rPr lang="en-US" dirty="0"/>
-              <a:t>&lt;</a:t>
-            </a:r>
-            <a:r>
-              <a:rPr lang="en-US" dirty="0" err="1"/>
-              <a:t>msDesc</a:t>
-            </a:r>
-            <a:r>
-              <a:rPr lang="en-US" dirty="0"/>
-              <a:t>&gt;</a:t>
-            </a:r>
-          </a:p>
-          <a:p>
-            <a:pPr lvl="1"/>
-            <a:r>
-              <a:rPr lang="en-US" dirty="0"/>
-              <a:t>&lt;</a:t>
-            </a:r>
-            <a:r>
-              <a:rPr lang="en-US" dirty="0" err="1"/>
-              <a:t>correspDesc</a:t>
-            </a:r>
-            <a:r>
-              <a:rPr lang="en-US" dirty="0"/>
-              <a:t>&gt;</a:t>
-            </a:r>
-          </a:p>
-          <a:p>
-            <a:pPr marL="128016" lvl="1" indent="0">
-              <a:buNone/>
-            </a:pPr>
-            <a:endParaRPr lang="en-US" dirty="0"/>
-          </a:p>
-          <a:p>
-            <a:pPr marL="128016" lvl="1" indent="0">
-              <a:buNone/>
-            </a:pPr>
-            <a:r>
-              <a:rPr lang="en-US" dirty="0"/>
-              <a:t>Will they work for this? How can we use them?</a:t>
-            </a:r>
-          </a:p>
-        </p:txBody>
-      </p:sp>
-    </p:spTree>
-    <p:extLst>
-      <p:ext uri="{BB962C8B-B14F-4D97-AF65-F5344CB8AC3E}">
-        <p14:creationId xmlns:p14="http://schemas.microsoft.com/office/powerpoint/2010/main" val="2748027630"/>
-      </p:ext>
-    </p:extLst>
-  </p:cSld>
-  <p:clrMapOvr>
-    <a:masterClrMapping/>
-  </p:clrMapOvr>
-</p:sld>
-</file>
-
-<file path=ppt/slides/slide19.xml><?xml version="1.0" encoding="utf-8"?>
-<p:sld xmlns:a="http://schemas.openxmlformats.org/drawingml/2006/main" xmlns:r="http://schemas.openxmlformats.org/officeDocument/2006/relationships" xmlns:p="http://schemas.openxmlformats.org/presentationml/2006/main">
-  <p:cSld>
-    <p:spTree>
-      <p:nvGrpSpPr>
-        <p:cNvPr id="1" name=""/>
-        <p:cNvGrpSpPr/>
-        <p:nvPr/>
-      </p:nvGrpSpPr>
-      <p:grpSpPr>
-        <a:xfrm>
-          <a:off x="0" y="0"/>
-          <a:ext cx="0" cy="0"/>
-          <a:chOff x="0" y="0"/>
-          <a:chExt cx="0" cy="0"/>
-        </a:xfrm>
-      </p:grpSpPr>
-      <p:sp>
-        <p:nvSpPr>
-          <p:cNvPr id="2" name="Title 1">
-            <a:extLst>
-              <a:ext uri="{FF2B5EF4-FFF2-40B4-BE49-F238E27FC236}">
-                <a16:creationId xmlns:a16="http://schemas.microsoft.com/office/drawing/2014/main" id="{BD0AF89D-91F7-2845-A920-64AFA5EC7CAF}"/>
-              </a:ext>
-            </a:extLst>
-          </p:cNvPr>
-          <p:cNvSpPr>
-            <a:spLocks noGrp="1"/>
-          </p:cNvSpPr>
-          <p:nvPr>
-            <p:ph type="title"/>
-          </p:nvPr>
-        </p:nvSpPr>
-        <p:spPr/>
-        <p:txBody>
-          <a:bodyPr/>
-          <a:lstStyle/>
-          <a:p>
-            <a:r>
-              <a:rPr lang="en-US" dirty="0"/>
-              <a:t>Encoding</a:t>
-            </a:r>
-          </a:p>
-        </p:txBody>
-      </p:sp>
-      <p:sp>
-        <p:nvSpPr>
-          <p:cNvPr id="3" name="Content Placeholder 2">
-            <a:extLst>
-              <a:ext uri="{FF2B5EF4-FFF2-40B4-BE49-F238E27FC236}">
-                <a16:creationId xmlns:a16="http://schemas.microsoft.com/office/drawing/2014/main" id="{85DD1C65-1B1A-A243-BAD5-90A0DD31D142}"/>
-              </a:ext>
-            </a:extLst>
-          </p:cNvPr>
-          <p:cNvSpPr>
-            <a:spLocks noGrp="1"/>
-          </p:cNvSpPr>
-          <p:nvPr>
-            <p:ph idx="1"/>
-          </p:nvPr>
-        </p:nvSpPr>
-        <p:spPr/>
-        <p:txBody>
-          <a:bodyPr/>
-          <a:lstStyle/>
-          <a:p>
-            <a:r>
-              <a:rPr lang="en-US" dirty="0"/>
-              <a:t>Open the text editor in one tab, the primary source transcription in another, and, if you want, the image from the UBC Repository</a:t>
-            </a:r>
-          </a:p>
-          <a:p>
-            <a:endParaRPr lang="en-US" dirty="0"/>
-          </a:p>
-        </p:txBody>
-      </p:sp>
-    </p:spTree>
-    <p:extLst>
-      <p:ext uri="{BB962C8B-B14F-4D97-AF65-F5344CB8AC3E}">
-        <p14:creationId xmlns:p14="http://schemas.microsoft.com/office/powerpoint/2010/main" val="1111404048"/>
-      </p:ext>
-    </p:extLst>
-  </p:cSld>
-  <p:clrMapOvr>
-    <a:masterClrMapping/>
-  </p:clrMapOvr>
-</p:sld>
-</file>
-
-<file path=ppt/slides/slide2.xml><?xml version="1.0" encoding="utf-8"?>
-<p:sld xmlns:a="http://schemas.openxmlformats.org/drawingml/2006/main" xmlns:r="http://schemas.openxmlformats.org/officeDocument/2006/relationships" xmlns:p="http://schemas.openxmlformats.org/presentationml/2006/main">
-  <p:cSld>
-    <p:spTree>
-      <p:nvGrpSpPr>
-        <p:cNvPr id="1" name=""/>
-        <p:cNvGrpSpPr/>
-        <p:nvPr/>
-      </p:nvGrpSpPr>
-      <p:grpSpPr>
-        <a:xfrm>
-          <a:off x="0" y="0"/>
-          <a:ext cx="0" cy="0"/>
-          <a:chOff x="0" y="0"/>
-          <a:chExt cx="0" cy="0"/>
-        </a:xfrm>
-      </p:grpSpPr>
-      <p:sp>
-        <p:nvSpPr>
-          <p:cNvPr id="2" name="Title 1">
-            <a:extLst>
-              <a:ext uri="{FF2B5EF4-FFF2-40B4-BE49-F238E27FC236}">
-                <a16:creationId xmlns:a16="http://schemas.microsoft.com/office/drawing/2014/main" id="{BA556CF9-5FE2-3F4E-AE6F-E35AA5A4585B}"/>
-              </a:ext>
-            </a:extLst>
-          </p:cNvPr>
-          <p:cNvSpPr>
-            <a:spLocks noGrp="1"/>
-          </p:cNvSpPr>
-          <p:nvPr>
-            <p:ph type="title"/>
-          </p:nvPr>
-        </p:nvSpPr>
-        <p:spPr/>
-        <p:txBody>
-          <a:bodyPr/>
-          <a:lstStyle/>
-          <a:p>
-            <a:r>
-              <a:rPr lang="en-US" dirty="0"/>
-              <a:t>Hi!</a:t>
-            </a:r>
-          </a:p>
-        </p:txBody>
-      </p:sp>
-      <p:sp>
-        <p:nvSpPr>
-          <p:cNvPr id="3" name="Content Placeholder 2">
-            <a:extLst>
-              <a:ext uri="{FF2B5EF4-FFF2-40B4-BE49-F238E27FC236}">
-                <a16:creationId xmlns:a16="http://schemas.microsoft.com/office/drawing/2014/main" id="{17E36321-1F28-8C4B-997D-9A0C7586946B}"/>
-              </a:ext>
-            </a:extLst>
-          </p:cNvPr>
-          <p:cNvSpPr>
-            <a:spLocks noGrp="1"/>
-          </p:cNvSpPr>
-          <p:nvPr>
-            <p:ph idx="1"/>
-          </p:nvPr>
-        </p:nvSpPr>
-        <p:spPr/>
-        <p:txBody>
-          <a:bodyPr>
-            <a:normAutofit/>
-          </a:bodyPr>
-          <a:lstStyle/>
-          <a:p>
-            <a:r>
-              <a:rPr lang="en-US" dirty="0"/>
-              <a:t>Joey Takeda, MA Student, Dept. of English Language and Literatures (Science and Technology Studies Program)</a:t>
-            </a:r>
-          </a:p>
-          <a:p>
-            <a:r>
-              <a:rPr lang="en-US" dirty="0"/>
-              <a:t>Undergrad in English </a:t>
-            </a:r>
-            <a:r>
-              <a:rPr lang="en-US" dirty="0" err="1"/>
-              <a:t>Honours</a:t>
-            </a:r>
-            <a:r>
-              <a:rPr lang="en-US" dirty="0"/>
-              <a:t> and Gender Studies @ </a:t>
-            </a:r>
-            <a:r>
-              <a:rPr lang="en-US" dirty="0" err="1"/>
-              <a:t>Uvic</a:t>
-            </a:r>
-            <a:endParaRPr lang="en-US" dirty="0"/>
-          </a:p>
-          <a:p>
-            <a:r>
-              <a:rPr lang="en-US" dirty="0"/>
-              <a:t>Digital Humanities programmer for projects such as </a:t>
-            </a:r>
-            <a:r>
-              <a:rPr lang="en-US" i="1" dirty="0"/>
-              <a:t>The Map of Early Modern London</a:t>
-            </a:r>
-            <a:r>
-              <a:rPr lang="en-US" dirty="0"/>
-              <a:t>, </a:t>
-            </a:r>
-            <a:r>
-              <a:rPr lang="en-US" i="1" dirty="0"/>
-              <a:t>Linked Early Modern Drama Online</a:t>
-            </a:r>
-            <a:r>
-              <a:rPr lang="en-US" dirty="0"/>
-              <a:t>, and </a:t>
-            </a:r>
-            <a:r>
-              <a:rPr lang="en-US" i="1" dirty="0"/>
-              <a:t>The Endings Project</a:t>
-            </a:r>
-          </a:p>
-          <a:p>
-            <a:r>
-              <a:rPr lang="en-US" dirty="0"/>
-              <a:t>Specialize in TEI, XHTML, and Digital Humanities project development</a:t>
-            </a:r>
-          </a:p>
-          <a:p>
-            <a:r>
-              <a:rPr lang="en-US" dirty="0">
-                <a:hlinkClick r:id="rId2"/>
-              </a:rPr>
-              <a:t>https://github.com/joeytakeda</a:t>
-            </a:r>
-            <a:endParaRPr lang="en-US" dirty="0"/>
-          </a:p>
-          <a:p>
-            <a:r>
-              <a:rPr lang="en-US" dirty="0"/>
-              <a:t>This workshop: https://</a:t>
-            </a:r>
-            <a:r>
-              <a:rPr lang="en-US" dirty="0" err="1"/>
-              <a:t>github.com</a:t>
-            </a:r>
-            <a:r>
-              <a:rPr lang="en-US" dirty="0"/>
-              <a:t>/</a:t>
-            </a:r>
-            <a:r>
-              <a:rPr lang="en-US" dirty="0" err="1"/>
-              <a:t>joeytakeda</a:t>
-            </a:r>
-            <a:r>
-              <a:rPr lang="en-US" dirty="0"/>
-              <a:t>/</a:t>
-            </a:r>
-            <a:r>
-              <a:rPr lang="en-US" dirty="0" err="1"/>
-              <a:t>teiworkshop</a:t>
-            </a:r>
-            <a:endParaRPr lang="en-US" dirty="0"/>
-          </a:p>
-        </p:txBody>
-      </p:sp>
-    </p:spTree>
-    <p:extLst>
-      <p:ext uri="{BB962C8B-B14F-4D97-AF65-F5344CB8AC3E}">
-        <p14:creationId xmlns:p14="http://schemas.microsoft.com/office/powerpoint/2010/main" val="658450937"/>
-      </p:ext>
-    </p:extLst>
-  </p:cSld>
-  <p:clrMapOvr>
-    <a:masterClrMapping/>
-  </p:clrMapOvr>
-</p:sld>
-</file>
-
-<file path=ppt/slides/slide20.xml><?xml version="1.0" encoding="utf-8"?>
-<p:sld xmlns:a="http://schemas.openxmlformats.org/drawingml/2006/main" xmlns:r="http://schemas.openxmlformats.org/officeDocument/2006/relationships" xmlns:p="http://schemas.openxmlformats.org/presentationml/2006/main">
-  <p:cSld>
-    <p:spTree>
-      <p:nvGrpSpPr>
-        <p:cNvPr id="1" name=""/>
-        <p:cNvGrpSpPr/>
-        <p:nvPr/>
-      </p:nvGrpSpPr>
-      <p:grpSpPr>
-        <a:xfrm>
-          <a:off x="0" y="0"/>
-          <a:ext cx="0" cy="0"/>
-          <a:chOff x="0" y="0"/>
-          <a:chExt cx="0" cy="0"/>
-        </a:xfrm>
-      </p:grpSpPr>
-      <p:sp>
-        <p:nvSpPr>
-          <p:cNvPr id="2" name="Title 1">
-            <a:extLst>
-              <a:ext uri="{FF2B5EF4-FFF2-40B4-BE49-F238E27FC236}">
-                <a16:creationId xmlns:a16="http://schemas.microsoft.com/office/drawing/2014/main" id="{8506C636-57F6-0047-84D6-AD3546B52FF1}"/>
-              </a:ext>
-            </a:extLst>
-          </p:cNvPr>
-          <p:cNvSpPr>
-            <a:spLocks noGrp="1"/>
-          </p:cNvSpPr>
-          <p:nvPr>
-            <p:ph type="title"/>
-          </p:nvPr>
-        </p:nvSpPr>
-        <p:spPr/>
-        <p:txBody>
-          <a:bodyPr/>
-          <a:lstStyle/>
-          <a:p>
-            <a:r>
-              <a:rPr lang="en-US" dirty="0"/>
-              <a:t>metadata</a:t>
-            </a:r>
-          </a:p>
-        </p:txBody>
-      </p:sp>
-      <p:sp>
-        <p:nvSpPr>
-          <p:cNvPr id="3" name="Content Placeholder 2">
-            <a:extLst>
-              <a:ext uri="{FF2B5EF4-FFF2-40B4-BE49-F238E27FC236}">
-                <a16:creationId xmlns:a16="http://schemas.microsoft.com/office/drawing/2014/main" id="{2BE02B86-0DDF-FF4C-AB1E-A68153675E90}"/>
-              </a:ext>
-            </a:extLst>
-          </p:cNvPr>
-          <p:cNvSpPr>
-            <a:spLocks noGrp="1"/>
-          </p:cNvSpPr>
-          <p:nvPr>
-            <p:ph idx="1"/>
-          </p:nvPr>
-        </p:nvSpPr>
-        <p:spPr/>
-        <p:txBody>
-          <a:bodyPr/>
-          <a:lstStyle/>
-          <a:p>
-            <a:r>
-              <a:rPr lang="en-US" dirty="0"/>
-              <a:t>Include the title of this document</a:t>
-            </a:r>
-          </a:p>
-          <a:p>
-            <a:r>
-              <a:rPr lang="en-US" dirty="0"/>
-              <a:t>Include your name by using the &lt;editor&gt; element after the &lt;title&gt;</a:t>
-            </a:r>
-          </a:p>
-          <a:p>
-            <a:r>
-              <a:rPr lang="en-US" dirty="0"/>
-              <a:t>Put in a link to the source using a &lt;</a:t>
-            </a:r>
-            <a:r>
-              <a:rPr lang="en-US" dirty="0" err="1"/>
-              <a:t>ptr</a:t>
-            </a:r>
-            <a:r>
-              <a:rPr lang="en-US" dirty="0"/>
-              <a:t>/&gt;</a:t>
-            </a:r>
-          </a:p>
-          <a:p>
-            <a:r>
-              <a:rPr lang="en-US" dirty="0"/>
-              <a:t>What else could you do?</a:t>
-            </a:r>
-          </a:p>
-          <a:p>
-            <a:endParaRPr lang="en-US" dirty="0"/>
-          </a:p>
-        </p:txBody>
-      </p:sp>
-    </p:spTree>
-    <p:extLst>
-      <p:ext uri="{BB962C8B-B14F-4D97-AF65-F5344CB8AC3E}">
-        <p14:creationId xmlns:p14="http://schemas.microsoft.com/office/powerpoint/2010/main" val="224439876"/>
-      </p:ext>
-    </p:extLst>
-  </p:cSld>
-  <p:clrMapOvr>
-    <a:masterClrMapping/>
-  </p:clrMapOvr>
-</p:sld>
-</file>
-
-<file path=ppt/slides/slide21.xml><?xml version="1.0" encoding="utf-8"?>
-<p:sld xmlns:a="http://schemas.openxmlformats.org/drawingml/2006/main" xmlns:r="http://schemas.openxmlformats.org/officeDocument/2006/relationships" xmlns:p="http://schemas.openxmlformats.org/presentationml/2006/main">
-  <p:cSld>
-    <p:spTree>
-      <p:nvGrpSpPr>
-        <p:cNvPr id="1" name=""/>
-        <p:cNvGrpSpPr/>
-        <p:nvPr/>
-      </p:nvGrpSpPr>
-      <p:grpSpPr>
-        <a:xfrm>
-          <a:off x="0" y="0"/>
-          <a:ext cx="0" cy="0"/>
-          <a:chOff x="0" y="0"/>
-          <a:chExt cx="0" cy="0"/>
-        </a:xfrm>
-      </p:grpSpPr>
-      <p:sp>
-        <p:nvSpPr>
-          <p:cNvPr id="2" name="Title 1">
-            <a:extLst>
-              <a:ext uri="{FF2B5EF4-FFF2-40B4-BE49-F238E27FC236}">
-                <a16:creationId xmlns:a16="http://schemas.microsoft.com/office/drawing/2014/main" id="{3D409255-FE8E-7E45-9E84-7C535C2E1F35}"/>
-              </a:ext>
-            </a:extLst>
-          </p:cNvPr>
-          <p:cNvSpPr>
-            <a:spLocks noGrp="1"/>
-          </p:cNvSpPr>
-          <p:nvPr>
-            <p:ph type="title"/>
-          </p:nvPr>
-        </p:nvSpPr>
-        <p:spPr/>
-        <p:txBody>
-          <a:bodyPr/>
-          <a:lstStyle/>
-          <a:p>
-            <a:r>
-              <a:rPr lang="en-US" dirty="0"/>
-              <a:t>Data</a:t>
-            </a:r>
-          </a:p>
-        </p:txBody>
-      </p:sp>
-      <p:sp>
-        <p:nvSpPr>
-          <p:cNvPr id="3" name="Content Placeholder 2">
-            <a:extLst>
-              <a:ext uri="{FF2B5EF4-FFF2-40B4-BE49-F238E27FC236}">
-                <a16:creationId xmlns:a16="http://schemas.microsoft.com/office/drawing/2014/main" id="{8058FAB0-12BB-E548-9E64-C3CC9271C2C8}"/>
-              </a:ext>
-            </a:extLst>
-          </p:cNvPr>
-          <p:cNvSpPr>
-            <a:spLocks noGrp="1"/>
-          </p:cNvSpPr>
-          <p:nvPr>
-            <p:ph idx="1"/>
-          </p:nvPr>
-        </p:nvSpPr>
-        <p:spPr/>
-        <p:txBody>
-          <a:bodyPr/>
-          <a:lstStyle/>
-          <a:p>
-            <a:r>
-              <a:rPr lang="en-US" dirty="0"/>
-              <a:t>Copy and paste the content into the document</a:t>
-            </a:r>
-          </a:p>
-          <a:p>
-            <a:r>
-              <a:rPr lang="en-US" dirty="0"/>
-              <a:t>What are the organizing divisions? </a:t>
-            </a:r>
-            <a:r>
-              <a:rPr lang="en-US" dirty="0" err="1"/>
-              <a:t>Divs</a:t>
-            </a:r>
-            <a:r>
-              <a:rPr lang="en-US" dirty="0"/>
-              <a:t>? Paragraphs? Floating text? Anonymous blocks?</a:t>
-            </a:r>
-          </a:p>
-          <a:p>
-            <a:endParaRPr lang="en-US" dirty="0"/>
-          </a:p>
-        </p:txBody>
-      </p:sp>
-    </p:spTree>
-    <p:extLst>
-      <p:ext uri="{BB962C8B-B14F-4D97-AF65-F5344CB8AC3E}">
-        <p14:creationId xmlns:p14="http://schemas.microsoft.com/office/powerpoint/2010/main" val="3561712712"/>
       </p:ext>
     </p:extLst>
   </p:cSld>
@@ -9859,13 +9273,7 @@
       </p:grpSpPr>
       <p:sp>
         <p:nvSpPr>
-          <p:cNvPr id="2" name="Title 1">
-            <a:extLst>
-              <a:ext uri="{FF2B5EF4-FFF2-40B4-BE49-F238E27FC236}">
-                <a16:creationId xmlns:a16="http://schemas.microsoft.com/office/drawing/2014/main" id="{D9ACF45D-1AE3-CE49-A9C0-D7EB7E68668B}"/>
-              </a:ext>
-            </a:extLst>
-          </p:cNvPr>
+          <p:cNvPr id="5" name="Title 4"/>
           <p:cNvSpPr>
             <a:spLocks noGrp="1"/>
           </p:cNvSpPr>
@@ -9873,81 +9281,210 @@
             <p:ph type="title"/>
           </p:nvPr>
         </p:nvSpPr>
-        <p:spPr/>
-        <p:txBody>
-          <a:bodyPr/>
-          <a:lstStyle/>
-          <a:p>
-            <a:r>
-              <a:rPr lang="en-US" dirty="0"/>
-              <a:t>What are some other features?</a:t>
-            </a:r>
-          </a:p>
-        </p:txBody>
-      </p:sp>
-      <p:sp>
-        <p:nvSpPr>
-          <p:cNvPr id="3" name="Content Placeholder 2">
+        <p:spPr>
+          <a:xfrm>
+            <a:off x="2628899" y="856894"/>
+            <a:ext cx="6261100" cy="1143000"/>
+          </a:xfrm>
+        </p:spPr>
+        <p:txBody>
+          <a:bodyPr>
+            <a:normAutofit fontScale="90000"/>
+          </a:bodyPr>
+          <a:lstStyle/>
+          <a:p>
+            <a:r>
+              <a:rPr lang="en-US" dirty="0"/>
+              <a:t>Example: the &lt;</a:t>
+            </a:r>
+            <a:r>
+              <a:rPr lang="en-US" dirty="0" err="1"/>
+              <a:t>monog</a:t>
+            </a:r>
+            <a:r>
+              <a:rPr lang="en-US" dirty="0"/>
+              <a:t>&gt; element:</a:t>
+            </a:r>
+          </a:p>
+        </p:txBody>
+      </p:sp>
+      <p:pic>
+        <p:nvPicPr>
+          <p:cNvPr id="10" name="Content Placeholder 9"/>
+          <p:cNvPicPr>
+            <a:picLocks noGrp="1" noChangeAspect="1"/>
+          </p:cNvPicPr>
+          <p:nvPr>
+            <p:ph idx="1"/>
+          </p:nvPr>
+        </p:nvPicPr>
+        <p:blipFill>
+          <a:blip r:embed="rId2">
             <a:extLst>
-              <a:ext uri="{FF2B5EF4-FFF2-40B4-BE49-F238E27FC236}">
-                <a16:creationId xmlns:a16="http://schemas.microsoft.com/office/drawing/2014/main" id="{BBEAFDAD-ED90-5D4D-AA48-BD405DD225FF}"/>
+              <a:ext uri="{28A0092B-C50C-407E-A947-70E740481C1C}">
+                <a14:useLocalDpi xmlns:a14="http://schemas.microsoft.com/office/drawing/2010/main" val="0"/>
               </a:ext>
             </a:extLst>
-          </p:cNvPr>
-          <p:cNvSpPr>
-            <a:spLocks noGrp="1"/>
-          </p:cNvSpPr>
-          <p:nvPr>
-            <p:ph idx="1"/>
-          </p:nvPr>
-        </p:nvSpPr>
-        <p:spPr/>
-        <p:txBody>
-          <a:bodyPr/>
-          <a:lstStyle/>
-          <a:p>
-            <a:r>
-              <a:rPr lang="en-US" dirty="0"/>
-              <a:t>Names?</a:t>
-            </a:r>
-          </a:p>
-          <a:p>
-            <a:r>
-              <a:rPr lang="en-US" dirty="0"/>
-              <a:t>Dates</a:t>
-            </a:r>
-          </a:p>
-          <a:p>
-            <a:r>
-              <a:rPr lang="en-US" dirty="0"/>
-              <a:t>Notes</a:t>
-            </a:r>
-          </a:p>
-          <a:p>
-            <a:r>
-              <a:rPr lang="en-US" dirty="0"/>
-              <a:t>Editorial apparatus (if you want)</a:t>
-            </a:r>
-          </a:p>
-          <a:p>
-            <a:r>
-              <a:rPr lang="en-US" dirty="0"/>
-              <a:t>Hands</a:t>
-            </a:r>
-          </a:p>
-          <a:p>
-            <a:r>
-              <a:rPr lang="en-US" dirty="0" err="1"/>
-              <a:t>Etc</a:t>
-            </a:r>
-            <a:endParaRPr lang="en-US" dirty="0"/>
+          </a:blip>
+          <a:stretch>
+            <a:fillRect/>
+          </a:stretch>
+        </p:blipFill>
+        <p:spPr>
+          <a:xfrm>
+            <a:off x="1851721" y="2495548"/>
+            <a:ext cx="7897249" cy="3127561"/>
+          </a:xfrm>
+        </p:spPr>
+      </p:pic>
+      <p:sp>
+        <p:nvSpPr>
+          <p:cNvPr id="2" name="Left Arrow 1"/>
+          <p:cNvSpPr/>
+          <p:nvPr/>
+        </p:nvSpPr>
+        <p:spPr>
+          <a:xfrm rot="19385750">
+            <a:off x="3995884" y="1974188"/>
+            <a:ext cx="1337733" cy="530135"/>
+          </a:xfrm>
+          <a:prstGeom prst="leftArrow">
+            <a:avLst/>
+          </a:prstGeom>
+        </p:spPr>
+        <p:style>
+          <a:lnRef idx="1">
+            <a:schemeClr val="accent1"/>
+          </a:lnRef>
+          <a:fillRef idx="3">
+            <a:schemeClr val="accent1"/>
+          </a:fillRef>
+          <a:effectRef idx="2">
+            <a:schemeClr val="accent1"/>
+          </a:effectRef>
+          <a:fontRef idx="minor">
+            <a:schemeClr val="lt1"/>
+          </a:fontRef>
+        </p:style>
+        <p:txBody>
+          <a:bodyPr rtlCol="0" anchor="ctr"/>
+          <a:lstStyle/>
+          <a:p>
+            <a:pPr algn="ctr" defTabSz="457039">
+              <a:defRPr/>
+            </a:pPr>
+            <a:r>
+              <a:rPr lang="en-US" dirty="0">
+                <a:solidFill>
+                  <a:prstClr val="white"/>
+                </a:solidFill>
+                <a:latin typeface="Arial"/>
+              </a:rPr>
+              <a:t>Definition</a:t>
+            </a:r>
+          </a:p>
+        </p:txBody>
+      </p:sp>
+      <p:sp>
+        <p:nvSpPr>
+          <p:cNvPr id="13" name="Left Arrow 12"/>
+          <p:cNvSpPr/>
+          <p:nvPr/>
+        </p:nvSpPr>
+        <p:spPr>
+          <a:xfrm rot="19282394">
+            <a:off x="7567050" y="1907367"/>
+            <a:ext cx="1337733" cy="746127"/>
+          </a:xfrm>
+          <a:prstGeom prst="leftArrow">
+            <a:avLst/>
+          </a:prstGeom>
+        </p:spPr>
+        <p:style>
+          <a:lnRef idx="1">
+            <a:schemeClr val="accent1"/>
+          </a:lnRef>
+          <a:fillRef idx="3">
+            <a:schemeClr val="accent1"/>
+          </a:fillRef>
+          <a:effectRef idx="2">
+            <a:schemeClr val="accent1"/>
+          </a:effectRef>
+          <a:fontRef idx="minor">
+            <a:schemeClr val="lt1"/>
+          </a:fontRef>
+        </p:style>
+        <p:txBody>
+          <a:bodyPr rtlCol="0" anchor="ctr"/>
+          <a:lstStyle/>
+          <a:p>
+            <a:pPr algn="ctr" defTabSz="457039">
+              <a:defRPr/>
+            </a:pPr>
+            <a:r>
+              <a:rPr lang="en-US" sz="1200" dirty="0">
+                <a:solidFill>
+                  <a:prstClr val="white"/>
+                </a:solidFill>
+                <a:latin typeface="Arial"/>
+              </a:rPr>
+              <a:t>Definition chapters</a:t>
+            </a:r>
+          </a:p>
+        </p:txBody>
+      </p:sp>
+      <p:sp>
+        <p:nvSpPr>
+          <p:cNvPr id="18" name="Left Arrow 17"/>
+          <p:cNvSpPr/>
+          <p:nvPr/>
+        </p:nvSpPr>
+        <p:spPr>
+          <a:xfrm>
+            <a:off x="4894732" y="2972687"/>
+            <a:ext cx="1337733" cy="375821"/>
+          </a:xfrm>
+          <a:prstGeom prst="leftArrow">
+            <a:avLst/>
+          </a:prstGeom>
+        </p:spPr>
+        <p:style>
+          <a:lnRef idx="1">
+            <a:schemeClr val="accent1"/>
+          </a:lnRef>
+          <a:fillRef idx="3">
+            <a:schemeClr val="accent1"/>
+          </a:fillRef>
+          <a:effectRef idx="2">
+            <a:schemeClr val="accent1"/>
+          </a:effectRef>
+          <a:fontRef idx="minor">
+            <a:schemeClr val="lt1"/>
+          </a:fontRef>
+        </p:style>
+        <p:txBody>
+          <a:bodyPr rtlCol="0" anchor="ctr"/>
+          <a:lstStyle/>
+          <a:p>
+            <a:pPr algn="ctr" defTabSz="457039">
+              <a:defRPr/>
+            </a:pPr>
+            <a:r>
+              <a:rPr lang="en-US" sz="1200" dirty="0">
+                <a:solidFill>
+                  <a:prstClr val="white"/>
+                </a:solidFill>
+                <a:latin typeface="Arial"/>
+              </a:rPr>
+              <a:t>Module</a:t>
+            </a:r>
           </a:p>
         </p:txBody>
       </p:sp>
     </p:spTree>
     <p:extLst>
       <p:ext uri="{BB962C8B-B14F-4D97-AF65-F5344CB8AC3E}">
-        <p14:creationId xmlns:p14="http://schemas.microsoft.com/office/powerpoint/2010/main" val="3130321688"/>
+        <p14:creationId xmlns:p14="http://schemas.microsoft.com/office/powerpoint/2010/main" val="1413111901"/>
       </p:ext>
     </p:extLst>
   </p:cSld>
@@ -9976,13 +9513,7 @@
       </p:grpSpPr>
       <p:sp>
         <p:nvSpPr>
-          <p:cNvPr id="2" name="Title 1">
-            <a:extLst>
-              <a:ext uri="{FF2B5EF4-FFF2-40B4-BE49-F238E27FC236}">
-                <a16:creationId xmlns:a16="http://schemas.microsoft.com/office/drawing/2014/main" id="{0DD1222C-2608-5840-907B-3CBC0771D127}"/>
-              </a:ext>
-            </a:extLst>
-          </p:cNvPr>
+          <p:cNvPr id="5" name="Title 4"/>
           <p:cNvSpPr>
             <a:spLocks noGrp="1"/>
           </p:cNvSpPr>
@@ -9990,75 +9521,360 @@
             <p:ph type="title"/>
           </p:nvPr>
         </p:nvSpPr>
-        <p:spPr/>
-        <p:txBody>
-          <a:bodyPr/>
-          <a:lstStyle/>
-          <a:p>
-            <a:r>
-              <a:rPr lang="en-US" dirty="0"/>
-              <a:t>Tools</a:t>
-            </a:r>
-          </a:p>
-        </p:txBody>
-      </p:sp>
-      <p:sp>
-        <p:nvSpPr>
-          <p:cNvPr id="3" name="Content Placeholder 2">
+        <p:spPr>
+          <a:xfrm>
+            <a:off x="2628899" y="856894"/>
+            <a:ext cx="6261100" cy="1143000"/>
+          </a:xfrm>
+        </p:spPr>
+        <p:txBody>
+          <a:bodyPr>
+            <a:normAutofit fontScale="90000"/>
+          </a:bodyPr>
+          <a:lstStyle/>
+          <a:p>
+            <a:r>
+              <a:rPr lang="en-US" dirty="0"/>
+              <a:t>Example: the &lt;</a:t>
+            </a:r>
+            <a:r>
+              <a:rPr lang="en-US" dirty="0" err="1"/>
+              <a:t>monog</a:t>
+            </a:r>
+            <a:r>
+              <a:rPr lang="en-US" dirty="0"/>
+              <a:t>&gt; element:</a:t>
+            </a:r>
+          </a:p>
+        </p:txBody>
+      </p:sp>
+      <p:pic>
+        <p:nvPicPr>
+          <p:cNvPr id="10" name="Content Placeholder 9"/>
+          <p:cNvPicPr>
+            <a:picLocks noGrp="1" noChangeAspect="1"/>
+          </p:cNvPicPr>
+          <p:nvPr>
+            <p:ph idx="1"/>
+          </p:nvPr>
+        </p:nvPicPr>
+        <p:blipFill>
+          <a:blip r:embed="rId2">
             <a:extLst>
-              <a:ext uri="{FF2B5EF4-FFF2-40B4-BE49-F238E27FC236}">
-                <a16:creationId xmlns:a16="http://schemas.microsoft.com/office/drawing/2014/main" id="{ADA09E84-E57E-8543-828B-182957722E2E}"/>
+              <a:ext uri="{28A0092B-C50C-407E-A947-70E740481C1C}">
+                <a14:useLocalDpi xmlns:a14="http://schemas.microsoft.com/office/drawing/2010/main" val="0"/>
               </a:ext>
             </a:extLst>
-          </p:cNvPr>
-          <p:cNvSpPr>
-            <a:spLocks noGrp="1"/>
-          </p:cNvSpPr>
-          <p:nvPr>
-            <p:ph idx="1"/>
-          </p:nvPr>
-        </p:nvSpPr>
-        <p:spPr/>
-        <p:txBody>
-          <a:bodyPr/>
-          <a:lstStyle/>
-          <a:p>
-            <a:r>
-              <a:rPr lang="en-US" dirty="0"/>
-              <a:t>Download your XML file</a:t>
-            </a:r>
-          </a:p>
-          <a:p>
-            <a:r>
-              <a:rPr lang="en-US" dirty="0"/>
-              <a:t>And now, in the index page, look for the tools:</a:t>
-            </a:r>
-          </a:p>
-          <a:p>
-            <a:r>
-              <a:rPr lang="en-US" dirty="0"/>
-              <a:t>TEI Validator</a:t>
-            </a:r>
-          </a:p>
-          <a:p>
-            <a:r>
-              <a:rPr lang="en-US" dirty="0"/>
-              <a:t>TEI Toolkit</a:t>
-            </a:r>
-          </a:p>
-          <a:p>
-            <a:r>
-              <a:rPr lang="en-US" dirty="0" err="1"/>
-              <a:t>OxGarage</a:t>
-            </a:r>
-            <a:endParaRPr lang="en-US" dirty="0"/>
+          </a:blip>
+          <a:stretch>
+            <a:fillRect/>
+          </a:stretch>
+        </p:blipFill>
+        <p:spPr>
+          <a:xfrm>
+            <a:off x="1851721" y="2495548"/>
+            <a:ext cx="7897249" cy="3127561"/>
+          </a:xfrm>
+        </p:spPr>
+      </p:pic>
+      <p:sp>
+        <p:nvSpPr>
+          <p:cNvPr id="2" name="Left Arrow 1"/>
+          <p:cNvSpPr/>
+          <p:nvPr/>
+        </p:nvSpPr>
+        <p:spPr>
+          <a:xfrm rot="19385750">
+            <a:off x="3995884" y="1974188"/>
+            <a:ext cx="1337733" cy="530135"/>
+          </a:xfrm>
+          <a:prstGeom prst="leftArrow">
+            <a:avLst/>
+          </a:prstGeom>
+        </p:spPr>
+        <p:style>
+          <a:lnRef idx="1">
+            <a:schemeClr val="accent1"/>
+          </a:lnRef>
+          <a:fillRef idx="3">
+            <a:schemeClr val="accent1"/>
+          </a:fillRef>
+          <a:effectRef idx="2">
+            <a:schemeClr val="accent1"/>
+          </a:effectRef>
+          <a:fontRef idx="minor">
+            <a:schemeClr val="lt1"/>
+          </a:fontRef>
+        </p:style>
+        <p:txBody>
+          <a:bodyPr rtlCol="0" anchor="ctr"/>
+          <a:lstStyle/>
+          <a:p>
+            <a:pPr algn="ctr" defTabSz="457039">
+              <a:defRPr/>
+            </a:pPr>
+            <a:r>
+              <a:rPr lang="en-US" dirty="0">
+                <a:solidFill>
+                  <a:prstClr val="white"/>
+                </a:solidFill>
+                <a:latin typeface="Arial"/>
+              </a:rPr>
+              <a:t>Definition</a:t>
+            </a:r>
+          </a:p>
+        </p:txBody>
+      </p:sp>
+      <p:sp>
+        <p:nvSpPr>
+          <p:cNvPr id="8" name="Left Arrow 7"/>
+          <p:cNvSpPr/>
+          <p:nvPr/>
+        </p:nvSpPr>
+        <p:spPr>
+          <a:xfrm rot="21178513">
+            <a:off x="9302872" y="3029184"/>
+            <a:ext cx="1337733" cy="530135"/>
+          </a:xfrm>
+          <a:prstGeom prst="leftArrow">
+            <a:avLst/>
+          </a:prstGeom>
+        </p:spPr>
+        <p:style>
+          <a:lnRef idx="1">
+            <a:schemeClr val="accent1"/>
+          </a:lnRef>
+          <a:fillRef idx="3">
+            <a:schemeClr val="accent1"/>
+          </a:fillRef>
+          <a:effectRef idx="2">
+            <a:schemeClr val="accent1"/>
+          </a:effectRef>
+          <a:fontRef idx="minor">
+            <a:schemeClr val="lt1"/>
+          </a:fontRef>
+        </p:style>
+        <p:txBody>
+          <a:bodyPr rtlCol="0" anchor="ctr"/>
+          <a:lstStyle/>
+          <a:p>
+            <a:pPr algn="ctr" defTabSz="457039">
+              <a:defRPr/>
+            </a:pPr>
+            <a:r>
+              <a:rPr lang="en-US" dirty="0">
+                <a:solidFill>
+                  <a:prstClr val="white"/>
+                </a:solidFill>
+                <a:latin typeface="Arial"/>
+              </a:rPr>
+              <a:t>Attributes</a:t>
+            </a:r>
+          </a:p>
+        </p:txBody>
+      </p:sp>
+      <p:sp>
+        <p:nvSpPr>
+          <p:cNvPr id="13" name="Left Arrow 12"/>
+          <p:cNvSpPr/>
+          <p:nvPr/>
+        </p:nvSpPr>
+        <p:spPr>
+          <a:xfrm rot="19282394">
+            <a:off x="7567050" y="1907367"/>
+            <a:ext cx="1337733" cy="746127"/>
+          </a:xfrm>
+          <a:prstGeom prst="leftArrow">
+            <a:avLst/>
+          </a:prstGeom>
+        </p:spPr>
+        <p:style>
+          <a:lnRef idx="1">
+            <a:schemeClr val="accent1"/>
+          </a:lnRef>
+          <a:fillRef idx="3">
+            <a:schemeClr val="accent1"/>
+          </a:fillRef>
+          <a:effectRef idx="2">
+            <a:schemeClr val="accent1"/>
+          </a:effectRef>
+          <a:fontRef idx="minor">
+            <a:schemeClr val="lt1"/>
+          </a:fontRef>
+        </p:style>
+        <p:txBody>
+          <a:bodyPr rtlCol="0" anchor="ctr"/>
+          <a:lstStyle/>
+          <a:p>
+            <a:pPr algn="ctr" defTabSz="457039">
+              <a:defRPr/>
+            </a:pPr>
+            <a:r>
+              <a:rPr lang="en-US" sz="1200" dirty="0">
+                <a:solidFill>
+                  <a:prstClr val="white"/>
+                </a:solidFill>
+                <a:latin typeface="Arial"/>
+              </a:rPr>
+              <a:t>Definition chapters</a:t>
+            </a:r>
+          </a:p>
+        </p:txBody>
+      </p:sp>
+      <p:sp>
+        <p:nvSpPr>
+          <p:cNvPr id="3" name="Right Arrow 2"/>
+          <p:cNvSpPr/>
+          <p:nvPr/>
+        </p:nvSpPr>
+        <p:spPr>
+          <a:xfrm rot="864006">
+            <a:off x="1888146" y="3189500"/>
+            <a:ext cx="1320976" cy="459824"/>
+          </a:xfrm>
+          <a:prstGeom prst="rightArrow">
+            <a:avLst/>
+          </a:prstGeom>
+        </p:spPr>
+        <p:style>
+          <a:lnRef idx="1">
+            <a:schemeClr val="accent1"/>
+          </a:lnRef>
+          <a:fillRef idx="3">
+            <a:schemeClr val="accent1"/>
+          </a:fillRef>
+          <a:effectRef idx="2">
+            <a:schemeClr val="accent1"/>
+          </a:effectRef>
+          <a:fontRef idx="minor">
+            <a:schemeClr val="lt1"/>
+          </a:fontRef>
+        </p:style>
+        <p:txBody>
+          <a:bodyPr rtlCol="0" anchor="ctr"/>
+          <a:lstStyle/>
+          <a:p>
+            <a:pPr algn="ctr" defTabSz="457039">
+              <a:defRPr/>
+            </a:pPr>
+            <a:r>
+              <a:rPr lang="en-US" sz="1200" dirty="0">
+                <a:solidFill>
+                  <a:prstClr val="white"/>
+                </a:solidFill>
+                <a:latin typeface="Arial"/>
+              </a:rPr>
+              <a:t>Contained by</a:t>
+            </a:r>
+          </a:p>
+        </p:txBody>
+      </p:sp>
+      <p:sp>
+        <p:nvSpPr>
+          <p:cNvPr id="15" name="Left Arrow 14"/>
+          <p:cNvSpPr/>
+          <p:nvPr/>
+        </p:nvSpPr>
+        <p:spPr>
+          <a:xfrm rot="20654623">
+            <a:off x="5591646" y="3677110"/>
+            <a:ext cx="1337733" cy="375821"/>
+          </a:xfrm>
+          <a:prstGeom prst="leftArrow">
+            <a:avLst/>
+          </a:prstGeom>
+        </p:spPr>
+        <p:style>
+          <a:lnRef idx="1">
+            <a:schemeClr val="accent1"/>
+          </a:lnRef>
+          <a:fillRef idx="3">
+            <a:schemeClr val="accent1"/>
+          </a:fillRef>
+          <a:effectRef idx="2">
+            <a:schemeClr val="accent1"/>
+          </a:effectRef>
+          <a:fontRef idx="minor">
+            <a:schemeClr val="lt1"/>
+          </a:fontRef>
+        </p:style>
+        <p:txBody>
+          <a:bodyPr rtlCol="0" anchor="ctr"/>
+          <a:lstStyle/>
+          <a:p>
+            <a:pPr algn="ctr" defTabSz="457039">
+              <a:defRPr/>
+            </a:pPr>
+            <a:r>
+              <a:rPr lang="en-US" sz="1200">
+                <a:solidFill>
+                  <a:prstClr val="white"/>
+                </a:solidFill>
+                <a:latin typeface="Arial"/>
+              </a:rPr>
+              <a:t>Can contain</a:t>
+            </a:r>
+            <a:endParaRPr lang="en-US" sz="1200" dirty="0">
+              <a:solidFill>
+                <a:prstClr val="white"/>
+              </a:solidFill>
+              <a:latin typeface="Arial"/>
+            </a:endParaRPr>
+          </a:p>
+        </p:txBody>
+      </p:sp>
+      <p:sp>
+        <p:nvSpPr>
+          <p:cNvPr id="18" name="Left Arrow 17"/>
+          <p:cNvSpPr/>
+          <p:nvPr/>
+        </p:nvSpPr>
+        <p:spPr>
+          <a:xfrm>
+            <a:off x="4894732" y="2972687"/>
+            <a:ext cx="1337733" cy="375821"/>
+          </a:xfrm>
+          <a:prstGeom prst="leftArrow">
+            <a:avLst/>
+          </a:prstGeom>
+        </p:spPr>
+        <p:style>
+          <a:lnRef idx="1">
+            <a:schemeClr val="accent1"/>
+          </a:lnRef>
+          <a:fillRef idx="3">
+            <a:schemeClr val="accent1"/>
+          </a:fillRef>
+          <a:effectRef idx="2">
+            <a:schemeClr val="accent1"/>
+          </a:effectRef>
+          <a:fontRef idx="minor">
+            <a:schemeClr val="lt1"/>
+          </a:fontRef>
+        </p:style>
+        <p:txBody>
+          <a:bodyPr rtlCol="0" anchor="ctr"/>
+          <a:lstStyle/>
+          <a:p>
+            <a:pPr algn="ctr" defTabSz="457039">
+              <a:defRPr/>
+            </a:pPr>
+            <a:r>
+              <a:rPr lang="en-US" sz="1200">
+                <a:solidFill>
+                  <a:prstClr val="white"/>
+                </a:solidFill>
+                <a:latin typeface="Arial"/>
+              </a:rPr>
+              <a:t>Module</a:t>
+            </a:r>
           </a:p>
         </p:txBody>
       </p:sp>
     </p:spTree>
     <p:extLst>
       <p:ext uri="{BB962C8B-B14F-4D97-AF65-F5344CB8AC3E}">
-        <p14:creationId xmlns:p14="http://schemas.microsoft.com/office/powerpoint/2010/main" val="1495668313"/>
+        <p14:creationId xmlns:p14="http://schemas.microsoft.com/office/powerpoint/2010/main" val="3261272285"/>
       </p:ext>
     </p:extLst>
   </p:cSld>
@@ -10087,13 +9903,7 @@
       </p:grpSpPr>
       <p:sp>
         <p:nvSpPr>
-          <p:cNvPr id="2" name="Title 1">
-            <a:extLst>
-              <a:ext uri="{FF2B5EF4-FFF2-40B4-BE49-F238E27FC236}">
-                <a16:creationId xmlns:a16="http://schemas.microsoft.com/office/drawing/2014/main" id="{895B9390-0B86-9F4A-B29E-09155C31F9AD}"/>
-              </a:ext>
-            </a:extLst>
-          </p:cNvPr>
+          <p:cNvPr id="5" name="Title 4"/>
           <p:cNvSpPr>
             <a:spLocks noGrp="1"/>
           </p:cNvSpPr>
@@ -10101,42 +9911,448 @@
             <p:ph type="title"/>
           </p:nvPr>
         </p:nvSpPr>
-        <p:spPr/>
-        <p:txBody>
-          <a:bodyPr/>
-          <a:lstStyle/>
-          <a:p>
-            <a:r>
-              <a:rPr lang="en-US" dirty="0"/>
-              <a:t>Validator</a:t>
-            </a:r>
-          </a:p>
-        </p:txBody>
-      </p:sp>
-      <p:sp>
-        <p:nvSpPr>
-          <p:cNvPr id="3" name="Content Placeholder 2">
+        <p:spPr>
+          <a:xfrm>
+            <a:off x="2628899" y="856894"/>
+            <a:ext cx="6261100" cy="1143000"/>
+          </a:xfrm>
+        </p:spPr>
+        <p:txBody>
+          <a:bodyPr>
+            <a:normAutofit fontScale="90000"/>
+          </a:bodyPr>
+          <a:lstStyle/>
+          <a:p>
+            <a:r>
+              <a:rPr lang="en-US" dirty="0"/>
+              <a:t>Example: the &lt;</a:t>
+            </a:r>
+            <a:r>
+              <a:rPr lang="en-US" dirty="0" err="1"/>
+              <a:t>monog</a:t>
+            </a:r>
+            <a:r>
+              <a:rPr lang="en-US" dirty="0"/>
+              <a:t>&gt; element:</a:t>
+            </a:r>
+          </a:p>
+        </p:txBody>
+      </p:sp>
+      <p:pic>
+        <p:nvPicPr>
+          <p:cNvPr id="10" name="Content Placeholder 9"/>
+          <p:cNvPicPr>
+            <a:picLocks noGrp="1" noChangeAspect="1"/>
+          </p:cNvPicPr>
+          <p:nvPr>
+            <p:ph idx="1"/>
+          </p:nvPr>
+        </p:nvPicPr>
+        <p:blipFill>
+          <a:blip r:embed="rId2">
             <a:extLst>
-              <a:ext uri="{FF2B5EF4-FFF2-40B4-BE49-F238E27FC236}">
-                <a16:creationId xmlns:a16="http://schemas.microsoft.com/office/drawing/2014/main" id="{313A2C4A-D4FD-5042-86CE-9FC027FCD537}"/>
+              <a:ext uri="{28A0092B-C50C-407E-A947-70E740481C1C}">
+                <a14:useLocalDpi xmlns:a14="http://schemas.microsoft.com/office/drawing/2010/main" val="0"/>
               </a:ext>
             </a:extLst>
-          </p:cNvPr>
-          <p:cNvSpPr>
-            <a:spLocks noGrp="1"/>
-          </p:cNvSpPr>
-          <p:nvPr>
-            <p:ph idx="1"/>
-          </p:nvPr>
-        </p:nvSpPr>
-        <p:spPr/>
-        <p:txBody>
-          <a:bodyPr/>
-          <a:lstStyle/>
-          <a:p>
-            <a:r>
-              <a:rPr lang="en-US" dirty="0"/>
-              <a:t>Validate your file</a:t>
+          </a:blip>
+          <a:stretch>
+            <a:fillRect/>
+          </a:stretch>
+        </p:blipFill>
+        <p:spPr>
+          <a:xfrm>
+            <a:off x="1851721" y="2495548"/>
+            <a:ext cx="7897249" cy="3127561"/>
+          </a:xfrm>
+        </p:spPr>
+      </p:pic>
+      <p:sp>
+        <p:nvSpPr>
+          <p:cNvPr id="2" name="Left Arrow 1"/>
+          <p:cNvSpPr/>
+          <p:nvPr/>
+        </p:nvSpPr>
+        <p:spPr>
+          <a:xfrm rot="19385750">
+            <a:off x="3995884" y="1974188"/>
+            <a:ext cx="1337733" cy="530135"/>
+          </a:xfrm>
+          <a:prstGeom prst="leftArrow">
+            <a:avLst/>
+          </a:prstGeom>
+        </p:spPr>
+        <p:style>
+          <a:lnRef idx="1">
+            <a:schemeClr val="accent1"/>
+          </a:lnRef>
+          <a:fillRef idx="3">
+            <a:schemeClr val="accent1"/>
+          </a:fillRef>
+          <a:effectRef idx="2">
+            <a:schemeClr val="accent1"/>
+          </a:effectRef>
+          <a:fontRef idx="minor">
+            <a:schemeClr val="lt1"/>
+          </a:fontRef>
+        </p:style>
+        <p:txBody>
+          <a:bodyPr rtlCol="0" anchor="ctr"/>
+          <a:lstStyle/>
+          <a:p>
+            <a:pPr algn="ctr" defTabSz="457039">
+              <a:defRPr/>
+            </a:pPr>
+            <a:r>
+              <a:rPr lang="en-US" dirty="0">
+                <a:solidFill>
+                  <a:prstClr val="white"/>
+                </a:solidFill>
+                <a:latin typeface="Arial"/>
+              </a:rPr>
+              <a:t>Definition</a:t>
+            </a:r>
+          </a:p>
+        </p:txBody>
+      </p:sp>
+      <p:sp>
+        <p:nvSpPr>
+          <p:cNvPr id="8" name="Left Arrow 7"/>
+          <p:cNvSpPr/>
+          <p:nvPr/>
+        </p:nvSpPr>
+        <p:spPr>
+          <a:xfrm rot="21178513">
+            <a:off x="9302872" y="3029184"/>
+            <a:ext cx="1337733" cy="530135"/>
+          </a:xfrm>
+          <a:prstGeom prst="leftArrow">
+            <a:avLst/>
+          </a:prstGeom>
+        </p:spPr>
+        <p:style>
+          <a:lnRef idx="1">
+            <a:schemeClr val="accent1"/>
+          </a:lnRef>
+          <a:fillRef idx="3">
+            <a:schemeClr val="accent1"/>
+          </a:fillRef>
+          <a:effectRef idx="2">
+            <a:schemeClr val="accent1"/>
+          </a:effectRef>
+          <a:fontRef idx="minor">
+            <a:schemeClr val="lt1"/>
+          </a:fontRef>
+        </p:style>
+        <p:txBody>
+          <a:bodyPr rtlCol="0" anchor="ctr"/>
+          <a:lstStyle/>
+          <a:p>
+            <a:pPr algn="ctr" defTabSz="457039">
+              <a:defRPr/>
+            </a:pPr>
+            <a:r>
+              <a:rPr lang="en-US" dirty="0">
+                <a:solidFill>
+                  <a:prstClr val="white"/>
+                </a:solidFill>
+                <a:latin typeface="Arial"/>
+              </a:rPr>
+              <a:t>Attributes</a:t>
+            </a:r>
+          </a:p>
+        </p:txBody>
+      </p:sp>
+      <p:sp>
+        <p:nvSpPr>
+          <p:cNvPr id="13" name="Left Arrow 12"/>
+          <p:cNvSpPr/>
+          <p:nvPr/>
+        </p:nvSpPr>
+        <p:spPr>
+          <a:xfrm rot="19282394">
+            <a:off x="7567050" y="1907367"/>
+            <a:ext cx="1337733" cy="746127"/>
+          </a:xfrm>
+          <a:prstGeom prst="leftArrow">
+            <a:avLst/>
+          </a:prstGeom>
+        </p:spPr>
+        <p:style>
+          <a:lnRef idx="1">
+            <a:schemeClr val="accent1"/>
+          </a:lnRef>
+          <a:fillRef idx="3">
+            <a:schemeClr val="accent1"/>
+          </a:fillRef>
+          <a:effectRef idx="2">
+            <a:schemeClr val="accent1"/>
+          </a:effectRef>
+          <a:fontRef idx="minor">
+            <a:schemeClr val="lt1"/>
+          </a:fontRef>
+        </p:style>
+        <p:txBody>
+          <a:bodyPr rtlCol="0" anchor="ctr"/>
+          <a:lstStyle/>
+          <a:p>
+            <a:pPr algn="ctr" defTabSz="457039">
+              <a:defRPr/>
+            </a:pPr>
+            <a:r>
+              <a:rPr lang="en-US" sz="1200" dirty="0">
+                <a:solidFill>
+                  <a:prstClr val="white"/>
+                </a:solidFill>
+                <a:latin typeface="Arial"/>
+              </a:rPr>
+              <a:t>Definition chapters</a:t>
+            </a:r>
+          </a:p>
+        </p:txBody>
+      </p:sp>
+      <p:sp>
+        <p:nvSpPr>
+          <p:cNvPr id="3" name="Right Arrow 2"/>
+          <p:cNvSpPr/>
+          <p:nvPr/>
+        </p:nvSpPr>
+        <p:spPr>
+          <a:xfrm rot="864006">
+            <a:off x="1888146" y="3189500"/>
+            <a:ext cx="1320976" cy="459824"/>
+          </a:xfrm>
+          <a:prstGeom prst="rightArrow">
+            <a:avLst/>
+          </a:prstGeom>
+        </p:spPr>
+        <p:style>
+          <a:lnRef idx="1">
+            <a:schemeClr val="accent1"/>
+          </a:lnRef>
+          <a:fillRef idx="3">
+            <a:schemeClr val="accent1"/>
+          </a:fillRef>
+          <a:effectRef idx="2">
+            <a:schemeClr val="accent1"/>
+          </a:effectRef>
+          <a:fontRef idx="minor">
+            <a:schemeClr val="lt1"/>
+          </a:fontRef>
+        </p:style>
+        <p:txBody>
+          <a:bodyPr rtlCol="0" anchor="ctr"/>
+          <a:lstStyle/>
+          <a:p>
+            <a:pPr algn="ctr" defTabSz="457039">
+              <a:defRPr/>
+            </a:pPr>
+            <a:r>
+              <a:rPr lang="en-US" sz="1200" dirty="0">
+                <a:solidFill>
+                  <a:prstClr val="white"/>
+                </a:solidFill>
+                <a:latin typeface="Arial"/>
+              </a:rPr>
+              <a:t>Contained by</a:t>
+            </a:r>
+          </a:p>
+        </p:txBody>
+      </p:sp>
+      <p:sp>
+        <p:nvSpPr>
+          <p:cNvPr id="15" name="Left Arrow 14"/>
+          <p:cNvSpPr/>
+          <p:nvPr/>
+        </p:nvSpPr>
+        <p:spPr>
+          <a:xfrm rot="20654623">
+            <a:off x="5591646" y="3677110"/>
+            <a:ext cx="1337733" cy="375821"/>
+          </a:xfrm>
+          <a:prstGeom prst="leftArrow">
+            <a:avLst/>
+          </a:prstGeom>
+        </p:spPr>
+        <p:style>
+          <a:lnRef idx="1">
+            <a:schemeClr val="accent1"/>
+          </a:lnRef>
+          <a:fillRef idx="3">
+            <a:schemeClr val="accent1"/>
+          </a:fillRef>
+          <a:effectRef idx="2">
+            <a:schemeClr val="accent1"/>
+          </a:effectRef>
+          <a:fontRef idx="minor">
+            <a:schemeClr val="lt1"/>
+          </a:fontRef>
+        </p:style>
+        <p:txBody>
+          <a:bodyPr rtlCol="0" anchor="ctr"/>
+          <a:lstStyle/>
+          <a:p>
+            <a:pPr algn="ctr" defTabSz="457039">
+              <a:defRPr/>
+            </a:pPr>
+            <a:r>
+              <a:rPr lang="en-US" sz="1200">
+                <a:solidFill>
+                  <a:prstClr val="white"/>
+                </a:solidFill>
+                <a:latin typeface="Arial"/>
+              </a:rPr>
+              <a:t>Can contain</a:t>
+            </a:r>
+            <a:endParaRPr lang="en-US" sz="1200" dirty="0">
+              <a:solidFill>
+                <a:prstClr val="white"/>
+              </a:solidFill>
+              <a:latin typeface="Arial"/>
+            </a:endParaRPr>
+          </a:p>
+        </p:txBody>
+      </p:sp>
+      <p:sp>
+        <p:nvSpPr>
+          <p:cNvPr id="16" name="Left Arrow 15"/>
+          <p:cNvSpPr/>
+          <p:nvPr/>
+        </p:nvSpPr>
+        <p:spPr>
+          <a:xfrm>
+            <a:off x="7761660" y="4118351"/>
+            <a:ext cx="1337733" cy="375821"/>
+          </a:xfrm>
+          <a:prstGeom prst="leftArrow">
+            <a:avLst/>
+          </a:prstGeom>
+        </p:spPr>
+        <p:style>
+          <a:lnRef idx="1">
+            <a:schemeClr val="accent1"/>
+          </a:lnRef>
+          <a:fillRef idx="3">
+            <a:schemeClr val="accent1"/>
+          </a:fillRef>
+          <a:effectRef idx="2">
+            <a:schemeClr val="accent1"/>
+          </a:effectRef>
+          <a:fontRef idx="minor">
+            <a:schemeClr val="lt1"/>
+          </a:fontRef>
+        </p:style>
+        <p:txBody>
+          <a:bodyPr rtlCol="0" anchor="ctr"/>
+          <a:lstStyle/>
+          <a:p>
+            <a:pPr algn="ctr" defTabSz="457039">
+              <a:defRPr/>
+            </a:pPr>
+            <a:r>
+              <a:rPr lang="en-US" sz="1200" dirty="0">
+                <a:solidFill>
+                  <a:prstClr val="white"/>
+                </a:solidFill>
+                <a:latin typeface="Arial"/>
+              </a:rPr>
+              <a:t>Special notes</a:t>
+            </a:r>
+          </a:p>
+        </p:txBody>
+      </p:sp>
+      <p:sp>
+        <p:nvSpPr>
+          <p:cNvPr id="17" name="Right Arrow 16"/>
+          <p:cNvSpPr/>
+          <p:nvPr/>
+        </p:nvSpPr>
+        <p:spPr>
+          <a:xfrm rot="20327558">
+            <a:off x="1735746" y="5393195"/>
+            <a:ext cx="1320976" cy="459824"/>
+          </a:xfrm>
+          <a:prstGeom prst="rightArrow">
+            <a:avLst/>
+          </a:prstGeom>
+        </p:spPr>
+        <p:style>
+          <a:lnRef idx="1">
+            <a:schemeClr val="accent1"/>
+          </a:lnRef>
+          <a:fillRef idx="3">
+            <a:schemeClr val="accent1"/>
+          </a:fillRef>
+          <a:effectRef idx="2">
+            <a:schemeClr val="accent1"/>
+          </a:effectRef>
+          <a:fontRef idx="minor">
+            <a:schemeClr val="lt1"/>
+          </a:fontRef>
+        </p:style>
+        <p:txBody>
+          <a:bodyPr rtlCol="0" anchor="ctr"/>
+          <a:lstStyle/>
+          <a:p>
+            <a:pPr algn="ctr" defTabSz="457039">
+              <a:defRPr/>
+            </a:pPr>
+            <a:r>
+              <a:rPr lang="en-US" sz="1200" dirty="0">
+                <a:solidFill>
+                  <a:prstClr val="white"/>
+                </a:solidFill>
+                <a:latin typeface="Arial"/>
+              </a:rPr>
+              <a:t>Example TEI</a:t>
+            </a:r>
+          </a:p>
+        </p:txBody>
+      </p:sp>
+      <p:sp>
+        <p:nvSpPr>
+          <p:cNvPr id="18" name="Left Arrow 17"/>
+          <p:cNvSpPr/>
+          <p:nvPr/>
+        </p:nvSpPr>
+        <p:spPr>
+          <a:xfrm>
+            <a:off x="4894732" y="2972687"/>
+            <a:ext cx="1337733" cy="375821"/>
+          </a:xfrm>
+          <a:prstGeom prst="leftArrow">
+            <a:avLst/>
+          </a:prstGeom>
+        </p:spPr>
+        <p:style>
+          <a:lnRef idx="1">
+            <a:schemeClr val="accent1"/>
+          </a:lnRef>
+          <a:fillRef idx="3">
+            <a:schemeClr val="accent1"/>
+          </a:fillRef>
+          <a:effectRef idx="2">
+            <a:schemeClr val="accent1"/>
+          </a:effectRef>
+          <a:fontRef idx="minor">
+            <a:schemeClr val="lt1"/>
+          </a:fontRef>
+        </p:style>
+        <p:txBody>
+          <a:bodyPr rtlCol="0" anchor="ctr"/>
+          <a:lstStyle/>
+          <a:p>
+            <a:pPr algn="ctr" defTabSz="457039">
+              <a:defRPr/>
+            </a:pPr>
+            <a:r>
+              <a:rPr lang="en-US" sz="1200">
+                <a:solidFill>
+                  <a:prstClr val="white"/>
+                </a:solidFill>
+                <a:latin typeface="Arial"/>
+              </a:rPr>
+              <a:t>Module</a:t>
             </a:r>
           </a:p>
         </p:txBody>
@@ -10144,7 +10360,7 @@
     </p:spTree>
     <p:extLst>
       <p:ext uri="{BB962C8B-B14F-4D97-AF65-F5344CB8AC3E}">
-        <p14:creationId xmlns:p14="http://schemas.microsoft.com/office/powerpoint/2010/main" val="1201985249"/>
+        <p14:creationId xmlns:p14="http://schemas.microsoft.com/office/powerpoint/2010/main" val="3387260089"/>
       </p:ext>
     </p:extLst>
   </p:cSld>
@@ -10176,7 +10392,7 @@
           <p:cNvPr id="2" name="Title 1">
             <a:extLst>
               <a:ext uri="{FF2B5EF4-FFF2-40B4-BE49-F238E27FC236}">
-                <a16:creationId xmlns:a16="http://schemas.microsoft.com/office/drawing/2014/main" id="{891D3EB5-9584-E544-8F7D-A94D0FE7AA4D}"/>
+                <a16:creationId xmlns:a16="http://schemas.microsoft.com/office/drawing/2014/main" id="{19812499-5B14-5B40-AE5D-CDE1CCB953D2}"/>
               </a:ext>
             </a:extLst>
           </p:cNvPr>
@@ -10194,7 +10410,7 @@
           <a:p>
             <a:r>
               <a:rPr lang="en-US" dirty="0"/>
-              <a:t>TOOLKIT</a:t>
+              <a:t>Activity (5 min)</a:t>
             </a:r>
           </a:p>
         </p:txBody>
@@ -10204,7 +10420,7 @@
           <p:cNvPr id="3" name="Content Placeholder 2">
             <a:extLst>
               <a:ext uri="{FF2B5EF4-FFF2-40B4-BE49-F238E27FC236}">
-                <a16:creationId xmlns:a16="http://schemas.microsoft.com/office/drawing/2014/main" id="{EBFB2EEB-39FD-A342-8F9D-05D65DD7AAC8}"/>
+                <a16:creationId xmlns:a16="http://schemas.microsoft.com/office/drawing/2014/main" id="{646B4C7F-07C7-8D40-AA14-77C12C7B2FDC}"/>
               </a:ext>
             </a:extLst>
           </p:cNvPr>
@@ -10222,13 +10438,80 @@
           <a:p>
             <a:r>
               <a:rPr lang="en-US" dirty="0"/>
-              <a:t>Check your encoding</a:t>
-            </a:r>
-          </a:p>
-          <a:p>
-            <a:r>
-              <a:rPr lang="en-US" dirty="0"/>
-              <a:t>Convert to a PDF</a:t>
+              <a:t>Look up the following elements:</a:t>
+            </a:r>
+          </a:p>
+          <a:p>
+            <a:pPr lvl="1"/>
+            <a:r>
+              <a:rPr lang="en-US" dirty="0"/>
+              <a:t>&lt;p&gt;</a:t>
+            </a:r>
+          </a:p>
+          <a:p>
+            <a:pPr lvl="1"/>
+            <a:r>
+              <a:rPr lang="en-US" dirty="0"/>
+              <a:t>&lt;ab&gt;</a:t>
+            </a:r>
+          </a:p>
+          <a:p>
+            <a:pPr lvl="1"/>
+            <a:r>
+              <a:rPr lang="en-US" dirty="0"/>
+              <a:t>&lt;opener&gt;</a:t>
+            </a:r>
+          </a:p>
+          <a:p>
+            <a:pPr lvl="1"/>
+            <a:r>
+              <a:rPr lang="en-US" dirty="0"/>
+              <a:t>&lt;closer&gt;</a:t>
+            </a:r>
+          </a:p>
+          <a:p>
+            <a:pPr lvl="1"/>
+            <a:r>
+              <a:rPr lang="en-US" dirty="0"/>
+              <a:t>&lt;</a:t>
+            </a:r>
+            <a:r>
+              <a:rPr lang="en-US" dirty="0" err="1"/>
+              <a:t>msDesc</a:t>
+            </a:r>
+            <a:r>
+              <a:rPr lang="en-US" dirty="0"/>
+              <a:t>&gt;</a:t>
+            </a:r>
+          </a:p>
+          <a:p>
+            <a:pPr lvl="1"/>
+            <a:r>
+              <a:rPr lang="en-US" dirty="0"/>
+              <a:t>&lt;</a:t>
+            </a:r>
+            <a:r>
+              <a:rPr lang="en-US" dirty="0" err="1"/>
+              <a:t>correspDesc</a:t>
+            </a:r>
+            <a:r>
+              <a:rPr lang="en-US" dirty="0"/>
+              <a:t>&gt;</a:t>
+            </a:r>
+          </a:p>
+          <a:p>
+            <a:pPr marL="128016" lvl="1" indent="0">
+              <a:buNone/>
+            </a:pPr>
+            <a:endParaRPr lang="en-US" dirty="0"/>
+          </a:p>
+          <a:p>
+            <a:pPr marL="128016" lvl="1" indent="0">
+              <a:buNone/>
+            </a:pPr>
+            <a:r>
+              <a:rPr lang="en-US" dirty="0"/>
+              <a:t>Will they work for this? How can we use them?</a:t>
             </a:r>
           </a:p>
         </p:txBody>
@@ -10236,7 +10519,7 @@
     </p:spTree>
     <p:extLst>
       <p:ext uri="{BB962C8B-B14F-4D97-AF65-F5344CB8AC3E}">
-        <p14:creationId xmlns:p14="http://schemas.microsoft.com/office/powerpoint/2010/main" val="1474677422"/>
+        <p14:creationId xmlns:p14="http://schemas.microsoft.com/office/powerpoint/2010/main" val="2748027630"/>
       </p:ext>
     </p:extLst>
   </p:cSld>
@@ -10268,7 +10551,7 @@
           <p:cNvPr id="2" name="Title 1">
             <a:extLst>
               <a:ext uri="{FF2B5EF4-FFF2-40B4-BE49-F238E27FC236}">
-                <a16:creationId xmlns:a16="http://schemas.microsoft.com/office/drawing/2014/main" id="{C3BDCF5D-7903-5440-B783-8225FE8E609D}"/>
+                <a16:creationId xmlns:a16="http://schemas.microsoft.com/office/drawing/2014/main" id="{BD0AF89D-91F7-2845-A920-64AFA5EC7CAF}"/>
               </a:ext>
             </a:extLst>
           </p:cNvPr>
@@ -10285,10 +10568,9 @@
           <a:lstStyle/>
           <a:p>
             <a:r>
-              <a:rPr lang="en-US" dirty="0" err="1"/>
-              <a:t>OXgarage</a:t>
-            </a:r>
-            <a:endParaRPr lang="en-US" dirty="0"/>
+              <a:rPr lang="en-US" dirty="0"/>
+              <a:t>Encoding</a:t>
+            </a:r>
           </a:p>
         </p:txBody>
       </p:sp>
@@ -10297,7 +10579,7 @@
           <p:cNvPr id="3" name="Content Placeholder 2">
             <a:extLst>
               <a:ext uri="{FF2B5EF4-FFF2-40B4-BE49-F238E27FC236}">
-                <a16:creationId xmlns:a16="http://schemas.microsoft.com/office/drawing/2014/main" id="{C27D96B3-5ECF-E14F-B3FF-1D09383DED9F}"/>
+                <a16:creationId xmlns:a16="http://schemas.microsoft.com/office/drawing/2014/main" id="{85DD1C65-1B1A-A243-BAD5-90A0DD31D142}"/>
               </a:ext>
             </a:extLst>
           </p:cNvPr>
@@ -10315,21 +10597,353 @@
           <a:p>
             <a:r>
               <a:rPr lang="en-US" dirty="0"/>
-              <a:t>Convert to a word document</a:t>
-            </a:r>
-          </a:p>
-          <a:p>
-            <a:r>
-              <a:rPr lang="en-US" dirty="0"/>
-              <a:t>Convert to a PDF</a:t>
-            </a:r>
+              <a:t>Open the text editor in one tab, the primary source transcription in another, and, if you want, the image from the UBC Repository</a:t>
+            </a:r>
+          </a:p>
+          <a:p>
+            <a:endParaRPr lang="en-US" dirty="0"/>
           </a:p>
         </p:txBody>
       </p:sp>
     </p:spTree>
     <p:extLst>
       <p:ext uri="{BB962C8B-B14F-4D97-AF65-F5344CB8AC3E}">
-        <p14:creationId xmlns:p14="http://schemas.microsoft.com/office/powerpoint/2010/main" val="2881801208"/>
+        <p14:creationId xmlns:p14="http://schemas.microsoft.com/office/powerpoint/2010/main" val="1111404048"/>
+      </p:ext>
+    </p:extLst>
+  </p:cSld>
+  <p:clrMapOvr>
+    <a:masterClrMapping/>
+  </p:clrMapOvr>
+</p:sld>
+</file>
+
+<file path=ppt/slides/slide27.xml><?xml version="1.0" encoding="utf-8"?>
+<p:sld xmlns:a="http://schemas.openxmlformats.org/drawingml/2006/main" xmlns:r="http://schemas.openxmlformats.org/officeDocument/2006/relationships" xmlns:p="http://schemas.openxmlformats.org/presentationml/2006/main">
+  <p:cSld>
+    <p:spTree>
+      <p:nvGrpSpPr>
+        <p:cNvPr id="1" name=""/>
+        <p:cNvGrpSpPr/>
+        <p:nvPr/>
+      </p:nvGrpSpPr>
+      <p:grpSpPr>
+        <a:xfrm>
+          <a:off x="0" y="0"/>
+          <a:ext cx="0" cy="0"/>
+          <a:chOff x="0" y="0"/>
+          <a:chExt cx="0" cy="0"/>
+        </a:xfrm>
+      </p:grpSpPr>
+      <p:sp>
+        <p:nvSpPr>
+          <p:cNvPr id="2" name="Title 1">
+            <a:extLst>
+              <a:ext uri="{FF2B5EF4-FFF2-40B4-BE49-F238E27FC236}">
+                <a16:creationId xmlns:a16="http://schemas.microsoft.com/office/drawing/2014/main" id="{8506C636-57F6-0047-84D6-AD3546B52FF1}"/>
+              </a:ext>
+            </a:extLst>
+          </p:cNvPr>
+          <p:cNvSpPr>
+            <a:spLocks noGrp="1"/>
+          </p:cNvSpPr>
+          <p:nvPr>
+            <p:ph type="title"/>
+          </p:nvPr>
+        </p:nvSpPr>
+        <p:spPr/>
+        <p:txBody>
+          <a:bodyPr/>
+          <a:lstStyle/>
+          <a:p>
+            <a:r>
+              <a:rPr lang="en-US" dirty="0"/>
+              <a:t>metadata</a:t>
+            </a:r>
+          </a:p>
+        </p:txBody>
+      </p:sp>
+      <p:sp>
+        <p:nvSpPr>
+          <p:cNvPr id="3" name="Content Placeholder 2">
+            <a:extLst>
+              <a:ext uri="{FF2B5EF4-FFF2-40B4-BE49-F238E27FC236}">
+                <a16:creationId xmlns:a16="http://schemas.microsoft.com/office/drawing/2014/main" id="{2BE02B86-0DDF-FF4C-AB1E-A68153675E90}"/>
+              </a:ext>
+            </a:extLst>
+          </p:cNvPr>
+          <p:cNvSpPr>
+            <a:spLocks noGrp="1"/>
+          </p:cNvSpPr>
+          <p:nvPr>
+            <p:ph idx="1"/>
+          </p:nvPr>
+        </p:nvSpPr>
+        <p:spPr/>
+        <p:txBody>
+          <a:bodyPr/>
+          <a:lstStyle/>
+          <a:p>
+            <a:r>
+              <a:rPr lang="en-US" dirty="0"/>
+              <a:t>Include the title of this document</a:t>
+            </a:r>
+          </a:p>
+          <a:p>
+            <a:r>
+              <a:rPr lang="en-US" dirty="0"/>
+              <a:t>Include your name by using the &lt;editor&gt; element after the &lt;title&gt;</a:t>
+            </a:r>
+          </a:p>
+          <a:p>
+            <a:r>
+              <a:rPr lang="en-US" dirty="0"/>
+              <a:t>Put in a link to the source using a &lt;</a:t>
+            </a:r>
+            <a:r>
+              <a:rPr lang="en-US" dirty="0" err="1"/>
+              <a:t>ptr</a:t>
+            </a:r>
+            <a:r>
+              <a:rPr lang="en-US" dirty="0"/>
+              <a:t>/&gt;</a:t>
+            </a:r>
+          </a:p>
+          <a:p>
+            <a:r>
+              <a:rPr lang="en-US" dirty="0"/>
+              <a:t>What else could you do?</a:t>
+            </a:r>
+          </a:p>
+          <a:p>
+            <a:endParaRPr lang="en-US" dirty="0"/>
+          </a:p>
+        </p:txBody>
+      </p:sp>
+    </p:spTree>
+    <p:extLst>
+      <p:ext uri="{BB962C8B-B14F-4D97-AF65-F5344CB8AC3E}">
+        <p14:creationId xmlns:p14="http://schemas.microsoft.com/office/powerpoint/2010/main" val="224439876"/>
+      </p:ext>
+    </p:extLst>
+  </p:cSld>
+  <p:clrMapOvr>
+    <a:masterClrMapping/>
+  </p:clrMapOvr>
+</p:sld>
+</file>
+
+<file path=ppt/slides/slide28.xml><?xml version="1.0" encoding="utf-8"?>
+<p:sld xmlns:a="http://schemas.openxmlformats.org/drawingml/2006/main" xmlns:r="http://schemas.openxmlformats.org/officeDocument/2006/relationships" xmlns:p="http://schemas.openxmlformats.org/presentationml/2006/main">
+  <p:cSld>
+    <p:spTree>
+      <p:nvGrpSpPr>
+        <p:cNvPr id="1" name=""/>
+        <p:cNvGrpSpPr/>
+        <p:nvPr/>
+      </p:nvGrpSpPr>
+      <p:grpSpPr>
+        <a:xfrm>
+          <a:off x="0" y="0"/>
+          <a:ext cx="0" cy="0"/>
+          <a:chOff x="0" y="0"/>
+          <a:chExt cx="0" cy="0"/>
+        </a:xfrm>
+      </p:grpSpPr>
+      <p:sp>
+        <p:nvSpPr>
+          <p:cNvPr id="2" name="Title 1">
+            <a:extLst>
+              <a:ext uri="{FF2B5EF4-FFF2-40B4-BE49-F238E27FC236}">
+                <a16:creationId xmlns:a16="http://schemas.microsoft.com/office/drawing/2014/main" id="{3D409255-FE8E-7E45-9E84-7C535C2E1F35}"/>
+              </a:ext>
+            </a:extLst>
+          </p:cNvPr>
+          <p:cNvSpPr>
+            <a:spLocks noGrp="1"/>
+          </p:cNvSpPr>
+          <p:nvPr>
+            <p:ph type="title"/>
+          </p:nvPr>
+        </p:nvSpPr>
+        <p:spPr/>
+        <p:txBody>
+          <a:bodyPr/>
+          <a:lstStyle/>
+          <a:p>
+            <a:r>
+              <a:rPr lang="en-US" dirty="0"/>
+              <a:t>Data</a:t>
+            </a:r>
+          </a:p>
+        </p:txBody>
+      </p:sp>
+      <p:sp>
+        <p:nvSpPr>
+          <p:cNvPr id="3" name="Content Placeholder 2">
+            <a:extLst>
+              <a:ext uri="{FF2B5EF4-FFF2-40B4-BE49-F238E27FC236}">
+                <a16:creationId xmlns:a16="http://schemas.microsoft.com/office/drawing/2014/main" id="{8058FAB0-12BB-E548-9E64-C3CC9271C2C8}"/>
+              </a:ext>
+            </a:extLst>
+          </p:cNvPr>
+          <p:cNvSpPr>
+            <a:spLocks noGrp="1"/>
+          </p:cNvSpPr>
+          <p:nvPr>
+            <p:ph idx="1"/>
+          </p:nvPr>
+        </p:nvSpPr>
+        <p:spPr/>
+        <p:txBody>
+          <a:bodyPr/>
+          <a:lstStyle/>
+          <a:p>
+            <a:r>
+              <a:rPr lang="en-US" dirty="0"/>
+              <a:t>Copy and paste the content into the document</a:t>
+            </a:r>
+          </a:p>
+          <a:p>
+            <a:r>
+              <a:rPr lang="en-US" dirty="0"/>
+              <a:t>What are the organizing divisions? </a:t>
+            </a:r>
+            <a:r>
+              <a:rPr lang="en-US" dirty="0" err="1"/>
+              <a:t>Divs</a:t>
+            </a:r>
+            <a:r>
+              <a:rPr lang="en-US" dirty="0"/>
+              <a:t>? Paragraphs? Floating text? Anonymous blocks?</a:t>
+            </a:r>
+          </a:p>
+          <a:p>
+            <a:endParaRPr lang="en-US" dirty="0"/>
+          </a:p>
+        </p:txBody>
+      </p:sp>
+    </p:spTree>
+    <p:extLst>
+      <p:ext uri="{BB962C8B-B14F-4D97-AF65-F5344CB8AC3E}">
+        <p14:creationId xmlns:p14="http://schemas.microsoft.com/office/powerpoint/2010/main" val="3561712712"/>
+      </p:ext>
+    </p:extLst>
+  </p:cSld>
+  <p:clrMapOvr>
+    <a:masterClrMapping/>
+  </p:clrMapOvr>
+</p:sld>
+</file>
+
+<file path=ppt/slides/slide29.xml><?xml version="1.0" encoding="utf-8"?>
+<p:sld xmlns:a="http://schemas.openxmlformats.org/drawingml/2006/main" xmlns:r="http://schemas.openxmlformats.org/officeDocument/2006/relationships" xmlns:p="http://schemas.openxmlformats.org/presentationml/2006/main">
+  <p:cSld>
+    <p:spTree>
+      <p:nvGrpSpPr>
+        <p:cNvPr id="1" name=""/>
+        <p:cNvGrpSpPr/>
+        <p:nvPr/>
+      </p:nvGrpSpPr>
+      <p:grpSpPr>
+        <a:xfrm>
+          <a:off x="0" y="0"/>
+          <a:ext cx="0" cy="0"/>
+          <a:chOff x="0" y="0"/>
+          <a:chExt cx="0" cy="0"/>
+        </a:xfrm>
+      </p:grpSpPr>
+      <p:sp>
+        <p:nvSpPr>
+          <p:cNvPr id="2" name="Title 1">
+            <a:extLst>
+              <a:ext uri="{FF2B5EF4-FFF2-40B4-BE49-F238E27FC236}">
+                <a16:creationId xmlns:a16="http://schemas.microsoft.com/office/drawing/2014/main" id="{D9ACF45D-1AE3-CE49-A9C0-D7EB7E68668B}"/>
+              </a:ext>
+            </a:extLst>
+          </p:cNvPr>
+          <p:cNvSpPr>
+            <a:spLocks noGrp="1"/>
+          </p:cNvSpPr>
+          <p:nvPr>
+            <p:ph type="title"/>
+          </p:nvPr>
+        </p:nvSpPr>
+        <p:spPr/>
+        <p:txBody>
+          <a:bodyPr/>
+          <a:lstStyle/>
+          <a:p>
+            <a:r>
+              <a:rPr lang="en-US" dirty="0"/>
+              <a:t>What are some other features?</a:t>
+            </a:r>
+          </a:p>
+        </p:txBody>
+      </p:sp>
+      <p:sp>
+        <p:nvSpPr>
+          <p:cNvPr id="3" name="Content Placeholder 2">
+            <a:extLst>
+              <a:ext uri="{FF2B5EF4-FFF2-40B4-BE49-F238E27FC236}">
+                <a16:creationId xmlns:a16="http://schemas.microsoft.com/office/drawing/2014/main" id="{BBEAFDAD-ED90-5D4D-AA48-BD405DD225FF}"/>
+              </a:ext>
+            </a:extLst>
+          </p:cNvPr>
+          <p:cNvSpPr>
+            <a:spLocks noGrp="1"/>
+          </p:cNvSpPr>
+          <p:nvPr>
+            <p:ph idx="1"/>
+          </p:nvPr>
+        </p:nvSpPr>
+        <p:spPr/>
+        <p:txBody>
+          <a:bodyPr/>
+          <a:lstStyle/>
+          <a:p>
+            <a:r>
+              <a:rPr lang="en-US" dirty="0"/>
+              <a:t>Names?</a:t>
+            </a:r>
+          </a:p>
+          <a:p>
+            <a:r>
+              <a:rPr lang="en-US" dirty="0"/>
+              <a:t>Dates</a:t>
+            </a:r>
+          </a:p>
+          <a:p>
+            <a:r>
+              <a:rPr lang="en-US" dirty="0"/>
+              <a:t>Notes</a:t>
+            </a:r>
+          </a:p>
+          <a:p>
+            <a:r>
+              <a:rPr lang="en-US" dirty="0"/>
+              <a:t>Editorial apparatus (if you want)</a:t>
+            </a:r>
+          </a:p>
+          <a:p>
+            <a:r>
+              <a:rPr lang="en-US" dirty="0"/>
+              <a:t>Hands</a:t>
+            </a:r>
+          </a:p>
+          <a:p>
+            <a:r>
+              <a:rPr lang="en-US" dirty="0" err="1"/>
+              <a:t>Etc</a:t>
+            </a:r>
+            <a:endParaRPr lang="en-US" dirty="0"/>
+          </a:p>
+        </p:txBody>
+      </p:sp>
+    </p:spTree>
+    <p:extLst>
+      <p:ext uri="{BB962C8B-B14F-4D97-AF65-F5344CB8AC3E}">
+        <p14:creationId xmlns:p14="http://schemas.microsoft.com/office/powerpoint/2010/main" val="3130321688"/>
       </p:ext>
     </p:extLst>
   </p:cSld>
@@ -10434,6 +11048,496 @@
     <p:extLst>
       <p:ext uri="{BB962C8B-B14F-4D97-AF65-F5344CB8AC3E}">
         <p14:creationId xmlns:p14="http://schemas.microsoft.com/office/powerpoint/2010/main" val="2231204792"/>
+      </p:ext>
+    </p:extLst>
+  </p:cSld>
+  <p:clrMapOvr>
+    <a:masterClrMapping/>
+  </p:clrMapOvr>
+</p:sld>
+</file>
+
+<file path=ppt/slides/slide30.xml><?xml version="1.0" encoding="utf-8"?>
+<p:sld xmlns:a="http://schemas.openxmlformats.org/drawingml/2006/main" xmlns:r="http://schemas.openxmlformats.org/officeDocument/2006/relationships" xmlns:p="http://schemas.openxmlformats.org/presentationml/2006/main">
+  <p:cSld>
+    <p:spTree>
+      <p:nvGrpSpPr>
+        <p:cNvPr id="1" name=""/>
+        <p:cNvGrpSpPr/>
+        <p:nvPr/>
+      </p:nvGrpSpPr>
+      <p:grpSpPr>
+        <a:xfrm>
+          <a:off x="0" y="0"/>
+          <a:ext cx="0" cy="0"/>
+          <a:chOff x="0" y="0"/>
+          <a:chExt cx="0" cy="0"/>
+        </a:xfrm>
+      </p:grpSpPr>
+      <p:sp>
+        <p:nvSpPr>
+          <p:cNvPr id="2" name="Title 1">
+            <a:extLst>
+              <a:ext uri="{FF2B5EF4-FFF2-40B4-BE49-F238E27FC236}">
+                <a16:creationId xmlns:a16="http://schemas.microsoft.com/office/drawing/2014/main" id="{0DD1222C-2608-5840-907B-3CBC0771D127}"/>
+              </a:ext>
+            </a:extLst>
+          </p:cNvPr>
+          <p:cNvSpPr>
+            <a:spLocks noGrp="1"/>
+          </p:cNvSpPr>
+          <p:nvPr>
+            <p:ph type="title"/>
+          </p:nvPr>
+        </p:nvSpPr>
+        <p:spPr/>
+        <p:txBody>
+          <a:bodyPr/>
+          <a:lstStyle/>
+          <a:p>
+            <a:r>
+              <a:rPr lang="en-US" dirty="0"/>
+              <a:t>Tools</a:t>
+            </a:r>
+          </a:p>
+        </p:txBody>
+      </p:sp>
+      <p:sp>
+        <p:nvSpPr>
+          <p:cNvPr id="3" name="Content Placeholder 2">
+            <a:extLst>
+              <a:ext uri="{FF2B5EF4-FFF2-40B4-BE49-F238E27FC236}">
+                <a16:creationId xmlns:a16="http://schemas.microsoft.com/office/drawing/2014/main" id="{ADA09E84-E57E-8543-828B-182957722E2E}"/>
+              </a:ext>
+            </a:extLst>
+          </p:cNvPr>
+          <p:cNvSpPr>
+            <a:spLocks noGrp="1"/>
+          </p:cNvSpPr>
+          <p:nvPr>
+            <p:ph idx="1"/>
+          </p:nvPr>
+        </p:nvSpPr>
+        <p:spPr/>
+        <p:txBody>
+          <a:bodyPr/>
+          <a:lstStyle/>
+          <a:p>
+            <a:r>
+              <a:rPr lang="en-US" dirty="0"/>
+              <a:t>Download your XML file</a:t>
+            </a:r>
+          </a:p>
+          <a:p>
+            <a:r>
+              <a:rPr lang="en-US" dirty="0"/>
+              <a:t>And now, in the index page, look for the tools:</a:t>
+            </a:r>
+          </a:p>
+          <a:p>
+            <a:r>
+              <a:rPr lang="en-US" dirty="0"/>
+              <a:t>TEI Validator</a:t>
+            </a:r>
+          </a:p>
+          <a:p>
+            <a:r>
+              <a:rPr lang="en-US" dirty="0"/>
+              <a:t>TEI Toolkit</a:t>
+            </a:r>
+          </a:p>
+          <a:p>
+            <a:r>
+              <a:rPr lang="en-US" dirty="0" err="1"/>
+              <a:t>OxGarage</a:t>
+            </a:r>
+            <a:endParaRPr lang="en-US" dirty="0"/>
+          </a:p>
+        </p:txBody>
+      </p:sp>
+    </p:spTree>
+    <p:extLst>
+      <p:ext uri="{BB962C8B-B14F-4D97-AF65-F5344CB8AC3E}">
+        <p14:creationId xmlns:p14="http://schemas.microsoft.com/office/powerpoint/2010/main" val="1495668313"/>
+      </p:ext>
+    </p:extLst>
+  </p:cSld>
+  <p:clrMapOvr>
+    <a:masterClrMapping/>
+  </p:clrMapOvr>
+</p:sld>
+</file>
+
+<file path=ppt/slides/slide31.xml><?xml version="1.0" encoding="utf-8"?>
+<p:sld xmlns:a="http://schemas.openxmlformats.org/drawingml/2006/main" xmlns:r="http://schemas.openxmlformats.org/officeDocument/2006/relationships" xmlns:p="http://schemas.openxmlformats.org/presentationml/2006/main">
+  <p:cSld>
+    <p:spTree>
+      <p:nvGrpSpPr>
+        <p:cNvPr id="1" name=""/>
+        <p:cNvGrpSpPr/>
+        <p:nvPr/>
+      </p:nvGrpSpPr>
+      <p:grpSpPr>
+        <a:xfrm>
+          <a:off x="0" y="0"/>
+          <a:ext cx="0" cy="0"/>
+          <a:chOff x="0" y="0"/>
+          <a:chExt cx="0" cy="0"/>
+        </a:xfrm>
+      </p:grpSpPr>
+      <p:sp>
+        <p:nvSpPr>
+          <p:cNvPr id="2" name="Title 1">
+            <a:extLst>
+              <a:ext uri="{FF2B5EF4-FFF2-40B4-BE49-F238E27FC236}">
+                <a16:creationId xmlns:a16="http://schemas.microsoft.com/office/drawing/2014/main" id="{895B9390-0B86-9F4A-B29E-09155C31F9AD}"/>
+              </a:ext>
+            </a:extLst>
+          </p:cNvPr>
+          <p:cNvSpPr>
+            <a:spLocks noGrp="1"/>
+          </p:cNvSpPr>
+          <p:nvPr>
+            <p:ph type="title"/>
+          </p:nvPr>
+        </p:nvSpPr>
+        <p:spPr/>
+        <p:txBody>
+          <a:bodyPr/>
+          <a:lstStyle/>
+          <a:p>
+            <a:r>
+              <a:rPr lang="en-US" dirty="0"/>
+              <a:t>Validator</a:t>
+            </a:r>
+          </a:p>
+        </p:txBody>
+      </p:sp>
+      <p:sp>
+        <p:nvSpPr>
+          <p:cNvPr id="3" name="Content Placeholder 2">
+            <a:extLst>
+              <a:ext uri="{FF2B5EF4-FFF2-40B4-BE49-F238E27FC236}">
+                <a16:creationId xmlns:a16="http://schemas.microsoft.com/office/drawing/2014/main" id="{313A2C4A-D4FD-5042-86CE-9FC027FCD537}"/>
+              </a:ext>
+            </a:extLst>
+          </p:cNvPr>
+          <p:cNvSpPr>
+            <a:spLocks noGrp="1"/>
+          </p:cNvSpPr>
+          <p:nvPr>
+            <p:ph idx="1"/>
+          </p:nvPr>
+        </p:nvSpPr>
+        <p:spPr/>
+        <p:txBody>
+          <a:bodyPr/>
+          <a:lstStyle/>
+          <a:p>
+            <a:r>
+              <a:rPr lang="en-US" dirty="0"/>
+              <a:t>Validate your file</a:t>
+            </a:r>
+          </a:p>
+        </p:txBody>
+      </p:sp>
+    </p:spTree>
+    <p:extLst>
+      <p:ext uri="{BB962C8B-B14F-4D97-AF65-F5344CB8AC3E}">
+        <p14:creationId xmlns:p14="http://schemas.microsoft.com/office/powerpoint/2010/main" val="1201985249"/>
+      </p:ext>
+    </p:extLst>
+  </p:cSld>
+  <p:clrMapOvr>
+    <a:masterClrMapping/>
+  </p:clrMapOvr>
+</p:sld>
+</file>
+
+<file path=ppt/slides/slide32.xml><?xml version="1.0" encoding="utf-8"?>
+<p:sld xmlns:a="http://schemas.openxmlformats.org/drawingml/2006/main" xmlns:r="http://schemas.openxmlformats.org/officeDocument/2006/relationships" xmlns:p="http://schemas.openxmlformats.org/presentationml/2006/main">
+  <p:cSld>
+    <p:spTree>
+      <p:nvGrpSpPr>
+        <p:cNvPr id="1" name=""/>
+        <p:cNvGrpSpPr/>
+        <p:nvPr/>
+      </p:nvGrpSpPr>
+      <p:grpSpPr>
+        <a:xfrm>
+          <a:off x="0" y="0"/>
+          <a:ext cx="0" cy="0"/>
+          <a:chOff x="0" y="0"/>
+          <a:chExt cx="0" cy="0"/>
+        </a:xfrm>
+      </p:grpSpPr>
+      <p:sp>
+        <p:nvSpPr>
+          <p:cNvPr id="2" name="Title 1">
+            <a:extLst>
+              <a:ext uri="{FF2B5EF4-FFF2-40B4-BE49-F238E27FC236}">
+                <a16:creationId xmlns:a16="http://schemas.microsoft.com/office/drawing/2014/main" id="{891D3EB5-9584-E544-8F7D-A94D0FE7AA4D}"/>
+              </a:ext>
+            </a:extLst>
+          </p:cNvPr>
+          <p:cNvSpPr>
+            <a:spLocks noGrp="1"/>
+          </p:cNvSpPr>
+          <p:nvPr>
+            <p:ph type="title"/>
+          </p:nvPr>
+        </p:nvSpPr>
+        <p:spPr/>
+        <p:txBody>
+          <a:bodyPr/>
+          <a:lstStyle/>
+          <a:p>
+            <a:r>
+              <a:rPr lang="en-US" dirty="0"/>
+              <a:t>TOOLKIT</a:t>
+            </a:r>
+          </a:p>
+        </p:txBody>
+      </p:sp>
+      <p:sp>
+        <p:nvSpPr>
+          <p:cNvPr id="3" name="Content Placeholder 2">
+            <a:extLst>
+              <a:ext uri="{FF2B5EF4-FFF2-40B4-BE49-F238E27FC236}">
+                <a16:creationId xmlns:a16="http://schemas.microsoft.com/office/drawing/2014/main" id="{EBFB2EEB-39FD-A342-8F9D-05D65DD7AAC8}"/>
+              </a:ext>
+            </a:extLst>
+          </p:cNvPr>
+          <p:cNvSpPr>
+            <a:spLocks noGrp="1"/>
+          </p:cNvSpPr>
+          <p:nvPr>
+            <p:ph idx="1"/>
+          </p:nvPr>
+        </p:nvSpPr>
+        <p:spPr/>
+        <p:txBody>
+          <a:bodyPr/>
+          <a:lstStyle/>
+          <a:p>
+            <a:r>
+              <a:rPr lang="en-US" dirty="0"/>
+              <a:t>Check your encoding</a:t>
+            </a:r>
+          </a:p>
+          <a:p>
+            <a:r>
+              <a:rPr lang="en-US" dirty="0"/>
+              <a:t>Convert to a PDF</a:t>
+            </a:r>
+          </a:p>
+        </p:txBody>
+      </p:sp>
+    </p:spTree>
+    <p:extLst>
+      <p:ext uri="{BB962C8B-B14F-4D97-AF65-F5344CB8AC3E}">
+        <p14:creationId xmlns:p14="http://schemas.microsoft.com/office/powerpoint/2010/main" val="1474677422"/>
+      </p:ext>
+    </p:extLst>
+  </p:cSld>
+  <p:clrMapOvr>
+    <a:masterClrMapping/>
+  </p:clrMapOvr>
+</p:sld>
+</file>
+
+<file path=ppt/slides/slide33.xml><?xml version="1.0" encoding="utf-8"?>
+<p:sld xmlns:a="http://schemas.openxmlformats.org/drawingml/2006/main" xmlns:r="http://schemas.openxmlformats.org/officeDocument/2006/relationships" xmlns:p="http://schemas.openxmlformats.org/presentationml/2006/main">
+  <p:cSld>
+    <p:spTree>
+      <p:nvGrpSpPr>
+        <p:cNvPr id="1" name=""/>
+        <p:cNvGrpSpPr/>
+        <p:nvPr/>
+      </p:nvGrpSpPr>
+      <p:grpSpPr>
+        <a:xfrm>
+          <a:off x="0" y="0"/>
+          <a:ext cx="0" cy="0"/>
+          <a:chOff x="0" y="0"/>
+          <a:chExt cx="0" cy="0"/>
+        </a:xfrm>
+      </p:grpSpPr>
+      <p:sp>
+        <p:nvSpPr>
+          <p:cNvPr id="2" name="Title 1">
+            <a:extLst>
+              <a:ext uri="{FF2B5EF4-FFF2-40B4-BE49-F238E27FC236}">
+                <a16:creationId xmlns:a16="http://schemas.microsoft.com/office/drawing/2014/main" id="{C3BDCF5D-7903-5440-B783-8225FE8E609D}"/>
+              </a:ext>
+            </a:extLst>
+          </p:cNvPr>
+          <p:cNvSpPr>
+            <a:spLocks noGrp="1"/>
+          </p:cNvSpPr>
+          <p:nvPr>
+            <p:ph type="title"/>
+          </p:nvPr>
+        </p:nvSpPr>
+        <p:spPr/>
+        <p:txBody>
+          <a:bodyPr/>
+          <a:lstStyle/>
+          <a:p>
+            <a:r>
+              <a:rPr lang="en-US" dirty="0" err="1"/>
+              <a:t>OXgarage</a:t>
+            </a:r>
+            <a:endParaRPr lang="en-US" dirty="0"/>
+          </a:p>
+        </p:txBody>
+      </p:sp>
+      <p:sp>
+        <p:nvSpPr>
+          <p:cNvPr id="3" name="Content Placeholder 2">
+            <a:extLst>
+              <a:ext uri="{FF2B5EF4-FFF2-40B4-BE49-F238E27FC236}">
+                <a16:creationId xmlns:a16="http://schemas.microsoft.com/office/drawing/2014/main" id="{C27D96B3-5ECF-E14F-B3FF-1D09383DED9F}"/>
+              </a:ext>
+            </a:extLst>
+          </p:cNvPr>
+          <p:cNvSpPr>
+            <a:spLocks noGrp="1"/>
+          </p:cNvSpPr>
+          <p:nvPr>
+            <p:ph idx="1"/>
+          </p:nvPr>
+        </p:nvSpPr>
+        <p:spPr/>
+        <p:txBody>
+          <a:bodyPr/>
+          <a:lstStyle/>
+          <a:p>
+            <a:r>
+              <a:rPr lang="en-US" dirty="0"/>
+              <a:t>Convert to a word document</a:t>
+            </a:r>
+          </a:p>
+          <a:p>
+            <a:r>
+              <a:rPr lang="en-US" dirty="0"/>
+              <a:t>Convert to a PDF</a:t>
+            </a:r>
+          </a:p>
+        </p:txBody>
+      </p:sp>
+    </p:spTree>
+    <p:extLst>
+      <p:ext uri="{BB962C8B-B14F-4D97-AF65-F5344CB8AC3E}">
+        <p14:creationId xmlns:p14="http://schemas.microsoft.com/office/powerpoint/2010/main" val="2881801208"/>
+      </p:ext>
+    </p:extLst>
+  </p:cSld>
+  <p:clrMapOvr>
+    <a:masterClrMapping/>
+  </p:clrMapOvr>
+</p:sld>
+</file>
+
+<file path=ppt/slides/slide34.xml><?xml version="1.0" encoding="utf-8"?>
+<p:sld xmlns:a="http://schemas.openxmlformats.org/drawingml/2006/main" xmlns:r="http://schemas.openxmlformats.org/officeDocument/2006/relationships" xmlns:p="http://schemas.openxmlformats.org/presentationml/2006/main">
+  <p:cSld>
+    <p:spTree>
+      <p:nvGrpSpPr>
+        <p:cNvPr id="1" name=""/>
+        <p:cNvGrpSpPr/>
+        <p:nvPr/>
+      </p:nvGrpSpPr>
+      <p:grpSpPr>
+        <a:xfrm>
+          <a:off x="0" y="0"/>
+          <a:ext cx="0" cy="0"/>
+          <a:chOff x="0" y="0"/>
+          <a:chExt cx="0" cy="0"/>
+        </a:xfrm>
+      </p:grpSpPr>
+      <p:sp>
+        <p:nvSpPr>
+          <p:cNvPr id="2" name="Title 1">
+            <a:extLst>
+              <a:ext uri="{FF2B5EF4-FFF2-40B4-BE49-F238E27FC236}">
+                <a16:creationId xmlns:a16="http://schemas.microsoft.com/office/drawing/2014/main" id="{65E997D6-B6DA-3C4C-9801-7A3E81BE1639}"/>
+              </a:ext>
+            </a:extLst>
+          </p:cNvPr>
+          <p:cNvSpPr>
+            <a:spLocks noGrp="1"/>
+          </p:cNvSpPr>
+          <p:nvPr>
+            <p:ph type="title"/>
+          </p:nvPr>
+        </p:nvSpPr>
+        <p:spPr/>
+        <p:txBody>
+          <a:bodyPr/>
+          <a:lstStyle/>
+          <a:p>
+            <a:r>
+              <a:rPr lang="en-US" dirty="0"/>
+              <a:t>Thanks!</a:t>
+            </a:r>
+          </a:p>
+        </p:txBody>
+      </p:sp>
+      <p:sp>
+        <p:nvSpPr>
+          <p:cNvPr id="3" name="Content Placeholder 2">
+            <a:extLst>
+              <a:ext uri="{FF2B5EF4-FFF2-40B4-BE49-F238E27FC236}">
+                <a16:creationId xmlns:a16="http://schemas.microsoft.com/office/drawing/2014/main" id="{6235F2DA-A573-5A4A-864E-5E445EAD0CFB}"/>
+              </a:ext>
+            </a:extLst>
+          </p:cNvPr>
+          <p:cNvSpPr>
+            <a:spLocks noGrp="1"/>
+          </p:cNvSpPr>
+          <p:nvPr>
+            <p:ph idx="1"/>
+          </p:nvPr>
+        </p:nvSpPr>
+        <p:spPr/>
+        <p:txBody>
+          <a:bodyPr/>
+          <a:lstStyle/>
+          <a:p>
+            <a:r>
+              <a:rPr lang="en-US" dirty="0"/>
+              <a:t>UBC Libraries, esp. Allan Cho for the invitation!</a:t>
+            </a:r>
+          </a:p>
+          <a:p>
+            <a:r>
+              <a:rPr lang="en-US" dirty="0"/>
+              <a:t>Martin Holmes, Janelle </a:t>
+            </a:r>
+            <a:r>
+              <a:rPr lang="en-US" dirty="0" err="1"/>
+              <a:t>Jenstad</a:t>
+            </a:r>
+            <a:r>
+              <a:rPr lang="en-US" dirty="0"/>
+              <a:t>, The Endings Project, and </a:t>
+            </a:r>
+            <a:r>
+              <a:rPr lang="en-US" dirty="0" err="1"/>
+              <a:t>Uvic’s</a:t>
+            </a:r>
+            <a:r>
+              <a:rPr lang="en-US" dirty="0"/>
+              <a:t> Humanities Media and Computing Center</a:t>
+            </a:r>
+          </a:p>
+        </p:txBody>
+      </p:sp>
+    </p:spTree>
+    <p:extLst>
+      <p:ext uri="{BB962C8B-B14F-4D97-AF65-F5344CB8AC3E}">
+        <p14:creationId xmlns:p14="http://schemas.microsoft.com/office/powerpoint/2010/main" val="63657363"/>
       </p:ext>
     </p:extLst>
   </p:cSld>
@@ -10698,7 +11802,7 @@
           <p:cNvPr id="2" name="Title 1">
             <a:extLst>
               <a:ext uri="{FF2B5EF4-FFF2-40B4-BE49-F238E27FC236}">
-                <a16:creationId xmlns:a16="http://schemas.microsoft.com/office/drawing/2014/main" id="{1552E11F-3A16-1741-9AAC-70A51FFC5279}"/>
+                <a16:creationId xmlns:a16="http://schemas.microsoft.com/office/drawing/2014/main" id="{14156061-7A12-0C45-824E-798206A88B74}"/>
               </a:ext>
             </a:extLst>
           </p:cNvPr>
@@ -10716,7 +11820,7 @@
           <a:p>
             <a:r>
               <a:rPr lang="en-US" dirty="0"/>
-              <a:t>XML</a:t>
+              <a:t>XML Explained</a:t>
             </a:r>
           </a:p>
         </p:txBody>
@@ -10726,7 +11830,7 @@
           <p:cNvPr id="3" name="Content Placeholder 2">
             <a:extLst>
               <a:ext uri="{FF2B5EF4-FFF2-40B4-BE49-F238E27FC236}">
-                <a16:creationId xmlns:a16="http://schemas.microsoft.com/office/drawing/2014/main" id="{75D1E952-2228-7E44-AB0F-00BB508DFCD0}"/>
+                <a16:creationId xmlns:a16="http://schemas.microsoft.com/office/drawing/2014/main" id="{31C984DA-A01C-8549-82F1-96C92B3A4420}"/>
               </a:ext>
             </a:extLst>
           </p:cNvPr>
@@ -10739,34 +11843,15 @@
         </p:nvSpPr>
         <p:spPr/>
         <p:txBody>
-          <a:bodyPr/>
-          <a:lstStyle/>
-          <a:p>
-            <a:r>
-              <a:rPr lang="en-US" dirty="0"/>
-              <a:t>Elements have start and end tags:</a:t>
-            </a:r>
-          </a:p>
-          <a:p>
-            <a:r>
-              <a:rPr lang="en-US" dirty="0"/>
-              <a:t>&lt;element&gt;Word&lt;/element&gt;</a:t>
-            </a:r>
-          </a:p>
-          <a:p>
+          <a:bodyPr>
+            <a:normAutofit/>
+          </a:bodyPr>
+          <a:lstStyle/>
+          <a:p>
+            <a:pPr marL="457200" lvl="1" indent="0">
+              <a:buNone/>
+            </a:pPr>
             <a:endParaRPr lang="en-US" dirty="0"/>
-          </a:p>
-          <a:p>
-            <a:r>
-              <a:rPr lang="en-US" dirty="0"/>
-              <a:t>If elements have no textual content, then they can look like this (a self-closing element):</a:t>
-            </a:r>
-          </a:p>
-          <a:p>
-            <a:r>
-              <a:rPr lang="en-US" dirty="0"/>
-              <a:t>&lt;element/&gt;</a:t>
-            </a:r>
           </a:p>
           <a:p>
             <a:endParaRPr lang="en-US" dirty="0"/>
@@ -10779,7 +11864,7 @@
     </p:spTree>
     <p:extLst>
       <p:ext uri="{BB962C8B-B14F-4D97-AF65-F5344CB8AC3E}">
-        <p14:creationId xmlns:p14="http://schemas.microsoft.com/office/powerpoint/2010/main" val="1073703557"/>
+        <p14:creationId xmlns:p14="http://schemas.microsoft.com/office/powerpoint/2010/main" val="4124139350"/>
       </p:ext>
     </p:extLst>
   </p:cSld>
@@ -10811,7 +11896,7 @@
           <p:cNvPr id="2" name="Title 1">
             <a:extLst>
               <a:ext uri="{FF2B5EF4-FFF2-40B4-BE49-F238E27FC236}">
-                <a16:creationId xmlns:a16="http://schemas.microsoft.com/office/drawing/2014/main" id="{C50ABA49-8FE3-BF46-AD58-3259B10F30C2}"/>
+                <a16:creationId xmlns:a16="http://schemas.microsoft.com/office/drawing/2014/main" id="{14156061-7A12-0C45-824E-798206A88B74}"/>
               </a:ext>
             </a:extLst>
           </p:cNvPr>
@@ -10827,7 +11912,10 @@
           <a:bodyPr/>
           <a:lstStyle/>
           <a:p>
-            <a:endParaRPr lang="en-US" dirty="0"/>
+            <a:r>
+              <a:rPr lang="en-US" dirty="0"/>
+              <a:t>XML Explained</a:t>
+            </a:r>
           </a:p>
         </p:txBody>
       </p:sp>
@@ -10836,7 +11924,7 @@
           <p:cNvPr id="3" name="Content Placeholder 2">
             <a:extLst>
               <a:ext uri="{FF2B5EF4-FFF2-40B4-BE49-F238E27FC236}">
-                <a16:creationId xmlns:a16="http://schemas.microsoft.com/office/drawing/2014/main" id="{6ED53A46-B6DF-1B46-95A2-AE20D6B898C2}"/>
+                <a16:creationId xmlns:a16="http://schemas.microsoft.com/office/drawing/2014/main" id="{31C984DA-A01C-8549-82F1-96C92B3A4420}"/>
               </a:ext>
             </a:extLst>
           </p:cNvPr>
@@ -10849,17 +11937,45 @@
         </p:nvSpPr>
         <p:spPr/>
         <p:txBody>
-          <a:bodyPr/>
-          <a:lstStyle/>
-          <a:p>
-            <a:endParaRPr lang="en-US"/>
+          <a:bodyPr>
+            <a:normAutofit/>
+          </a:bodyPr>
+          <a:lstStyle/>
+          <a:p>
+            <a:r>
+              <a:rPr lang="en-US" dirty="0"/>
+              <a:t>The two pointy brackets is called an </a:t>
+            </a:r>
+            <a:r>
+              <a:rPr lang="en-US" b="1" dirty="0"/>
+              <a:t>element </a:t>
+            </a:r>
+          </a:p>
+          <a:p>
+            <a:pPr lvl="1"/>
+            <a:r>
+              <a:rPr lang="en-US" dirty="0"/>
+              <a:t>E.g. &lt;book&gt; would be called the book element</a:t>
+            </a:r>
+          </a:p>
+          <a:p>
+            <a:pPr marL="457200" lvl="1" indent="0">
+              <a:buNone/>
+            </a:pPr>
+            <a:endParaRPr lang="en-US" dirty="0"/>
+          </a:p>
+          <a:p>
+            <a:endParaRPr lang="en-US" dirty="0"/>
+          </a:p>
+          <a:p>
+            <a:endParaRPr lang="en-US" dirty="0"/>
           </a:p>
         </p:txBody>
       </p:sp>
     </p:spTree>
     <p:extLst>
       <p:ext uri="{BB962C8B-B14F-4D97-AF65-F5344CB8AC3E}">
-        <p14:creationId xmlns:p14="http://schemas.microsoft.com/office/powerpoint/2010/main" val="985049809"/>
+        <p14:creationId xmlns:p14="http://schemas.microsoft.com/office/powerpoint/2010/main" val="2928465469"/>
       </p:ext>
     </p:extLst>
   </p:cSld>
@@ -10891,7 +12007,7 @@
           <p:cNvPr id="2" name="Title 1">
             <a:extLst>
               <a:ext uri="{FF2B5EF4-FFF2-40B4-BE49-F238E27FC236}">
-                <a16:creationId xmlns:a16="http://schemas.microsoft.com/office/drawing/2014/main" id="{A6622A91-9A2A-814B-9522-5689173E7CBF}"/>
+                <a16:creationId xmlns:a16="http://schemas.microsoft.com/office/drawing/2014/main" id="{14156061-7A12-0C45-824E-798206A88B74}"/>
               </a:ext>
             </a:extLst>
           </p:cNvPr>
@@ -10909,7 +12025,7 @@
           <a:p>
             <a:r>
               <a:rPr lang="en-US" dirty="0"/>
-              <a:t>Why do we encode?</a:t>
+              <a:t>XML Explained</a:t>
             </a:r>
           </a:p>
         </p:txBody>
@@ -10919,7 +12035,7 @@
           <p:cNvPr id="3" name="Content Placeholder 2">
             <a:extLst>
               <a:ext uri="{FF2B5EF4-FFF2-40B4-BE49-F238E27FC236}">
-                <a16:creationId xmlns:a16="http://schemas.microsoft.com/office/drawing/2014/main" id="{EB716BCD-F9EE-8A4D-BF65-FA60B90942B6}"/>
+                <a16:creationId xmlns:a16="http://schemas.microsoft.com/office/drawing/2014/main" id="{31C984DA-A01C-8549-82F1-96C92B3A4420}"/>
               </a:ext>
             </a:extLst>
           </p:cNvPr>
@@ -10932,31 +12048,60 @@
         </p:nvSpPr>
         <p:spPr/>
         <p:txBody>
-          <a:bodyPr/>
-          <a:lstStyle/>
-          <a:p>
-            <a:r>
-              <a:rPr lang="en-US" dirty="0"/>
-              <a:t>Interpretation</a:t>
-            </a:r>
-          </a:p>
-          <a:p>
-            <a:r>
-              <a:rPr lang="en-US" dirty="0"/>
-              <a:t>Usability (text mining, et cetera)</a:t>
-            </a:r>
-          </a:p>
-          <a:p>
-            <a:r>
-              <a:rPr lang="en-US" dirty="0"/>
-              <a:t>Interoperability</a:t>
-            </a:r>
-          </a:p>
-          <a:p>
-            <a:r>
-              <a:rPr lang="en-US" dirty="0"/>
-              <a:t>Preservation</a:t>
-            </a:r>
+          <a:bodyPr>
+            <a:normAutofit/>
+          </a:bodyPr>
+          <a:lstStyle/>
+          <a:p>
+            <a:r>
+              <a:rPr lang="en-US" dirty="0"/>
+              <a:t>The two pointy brackets is called an </a:t>
+            </a:r>
+            <a:r>
+              <a:rPr lang="en-US" b="1" dirty="0"/>
+              <a:t>element </a:t>
+            </a:r>
+          </a:p>
+          <a:p>
+            <a:pPr lvl="1"/>
+            <a:r>
+              <a:rPr lang="en-US" dirty="0"/>
+              <a:t>E.g. &lt;book&gt; would be called the book element</a:t>
+            </a:r>
+          </a:p>
+          <a:p>
+            <a:r>
+              <a:rPr lang="en-US" dirty="0"/>
+              <a:t>All elements have </a:t>
+            </a:r>
+            <a:r>
+              <a:rPr lang="en-US" b="1" dirty="0"/>
+              <a:t>start </a:t>
+            </a:r>
+            <a:r>
+              <a:rPr lang="en-US" dirty="0"/>
+              <a:t>and </a:t>
+            </a:r>
+            <a:r>
+              <a:rPr lang="en-US" b="1" dirty="0"/>
+              <a:t>end tags</a:t>
+            </a:r>
+          </a:p>
+          <a:p>
+            <a:pPr lvl="1"/>
+            <a:r>
+              <a:rPr lang="en-US" dirty="0"/>
+              <a:t>E.g. &lt;book&gt; is the start tag and &lt;/book&gt; is the end tag</a:t>
+            </a:r>
+          </a:p>
+          <a:p>
+            <a:pPr marL="457200" lvl="1" indent="0">
+              <a:buNone/>
+            </a:pPr>
+            <a:endParaRPr lang="en-US" dirty="0"/>
+          </a:p>
+          <a:p>
+            <a:endParaRPr lang="en-US" dirty="0"/>
           </a:p>
           <a:p>
             <a:endParaRPr lang="en-US" dirty="0"/>
@@ -10966,7 +12111,7 @@
     </p:spTree>
     <p:extLst>
       <p:ext uri="{BB962C8B-B14F-4D97-AF65-F5344CB8AC3E}">
-        <p14:creationId xmlns:p14="http://schemas.microsoft.com/office/powerpoint/2010/main" val="2124546427"/>
+        <p14:creationId xmlns:p14="http://schemas.microsoft.com/office/powerpoint/2010/main" val="2224174833"/>
       </p:ext>
     </p:extLst>
   </p:cSld>
@@ -10979,14 +12124,6 @@
 <file path=ppt/slides/slide8.xml><?xml version="1.0" encoding="utf-8"?>
 <p:sld xmlns:a="http://schemas.openxmlformats.org/drawingml/2006/main" xmlns:r="http://schemas.openxmlformats.org/officeDocument/2006/relationships" xmlns:p="http://schemas.openxmlformats.org/presentationml/2006/main">
   <p:cSld>
-    <p:bg>
-      <p:bgPr>
-        <a:solidFill>
-          <a:schemeClr val="bg1"/>
-        </a:solidFill>
-        <a:effectLst/>
-      </p:bgPr>
-    </p:bg>
     <p:spTree>
       <p:nvGrpSpPr>
         <p:cNvPr id="1" name=""/>
@@ -11006,7 +12143,7 @@
           <p:cNvPr id="2" name="Title 1">
             <a:extLst>
               <a:ext uri="{FF2B5EF4-FFF2-40B4-BE49-F238E27FC236}">
-                <a16:creationId xmlns:a16="http://schemas.microsoft.com/office/drawing/2014/main" id="{039A2126-D485-C049-B5D0-A9928865E35B}"/>
+                <a16:creationId xmlns:a16="http://schemas.microsoft.com/office/drawing/2014/main" id="{14156061-7A12-0C45-824E-798206A88B74}"/>
               </a:ext>
             </a:extLst>
           </p:cNvPr>
@@ -11017,31 +12154,24 @@
             <p:ph type="title"/>
           </p:nvPr>
         </p:nvSpPr>
-        <p:spPr>
-          <a:xfrm>
-            <a:off x="1024128" y="585216"/>
-            <a:ext cx="6066818" cy="1499616"/>
-          </a:xfrm>
-        </p:spPr>
-        <p:txBody>
-          <a:bodyPr>
-            <a:normAutofit/>
-          </a:bodyPr>
-          <a:lstStyle/>
-          <a:p>
-            <a:r>
-              <a:rPr lang="en-US" dirty="0"/>
-              <a:t>What are we encoding today?</a:t>
-            </a:r>
-          </a:p>
-        </p:txBody>
-      </p:sp>
-      <p:sp>
-        <p:nvSpPr>
-          <p:cNvPr id="10" name="Content Placeholder 9">
+        <p:spPr/>
+        <p:txBody>
+          <a:bodyPr/>
+          <a:lstStyle/>
+          <a:p>
+            <a:r>
+              <a:rPr lang="en-US" dirty="0"/>
+              <a:t>XML Explained</a:t>
+            </a:r>
+          </a:p>
+        </p:txBody>
+      </p:sp>
+      <p:sp>
+        <p:nvSpPr>
+          <p:cNvPr id="3" name="Content Placeholder 2">
             <a:extLst>
               <a:ext uri="{FF2B5EF4-FFF2-40B4-BE49-F238E27FC236}">
-                <a16:creationId xmlns:a16="http://schemas.microsoft.com/office/drawing/2014/main" id="{94E11C28-844D-43B7-918F-152BE6090778}"/>
+                <a16:creationId xmlns:a16="http://schemas.microsoft.com/office/drawing/2014/main" id="{31C984DA-A01C-8549-82F1-96C92B3A4420}"/>
               </a:ext>
             </a:extLst>
           </p:cNvPr>
@@ -11052,12 +12182,7 @@
             <p:ph idx="1"/>
           </p:nvPr>
         </p:nvSpPr>
-        <p:spPr>
-          <a:xfrm>
-            <a:off x="1024128" y="2286000"/>
-            <a:ext cx="6066818" cy="4023360"/>
-          </a:xfrm>
-        </p:spPr>
+        <p:spPr/>
         <p:txBody>
           <a:bodyPr>
             <a:normAutofit/>
@@ -11066,89 +12191,71 @@
           <a:p>
             <a:r>
               <a:rPr lang="en-US" dirty="0"/>
-              <a:t>Description: </a:t>
-            </a:r>
-            <a:r>
-              <a:rPr lang="en-CA" dirty="0"/>
-              <a:t>A letter thrown off of the Princess Kathleen in a bottle, June 4, 1939 by Marvin </a:t>
-            </a:r>
-            <a:r>
-              <a:rPr lang="en-CA" dirty="0" err="1"/>
-              <a:t>Lunder</a:t>
-            </a:r>
-            <a:r>
-              <a:rPr lang="en-CA" dirty="0"/>
-              <a:t> and Dick de Remer of Tacoma Washington, and found in October by W[</a:t>
-            </a:r>
-            <a:r>
-              <a:rPr lang="en-CA" dirty="0" err="1"/>
-              <a:t>illiam</a:t>
-            </a:r>
-            <a:r>
-              <a:rPr lang="en-CA" dirty="0"/>
-              <a:t>] B. D. </a:t>
-            </a:r>
-            <a:r>
-              <a:rPr lang="en-CA" dirty="0" err="1"/>
-              <a:t>Firmming</a:t>
-            </a:r>
-            <a:r>
-              <a:rPr lang="en-CA" dirty="0"/>
-              <a:t> on </a:t>
-            </a:r>
-            <a:r>
-              <a:rPr lang="en-CA" dirty="0" err="1"/>
-              <a:t>Whilby</a:t>
-            </a:r>
-            <a:r>
-              <a:rPr lang="en-CA" dirty="0"/>
-              <a:t> Island.</a:t>
-            </a:r>
-          </a:p>
-          <a:p>
-            <a:r>
-              <a:rPr lang="en-CA" dirty="0"/>
-              <a:t>Source: Original Format: University of British Columbia. Library. Rare Books and Special Collections. The Chung Collection. CC-TX-151-18</a:t>
-            </a:r>
-          </a:p>
-          <a:p>
+              <a:t>The two pointy brackets is called an </a:t>
+            </a:r>
+            <a:r>
+              <a:rPr lang="en-US" b="1" dirty="0"/>
+              <a:t>element </a:t>
+            </a:r>
+          </a:p>
+          <a:p>
+            <a:pPr lvl="1"/>
+            <a:r>
+              <a:rPr lang="en-US" dirty="0"/>
+              <a:t>E.g. &lt;book&gt; would be called the book element</a:t>
+            </a:r>
+          </a:p>
+          <a:p>
+            <a:r>
+              <a:rPr lang="en-US" dirty="0"/>
+              <a:t>All elements have </a:t>
+            </a:r>
+            <a:r>
+              <a:rPr lang="en-US" b="1" dirty="0"/>
+              <a:t>start </a:t>
+            </a:r>
+            <a:r>
+              <a:rPr lang="en-US" dirty="0"/>
+              <a:t>and </a:t>
+            </a:r>
+            <a:r>
+              <a:rPr lang="en-US" b="1" dirty="0"/>
+              <a:t>end tags</a:t>
+            </a:r>
+          </a:p>
+          <a:p>
+            <a:pPr lvl="1"/>
+            <a:r>
+              <a:rPr lang="en-US" dirty="0"/>
+              <a:t>E.g.</a:t>
+            </a:r>
+            <a:r>
+              <a:rPr lang="en-US" b="1" dirty="0"/>
+              <a:t> </a:t>
+            </a:r>
+            <a:r>
+              <a:rPr lang="en-US" dirty="0"/>
+              <a:t>&lt;book&gt; is the start tag and &lt;/book&gt; is the end tag</a:t>
+            </a:r>
+          </a:p>
+          <a:p>
+            <a:pPr marL="457200" lvl="1" indent="0">
+              <a:buNone/>
+            </a:pPr>
             <a:endParaRPr lang="en-US" dirty="0"/>
           </a:p>
-        </p:txBody>
-      </p:sp>
-      <p:pic>
-        <p:nvPicPr>
-          <p:cNvPr id="8" name="Content Placeholder 4">
-            <a:extLst>
-              <a:ext uri="{FF2B5EF4-FFF2-40B4-BE49-F238E27FC236}">
-                <a16:creationId xmlns:a16="http://schemas.microsoft.com/office/drawing/2014/main" id="{562EFFB9-7C1F-E542-BD23-A72ED74945FD}"/>
-              </a:ext>
-            </a:extLst>
-          </p:cNvPr>
-          <p:cNvPicPr>
-            <a:picLocks noChangeAspect="1"/>
-          </p:cNvPicPr>
-          <p:nvPr/>
-        </p:nvPicPr>
-        <p:blipFill rotWithShape="1">
-          <a:blip r:embed="rId2"/>
-          <a:srcRect r="1" b="6511"/>
-          <a:stretch/>
-        </p:blipFill>
-        <p:spPr>
-          <a:xfrm>
-            <a:off x="7552266" y="10"/>
-            <a:ext cx="4639733" cy="6857990"/>
-          </a:xfrm>
-          <a:prstGeom prst="rect">
-            <a:avLst/>
-          </a:prstGeom>
-        </p:spPr>
-      </p:pic>
+          <a:p>
+            <a:endParaRPr lang="en-US" dirty="0"/>
+          </a:p>
+          <a:p>
+            <a:endParaRPr lang="en-US" dirty="0"/>
+          </a:p>
+        </p:txBody>
+      </p:sp>
     </p:spTree>
     <p:extLst>
       <p:ext uri="{BB962C8B-B14F-4D97-AF65-F5344CB8AC3E}">
-        <p14:creationId xmlns:p14="http://schemas.microsoft.com/office/powerpoint/2010/main" val="3265316558"/>
+        <p14:creationId xmlns:p14="http://schemas.microsoft.com/office/powerpoint/2010/main" val="1878169077"/>
       </p:ext>
     </p:extLst>
   </p:cSld>
@@ -11180,7 +12287,7 @@
           <p:cNvPr id="2" name="Title 1">
             <a:extLst>
               <a:ext uri="{FF2B5EF4-FFF2-40B4-BE49-F238E27FC236}">
-                <a16:creationId xmlns:a16="http://schemas.microsoft.com/office/drawing/2014/main" id="{B65047DE-1D06-164B-8B8D-2A38715ED4E4}"/>
+                <a16:creationId xmlns:a16="http://schemas.microsoft.com/office/drawing/2014/main" id="{14156061-7A12-0C45-824E-798206A88B74}"/>
               </a:ext>
             </a:extLst>
           </p:cNvPr>
@@ -11198,7 +12305,7 @@
           <a:p>
             <a:r>
               <a:rPr lang="en-US" dirty="0"/>
-              <a:t>What are some features of this text?</a:t>
+              <a:t>XML Explained</a:t>
             </a:r>
           </a:p>
         </p:txBody>
@@ -11208,7 +12315,7 @@
           <p:cNvPr id="3" name="Content Placeholder 2">
             <a:extLst>
               <a:ext uri="{FF2B5EF4-FFF2-40B4-BE49-F238E27FC236}">
-                <a16:creationId xmlns:a16="http://schemas.microsoft.com/office/drawing/2014/main" id="{6D960784-DFC7-AA4D-9F7E-4941E3762F11}"/>
+                <a16:creationId xmlns:a16="http://schemas.microsoft.com/office/drawing/2014/main" id="{31C984DA-A01C-8549-82F1-96C92B3A4420}"/>
               </a:ext>
             </a:extLst>
           </p:cNvPr>
@@ -11221,62 +12328,106 @@
         </p:nvSpPr>
         <p:spPr/>
         <p:txBody>
-          <a:bodyPr/>
-          <a:lstStyle/>
-          <a:p>
-            <a:r>
-              <a:rPr lang="en-US" dirty="0"/>
-              <a:t>Blocks of text (are they paragraphs?)</a:t>
-            </a:r>
-          </a:p>
-          <a:p>
-            <a:r>
-              <a:rPr lang="en-US" dirty="0"/>
-              <a:t>Lines</a:t>
-            </a:r>
-          </a:p>
-          <a:p>
-            <a:r>
-              <a:rPr lang="en-US" dirty="0"/>
-              <a:t>Divisions?</a:t>
-            </a:r>
-          </a:p>
-          <a:p>
-            <a:r>
-              <a:rPr lang="en-US" dirty="0"/>
-              <a:t>Signatures</a:t>
-            </a:r>
-          </a:p>
-          <a:p>
-            <a:r>
-              <a:rPr lang="en-US" dirty="0"/>
-              <a:t>Opener/closer</a:t>
-            </a:r>
-          </a:p>
-          <a:p>
-            <a:r>
-              <a:rPr lang="en-US" dirty="0"/>
-              <a:t>Names</a:t>
-            </a:r>
-          </a:p>
-          <a:p>
-            <a:r>
-              <a:rPr lang="en-US" dirty="0"/>
-              <a:t>Dates</a:t>
-            </a:r>
-          </a:p>
-          <a:p>
-            <a:r>
-              <a:rPr lang="en-US" dirty="0"/>
-              <a:t>++++</a:t>
-            </a:r>
+          <a:bodyPr>
+            <a:normAutofit/>
+          </a:bodyPr>
+          <a:lstStyle/>
+          <a:p>
+            <a:r>
+              <a:rPr lang="en-US" dirty="0"/>
+              <a:t>The two pointy brackets is called an </a:t>
+            </a:r>
+            <a:r>
+              <a:rPr lang="en-US" b="1" dirty="0"/>
+              <a:t>element </a:t>
+            </a:r>
+          </a:p>
+          <a:p>
+            <a:pPr lvl="1"/>
+            <a:r>
+              <a:rPr lang="en-US" dirty="0"/>
+              <a:t>E.g. &lt;book&gt; would be called the book element</a:t>
+            </a:r>
+          </a:p>
+          <a:p>
+            <a:r>
+              <a:rPr lang="en-US" dirty="0"/>
+              <a:t>All elements have </a:t>
+            </a:r>
+            <a:r>
+              <a:rPr lang="en-US" b="1" dirty="0"/>
+              <a:t>start </a:t>
+            </a:r>
+            <a:r>
+              <a:rPr lang="en-US" dirty="0"/>
+              <a:t>and </a:t>
+            </a:r>
+            <a:r>
+              <a:rPr lang="en-US" b="1" dirty="0"/>
+              <a:t>end tags</a:t>
+            </a:r>
+          </a:p>
+          <a:p>
+            <a:pPr lvl="1"/>
+            <a:r>
+              <a:rPr lang="en-US" dirty="0"/>
+              <a:t>E.g.</a:t>
+            </a:r>
+            <a:r>
+              <a:rPr lang="en-US" b="1" dirty="0"/>
+              <a:t> </a:t>
+            </a:r>
+            <a:r>
+              <a:rPr lang="en-US" dirty="0"/>
+              <a:t>&lt;book&gt; is the start tag and &lt;/book&gt; is the end tag</a:t>
+            </a:r>
+          </a:p>
+          <a:p>
+            <a:r>
+              <a:rPr lang="en-US" dirty="0"/>
+              <a:t>Elements can also have </a:t>
+            </a:r>
+            <a:r>
+              <a:rPr lang="en-US" b="1" dirty="0"/>
+              <a:t>attributes and each attribute must have a  value</a:t>
+            </a:r>
+          </a:p>
+          <a:p>
+            <a:pPr lvl="1"/>
+            <a:r>
+              <a:rPr lang="en-US" dirty="0"/>
+              <a:t>E.g. &lt;book type= “primary”&gt; has a </a:t>
+            </a:r>
+            <a:r>
+              <a:rPr lang="en-US" b="1" dirty="0"/>
+              <a:t>type attribute with the value of primary</a:t>
+            </a:r>
+          </a:p>
+          <a:p>
+            <a:pPr lvl="1"/>
+            <a:r>
+              <a:rPr lang="en-US" dirty="0"/>
+              <a:t>(Think of attributes as you would in everyday life; people don’t have “height” or “age” without a value)</a:t>
+            </a:r>
+          </a:p>
+          <a:p>
+            <a:pPr marL="457200" lvl="1" indent="0">
+              <a:buNone/>
+            </a:pPr>
+            <a:endParaRPr lang="en-US" dirty="0"/>
+          </a:p>
+          <a:p>
+            <a:endParaRPr lang="en-US" dirty="0"/>
+          </a:p>
+          <a:p>
+            <a:endParaRPr lang="en-US" dirty="0"/>
           </a:p>
         </p:txBody>
       </p:sp>
     </p:spTree>
     <p:extLst>
       <p:ext uri="{BB962C8B-B14F-4D97-AF65-F5344CB8AC3E}">
-        <p14:creationId xmlns:p14="http://schemas.microsoft.com/office/powerpoint/2010/main" val="1712556056"/>
+        <p14:creationId xmlns:p14="http://schemas.microsoft.com/office/powerpoint/2010/main" val="3779518719"/>
       </p:ext>
     </p:extLst>
   </p:cSld>
